--- a/Courses/Software-Sciences/Module-1-OOP-New/04.1-Loops-Basics/04.1-Loops-Basics.pptx
+++ b/Courses/Software-Sciences/Module-1-OOP-New/04.1-Loops-Basics/04.1-Loops-Basics.pptx
@@ -5,10 +5,10 @@
     <p:sldMasterId id="2147483675" r:id="rId1"/>
   </p:sldMasterIdLst>
   <p:notesMasterIdLst>
-    <p:notesMasterId r:id="rId40"/>
+    <p:notesMasterId r:id="rId41"/>
   </p:notesMasterIdLst>
   <p:handoutMasterIdLst>
-    <p:handoutMasterId r:id="rId41"/>
+    <p:handoutMasterId r:id="rId42"/>
   </p:handoutMasterIdLst>
   <p:sldIdLst>
     <p:sldId id="274" r:id="rId2"/>
@@ -32,23 +32,24 @@
     <p:sldId id="605" r:id="rId20"/>
     <p:sldId id="673" r:id="rId21"/>
     <p:sldId id="638" r:id="rId22"/>
-    <p:sldId id="639" r:id="rId23"/>
-    <p:sldId id="641" r:id="rId24"/>
-    <p:sldId id="642" r:id="rId25"/>
-    <p:sldId id="644" r:id="rId26"/>
-    <p:sldId id="645" r:id="rId27"/>
-    <p:sldId id="649" r:id="rId28"/>
-    <p:sldId id="650" r:id="rId29"/>
-    <p:sldId id="674" r:id="rId30"/>
-    <p:sldId id="675" r:id="rId31"/>
-    <p:sldId id="677" r:id="rId32"/>
-    <p:sldId id="678" r:id="rId33"/>
-    <p:sldId id="679" r:id="rId34"/>
-    <p:sldId id="680" r:id="rId35"/>
-    <p:sldId id="580" r:id="rId36"/>
-    <p:sldId id="504" r:id="rId37"/>
-    <p:sldId id="505" r:id="rId38"/>
-    <p:sldId id="506" r:id="rId39"/>
+    <p:sldId id="683" r:id="rId23"/>
+    <p:sldId id="639" r:id="rId24"/>
+    <p:sldId id="641" r:id="rId25"/>
+    <p:sldId id="642" r:id="rId26"/>
+    <p:sldId id="644" r:id="rId27"/>
+    <p:sldId id="645" r:id="rId28"/>
+    <p:sldId id="649" r:id="rId29"/>
+    <p:sldId id="650" r:id="rId30"/>
+    <p:sldId id="674" r:id="rId31"/>
+    <p:sldId id="675" r:id="rId32"/>
+    <p:sldId id="677" r:id="rId33"/>
+    <p:sldId id="678" r:id="rId34"/>
+    <p:sldId id="679" r:id="rId35"/>
+    <p:sldId id="680" r:id="rId36"/>
+    <p:sldId id="580" r:id="rId37"/>
+    <p:sldId id="504" r:id="rId38"/>
+    <p:sldId id="505" r:id="rId39"/>
+    <p:sldId id="506" r:id="rId40"/>
   </p:sldIdLst>
   <p:sldSz cx="12192000" cy="6858000"/>
   <p:notesSz cx="6858000" cy="9144000"/>
@@ -189,6 +190,7 @@
           <p14:sldIdLst>
             <p14:sldId id="673"/>
             <p14:sldId id="638"/>
+            <p14:sldId id="683"/>
             <p14:sldId id="639"/>
             <p14:sldId id="641"/>
             <p14:sldId id="642"/>
@@ -333,7 +335,7 @@
           <a:p>
             <a:fld id="{4E087215-0C8F-4762-A664-737A353EC9A4}" type="datetimeFigureOut">
               <a:rPr lang="bg-BG" smtClean="0"/>
-              <a:t>3.02.23 г.</a:t>
+              <a:t>9.2.2023 г.</a:t>
             </a:fld>
             <a:endParaRPr lang="bg-BG"/>
           </a:p>
@@ -524,7 +526,7 @@
           <a:p>
             <a:fld id="{72D84649-876A-46C9-8472-14CB09C070D8}" type="datetimeFigureOut">
               <a:rPr lang="en-US" smtClean="0"/>
-              <a:t>2/3/23</a:t>
+              <a:t>9-Feb-23</a:t>
             </a:fld>
             <a:endParaRPr lang="en-US"/>
           </a:p>
@@ -1011,7 +1013,7 @@
           <a:p>
             <a:fld id="{2BF067CD-8E6B-4360-9AA8-C5DF2A48A6D1}" type="slidenum">
               <a:rPr lang="en-US" smtClean="0"/>
-              <a:t>25</a:t>
+              <a:t>26</a:t>
             </a:fld>
             <a:endParaRPr lang="en-US" dirty="0"/>
           </a:p>
@@ -1128,7 +1130,7 @@
           <a:p>
             <a:fld id="{2BF067CD-8E6B-4360-9AA8-C5DF2A48A6D1}" type="slidenum">
               <a:rPr lang="en-US" smtClean="0"/>
-              <a:t>28</a:t>
+              <a:t>29</a:t>
             </a:fld>
             <a:endParaRPr lang="en-US" dirty="0"/>
           </a:p>
@@ -1246,7 +1248,7 @@
             <a:fld id="{3EBA5BD7-F043-4D1B-AA17-CD412FC534DE}" type="slidenum">
               <a:rPr lang="en-US" smtClean="0"/>
               <a:pPr/>
-              <a:t>35</a:t>
+              <a:t>36</a:t>
             </a:fld>
             <a:endParaRPr lang="en-US" dirty="0"/>
           </a:p>
@@ -1487,7 +1489,7 @@
             <a:fld id="{3EBA5BD7-F043-4D1B-AA17-CD412FC534DE}" type="slidenum">
               <a:rPr lang="en-US" smtClean="0"/>
               <a:pPr/>
-              <a:t>36</a:t>
+              <a:t>37</a:t>
             </a:fld>
             <a:endParaRPr lang="en-US" dirty="0"/>
           </a:p>
@@ -1728,7 +1730,7 @@
             <a:fld id="{3EBA5BD7-F043-4D1B-AA17-CD412FC534DE}" type="slidenum">
               <a:rPr lang="en-US" smtClean="0"/>
               <a:pPr/>
-              <a:t>37</a:t>
+              <a:t>38</a:t>
             </a:fld>
             <a:endParaRPr lang="en-US" dirty="0"/>
           </a:p>
@@ -1969,7 +1971,7 @@
             <a:fld id="{3EBA5BD7-F043-4D1B-AA17-CD412FC534DE}" type="slidenum">
               <a:rPr lang="en-US" smtClean="0"/>
               <a:pPr/>
-              <a:t>38</a:t>
+              <a:t>39</a:t>
             </a:fld>
             <a:endParaRPr lang="en-US" dirty="0"/>
           </a:p>
@@ -10224,11 +10226,11 @@
   <p:clrMapOvr>
     <a:masterClrMapping/>
   </p:clrMapOvr>
-  <mc:AlternateContent xmlns:mc="http://schemas.openxmlformats.org/markup-compatibility/2006">
-    <mc:Choice xmlns:p14="http://schemas.microsoft.com/office/powerpoint/2010/main" Requires="p14">
+  <mc:AlternateContent xmlns:mc="http://schemas.openxmlformats.org/markup-compatibility/2006" xmlns:p14="http://schemas.microsoft.com/office/powerpoint/2010/main">
+    <mc:Choice Requires="p14">
       <p:transition p14:dur="10" advClick="0" advTm="5000"/>
     </mc:Choice>
-    <mc:Fallback>
+    <mc:Fallback xmlns="">
       <p:transition advClick="0" advTm="5000"/>
     </mc:Fallback>
   </mc:AlternateContent>
@@ -15788,6 +15790,15 @@
               </a:schemeClr>
             </a:duotone>
             <a:extLst>
+              <a:ext uri="{BEBA8EAE-BF5A-486C-A8C5-ECC9F3942E4B}">
+                <a14:imgProps xmlns:a14="http://schemas.microsoft.com/office/drawing/2010/main">
+                  <a14:imgLayer r:embed="rId3">
+                    <a14:imgEffect>
+                      <a14:brightnessContrast bright="40000" contrast="-40000"/>
+                    </a14:imgEffect>
+                  </a14:imgLayer>
+                </a14:imgProps>
+              </a:ext>
               <a:ext uri="{28A0092B-C50C-407E-A947-70E740481C1C}">
                 <a14:useLocalDpi xmlns:a14="http://schemas.microsoft.com/office/drawing/2010/main" val="0"/>
               </a:ext>
@@ -15987,7 +15998,7 @@
             </a:r>
             <a:r>
               <a:rPr lang="bg-BG" dirty="0"/>
-              <a:t> :</a:t>
+              <a:t>:</a:t>
             </a:r>
             <a:endParaRPr lang="en-US" b="1" dirty="0">
               <a:solidFill>
@@ -16048,7 +16059,7 @@
         </p:nvSpPr>
         <p:spPr bwMode="auto">
           <a:xfrm>
-            <a:off x="594959" y="4995065"/>
+            <a:off x="707417" y="4995065"/>
             <a:ext cx="7278583" cy="1040014"/>
           </a:xfrm>
           <a:prstGeom prst="rect">
@@ -16175,7 +16186,7 @@
         </p:nvSpPr>
         <p:spPr bwMode="auto">
           <a:xfrm>
-            <a:off x="594959" y="2343122"/>
+            <a:off x="707417" y="2478986"/>
             <a:ext cx="7278583" cy="1040014"/>
           </a:xfrm>
           <a:prstGeom prst="rect">
@@ -16285,7 +16296,7 @@
         </p:nvSpPr>
         <p:spPr>
           <a:xfrm>
-            <a:off x="5781000" y="2786265"/>
+            <a:off x="5781000" y="2898249"/>
             <a:ext cx="1122357" cy="665751"/>
           </a:xfrm>
           <a:prstGeom prst="rect">
@@ -16346,7 +16357,7 @@
         </p:nvSpPr>
         <p:spPr>
           <a:xfrm>
-            <a:off x="5048203" y="5427677"/>
+            <a:off x="5261217" y="5418249"/>
             <a:ext cx="1599783" cy="665751"/>
           </a:xfrm>
           <a:prstGeom prst="rect">
@@ -19457,7 +19468,27 @@
                 <a:latin typeface="Consolas" pitchFamily="49" charset="0"/>
                 <a:cs typeface="Consolas" pitchFamily="49" charset="0"/>
               </a:rPr>
-              <a:t>//код</a:t>
+              <a:t>//</a:t>
+            </a:r>
+            <a:r>
+              <a:rPr lang="en-US" sz="2999" b="1" noProof="1">
+                <a:solidFill>
+                  <a:schemeClr val="accent2"/>
+                </a:solidFill>
+                <a:latin typeface="Consolas" pitchFamily="49" charset="0"/>
+                <a:cs typeface="Consolas" pitchFamily="49" charset="0"/>
+              </a:rPr>
+              <a:t> </a:t>
+            </a:r>
+            <a:r>
+              <a:rPr lang="bg-BG" sz="2999" b="1" noProof="1">
+                <a:solidFill>
+                  <a:schemeClr val="accent2"/>
+                </a:solidFill>
+                <a:latin typeface="Consolas" pitchFamily="49" charset="0"/>
+                <a:cs typeface="Consolas" pitchFamily="49" charset="0"/>
+              </a:rPr>
+              <a:t>код</a:t>
             </a:r>
             <a:endParaRPr lang="pt-BR" sz="2999" b="1" noProof="1">
               <a:solidFill>
@@ -20744,62 +20775,6 @@
       </p:grpSpPr>
       <p:sp>
         <p:nvSpPr>
-          <p:cNvPr id="3" name="Content Placeholder 2"/>
-          <p:cNvSpPr>
-            <a:spLocks noGrp="1"/>
-          </p:cNvSpPr>
-          <p:nvPr>
-            <p:ph type="body" sz="quarter" idx="10"/>
-          </p:nvPr>
-        </p:nvSpPr>
-        <p:spPr/>
-        <p:txBody>
-          <a:bodyPr/>
-          <a:lstStyle/>
-          <a:p>
-            <a:pPr latinLnBrk="0">
-              <a:buClr>
-                <a:schemeClr val="tx1"/>
-              </a:buClr>
-            </a:pPr>
-            <a:r>
-              <a:rPr lang="bg-BG" b="1" dirty="0">
-                <a:solidFill>
-                  <a:schemeClr val="bg1"/>
-                </a:solidFill>
-              </a:rPr>
-              <a:t>Безкраен цикъл </a:t>
-            </a:r>
-            <a:r>
-              <a:rPr lang="en-US" dirty="0"/>
-              <a:t>– </a:t>
-            </a:r>
-            <a:r>
-              <a:rPr lang="bg-BG" dirty="0"/>
-              <a:t>повтаряне на блок от код безкраен брой </a:t>
-            </a:r>
-            <a:br>
-              <a:rPr lang="en-US" dirty="0"/>
-            </a:br>
-            <a:r>
-              <a:rPr lang="bg-BG" dirty="0"/>
-              <a:t>пъти:</a:t>
-            </a:r>
-          </a:p>
-          <a:p>
-            <a:pPr latinLnBrk="0"/>
-            <a:endParaRPr lang="bg-BG" dirty="0"/>
-          </a:p>
-          <a:p>
-            <a:pPr marL="0" indent="0">
-              <a:buNone/>
-            </a:pPr>
-            <a:endParaRPr lang="bg-BG" dirty="0"/>
-          </a:p>
-        </p:txBody>
-      </p:sp>
-      <p:sp>
-        <p:nvSpPr>
           <p:cNvPr id="4" name="Title 3"/>
           <p:cNvSpPr>
             <a:spLocks noGrp="1"/>
@@ -20814,16 +20789,48 @@
           <a:lstStyle/>
           <a:p>
             <a:r>
-              <a:rPr lang="bg-BG" dirty="0"/>
-              <a:t>Безкраен цикъл</a:t>
-            </a:r>
-            <a:endParaRPr lang="en-US" dirty="0"/>
+              <a:rPr lang="en-US" dirty="0">
+                <a:latin typeface="Consolas" panose="020B0609020204030204" pitchFamily="49" charset="0"/>
+              </a:rPr>
+              <a:t>While-</a:t>
+            </a:r>
+            <a:r>
+              <a:rPr lang="bg-BG" dirty="0">
+                <a:latin typeface="Calibri" panose="020F0502020204030204" pitchFamily="34" charset="0"/>
+                <a:cs typeface="Calibri" panose="020F0502020204030204" pitchFamily="34" charset="0"/>
+              </a:rPr>
+              <a:t>цикъл</a:t>
+            </a:r>
+            <a:r>
+              <a:rPr lang="en-US" dirty="0">
+                <a:latin typeface="Calibri" panose="020F0502020204030204" pitchFamily="34" charset="0"/>
+                <a:cs typeface="Calibri" panose="020F0502020204030204" pitchFamily="34" charset="0"/>
+              </a:rPr>
+              <a:t> – </a:t>
+            </a:r>
+            <a:r>
+              <a:rPr lang="bg-BG" dirty="0">
+                <a:latin typeface="Calibri" panose="020F0502020204030204" pitchFamily="34" charset="0"/>
+                <a:cs typeface="Calibri" panose="020F0502020204030204" pitchFamily="34" charset="0"/>
+              </a:rPr>
+              <a:t>пример</a:t>
+            </a:r>
+            <a:endParaRPr lang="en-US" dirty="0">
+              <a:latin typeface="Calibri" panose="020F0502020204030204" pitchFamily="34" charset="0"/>
+              <a:cs typeface="Calibri" panose="020F0502020204030204" pitchFamily="34" charset="0"/>
+            </a:endParaRPr>
           </a:p>
         </p:txBody>
       </p:sp>
       <p:sp>
         <p:nvSpPr>
-          <p:cNvPr id="5" name="Rectangle 5"/>
+          <p:cNvPr id="8" name="Rectangle 5">
+            <a:extLst>
+              <a:ext uri="{FF2B5EF4-FFF2-40B4-BE49-F238E27FC236}">
+                <a16:creationId xmlns:a16="http://schemas.microsoft.com/office/drawing/2014/main" id="{5956C384-38D5-421E-AFF5-6F314D3E033C}"/>
+              </a:ext>
+            </a:extLst>
+          </p:cNvPr>
           <p:cNvSpPr>
             <a:spLocks noChangeArrowheads="1"/>
           </p:cNvSpPr>
@@ -20831,8 +20838,8 @@
         </p:nvSpPr>
         <p:spPr bwMode="auto">
           <a:xfrm>
-            <a:off x="458671" y="3429001"/>
-            <a:ext cx="7618011" cy="1961565"/>
+            <a:off x="606000" y="1932436"/>
+            <a:ext cx="6252586" cy="2909323"/>
           </a:xfrm>
           <a:prstGeom prst="rect">
             <a:avLst/>
@@ -20876,31 +20883,7 @@
                 <a:latin typeface="Consolas" pitchFamily="49" charset="0"/>
                 <a:cs typeface="Consolas" pitchFamily="49" charset="0"/>
               </a:rPr>
-              <a:t>while (</a:t>
-            </a:r>
-            <a:r>
-              <a:rPr lang="en-US" sz="2799" b="1" noProof="1">
-                <a:solidFill>
-                  <a:schemeClr val="bg1"/>
-                </a:solidFill>
-                <a:latin typeface="Consolas" pitchFamily="49" charset="0"/>
-                <a:cs typeface="Consolas" pitchFamily="49" charset="0"/>
-              </a:rPr>
-              <a:t>true</a:t>
-            </a:r>
-            <a:r>
-              <a:rPr lang="en-US" sz="2799" b="1" noProof="1">
-                <a:latin typeface="Consolas" pitchFamily="49" charset="0"/>
-                <a:cs typeface="Consolas" pitchFamily="49" charset="0"/>
-              </a:rPr>
-              <a:t>)</a:t>
-            </a:r>
-            <a:r>
-              <a:rPr lang="bg-BG" sz="2799" b="1" noProof="1">
-                <a:latin typeface="Consolas" pitchFamily="49" charset="0"/>
-                <a:cs typeface="Consolas" pitchFamily="49" charset="0"/>
-              </a:rPr>
-              <a:t> </a:t>
+              <a:t>int count = 5; </a:t>
             </a:r>
           </a:p>
           <a:p>
@@ -20918,10 +20901,20 @@
             </a:pPr>
             <a:r>
               <a:rPr lang="en-US" sz="2799" b="1" noProof="1">
+                <a:solidFill>
+                  <a:schemeClr val="bg1"/>
+                </a:solidFill>
                 <a:latin typeface="Consolas" pitchFamily="49" charset="0"/>
                 <a:cs typeface="Consolas" pitchFamily="49" charset="0"/>
               </a:rPr>
-              <a:t>{</a:t>
+              <a:t>while </a:t>
+            </a:r>
+            <a:r>
+              <a:rPr lang="en-US" sz="2799" b="1" noProof="1">
+                <a:latin typeface="Consolas" pitchFamily="49" charset="0"/>
+                <a:cs typeface="Consolas" pitchFamily="49" charset="0"/>
+              </a:rPr>
+              <a:t>(count &gt; 0) </a:t>
             </a:r>
           </a:p>
           <a:p>
@@ -20939,11 +20932,18 @@
             </a:pPr>
             <a:r>
               <a:rPr lang="en-US" sz="2799" b="1" noProof="1">
+                <a:solidFill>
+                  <a:schemeClr val="bg1"/>
+                </a:solidFill>
                 <a:latin typeface="Consolas" pitchFamily="49" charset="0"/>
                 <a:cs typeface="Consolas" pitchFamily="49" charset="0"/>
               </a:rPr>
-              <a:t>   Console.WriteLine("Infinite loop");</a:t>
-            </a:r>
+              <a:t>{</a:t>
+            </a:r>
+            <a:endParaRPr lang="en-US" sz="2799" b="1" noProof="1">
+              <a:latin typeface="Consolas" pitchFamily="49" charset="0"/>
+              <a:cs typeface="Consolas" pitchFamily="49" charset="0"/>
+            </a:endParaRPr>
           </a:p>
           <a:p>
             <a:pPr eaLnBrk="0" hangingPunct="0">
@@ -20959,10 +20959,62 @@
               <a:buSzPct val="70000"/>
             </a:pPr>
             <a:r>
+              <a:rPr lang="bg-BG" sz="2799" b="1" noProof="1">
+                <a:latin typeface="Consolas" pitchFamily="49" charset="0"/>
+                <a:cs typeface="Consolas" pitchFamily="49" charset="0"/>
+              </a:rPr>
+              <a:t>  </a:t>
+            </a:r>
+            <a:r>
               <a:rPr lang="en-US" sz="2799" b="1" noProof="1">
                 <a:latin typeface="Consolas" pitchFamily="49" charset="0"/>
                 <a:cs typeface="Consolas" pitchFamily="49" charset="0"/>
               </a:rPr>
+              <a:t>Console.WriteLine(count);</a:t>
+            </a:r>
+          </a:p>
+          <a:p>
+            <a:pPr eaLnBrk="0" hangingPunct="0">
+              <a:lnSpc>
+                <a:spcPct val="110000"/>
+              </a:lnSpc>
+              <a:buClr>
+                <a:schemeClr val="accent5">
+                  <a:lumMod val="40000"/>
+                  <a:lumOff val="60000"/>
+                </a:schemeClr>
+              </a:buClr>
+              <a:buSzPct val="70000"/>
+            </a:pPr>
+            <a:r>
+              <a:rPr lang="en-US" sz="2799" b="1" noProof="1">
+                <a:latin typeface="Consolas" pitchFamily="49" charset="0"/>
+                <a:cs typeface="Consolas" pitchFamily="49" charset="0"/>
+              </a:rPr>
+              <a:t>  count--;</a:t>
+            </a:r>
+          </a:p>
+          <a:p>
+            <a:pPr eaLnBrk="0" hangingPunct="0">
+              <a:lnSpc>
+                <a:spcPct val="110000"/>
+              </a:lnSpc>
+              <a:buClr>
+                <a:schemeClr val="accent5">
+                  <a:lumMod val="40000"/>
+                  <a:lumOff val="60000"/>
+                </a:schemeClr>
+              </a:buClr>
+              <a:buSzPct val="70000"/>
+            </a:pPr>
+            <a:r>
+              <a:rPr lang="en-US" sz="2799" b="1" noProof="1">
+                <a:solidFill>
+                  <a:schemeClr val="bg1"/>
+                </a:solidFill>
+                <a:latin typeface="Consolas" pitchFamily="49" charset="0"/>
+                <a:cs typeface="Consolas" pitchFamily="49" charset="0"/>
+              </a:rPr>
               <a:t>}</a:t>
             </a:r>
           </a:p>
@@ -20970,7 +21022,13 @@
       </p:sp>
       <p:sp>
         <p:nvSpPr>
-          <p:cNvPr id="11" name="AutoShape 7"/>
+          <p:cNvPr id="10" name="AutoShape 7">
+            <a:extLst>
+              <a:ext uri="{FF2B5EF4-FFF2-40B4-BE49-F238E27FC236}">
+                <a16:creationId xmlns:a16="http://schemas.microsoft.com/office/drawing/2014/main" id="{FA44057F-32DF-464A-AA9C-89B84F121783}"/>
+              </a:ext>
+            </a:extLst>
+          </p:cNvPr>
           <p:cNvSpPr>
             <a:spLocks noChangeArrowheads="1"/>
           </p:cNvSpPr>
@@ -20978,13 +21036,13 @@
         </p:nvSpPr>
         <p:spPr bwMode="auto">
           <a:xfrm>
-            <a:off x="2553621" y="2349000"/>
-            <a:ext cx="2462379" cy="953144"/>
+            <a:off x="5060212" y="1534082"/>
+            <a:ext cx="3867651" cy="1093327"/>
           </a:xfrm>
           <a:prstGeom prst="wedgeRoundRectCallout">
             <a:avLst>
-              <a:gd name="adj1" fmla="val -48462"/>
-              <a:gd name="adj2" fmla="val 70480"/>
+              <a:gd name="adj1" fmla="val -70358"/>
+              <a:gd name="adj2" fmla="val 48472"/>
               <a:gd name="adj3" fmla="val 16667"/>
             </a:avLst>
           </a:prstGeom>
@@ -21033,6 +21091,823 @@
                   <a:srgbClr val="FFFFFF"/>
                 </a:solidFill>
               </a:rPr>
+              <a:t>Условие за повтаряне на повторението</a:t>
+            </a:r>
+          </a:p>
+        </p:txBody>
+      </p:sp>
+      <p:sp>
+        <p:nvSpPr>
+          <p:cNvPr id="11" name="Arrow: Right 1">
+            <a:extLst>
+              <a:ext uri="{FF2B5EF4-FFF2-40B4-BE49-F238E27FC236}">
+                <a16:creationId xmlns:a16="http://schemas.microsoft.com/office/drawing/2014/main" id="{092A269E-C79A-4BF3-9A7C-C76800F6D195}"/>
+              </a:ext>
+            </a:extLst>
+          </p:cNvPr>
+          <p:cNvSpPr/>
+          <p:nvPr/>
+        </p:nvSpPr>
+        <p:spPr bwMode="auto">
+          <a:xfrm>
+            <a:off x="6994038" y="3909413"/>
+            <a:ext cx="428262" cy="376871"/>
+          </a:xfrm>
+          <a:prstGeom prst="rightArrow">
+            <a:avLst/>
+          </a:prstGeom>
+        </p:spPr>
+        <p:style>
+          <a:lnRef idx="2">
+            <a:schemeClr val="accent1">
+              <a:shade val="50000"/>
+            </a:schemeClr>
+          </a:lnRef>
+          <a:fillRef idx="1">
+            <a:schemeClr val="accent1"/>
+          </a:fillRef>
+          <a:effectRef idx="0">
+            <a:schemeClr val="accent1"/>
+          </a:effectRef>
+          <a:fontRef idx="minor">
+            <a:schemeClr val="lt1"/>
+          </a:fontRef>
+        </p:style>
+        <p:txBody>
+          <a:bodyPr rtlCol="0" anchor="ctr"/>
+          <a:lstStyle/>
+          <a:p>
+            <a:pPr algn="ctr"/>
+            <a:endParaRPr lang="bg-BG" sz="2799" dirty="0"/>
+          </a:p>
+        </p:txBody>
+      </p:sp>
+      <p:sp>
+        <p:nvSpPr>
+          <p:cNvPr id="12" name="Slide Number">
+            <a:extLst>
+              <a:ext uri="{FF2B5EF4-FFF2-40B4-BE49-F238E27FC236}">
+                <a16:creationId xmlns:a16="http://schemas.microsoft.com/office/drawing/2014/main" id="{0DBE365D-9793-4FFA-8A6F-41F203A77021}"/>
+              </a:ext>
+            </a:extLst>
+          </p:cNvPr>
+          <p:cNvSpPr>
+            <a:spLocks noGrp="1"/>
+          </p:cNvSpPr>
+          <p:nvPr>
+            <p:ph type="sldNum" sz="quarter" idx="5"/>
+          </p:nvPr>
+        </p:nvSpPr>
+        <p:spPr>
+          <a:xfrm>
+            <a:off x="11753030" y="6507000"/>
+            <a:ext cx="367414" cy="297000"/>
+          </a:xfrm>
+          <a:prstGeom prst="rect">
+            <a:avLst/>
+          </a:prstGeom>
+        </p:spPr>
+        <p:txBody>
+          <a:bodyPr vert="horz" lIns="91440" tIns="45720" rIns="91440" bIns="45720" rtlCol="0" anchor="b"/>
+          <a:lstStyle>
+            <a:lvl1pPr algn="r">
+              <a:defRPr sz="1000"/>
+            </a:lvl1pPr>
+          </a:lstStyle>
+          <a:p>
+            <a:fld id="{2BF067CD-8E6B-4360-9AA8-C5DF2A48A6D1}" type="slidenum">
+              <a:rPr lang="en-US" noProof="0" smtClean="0"/>
+              <a:pPr/>
+              <a:t>22</a:t>
+            </a:fld>
+            <a:endParaRPr lang="en-US" noProof="0" dirty="0"/>
+          </a:p>
+        </p:txBody>
+      </p:sp>
+      <p:sp>
+        <p:nvSpPr>
+          <p:cNvPr id="2" name="Rectangle: Rounded Corners 1">
+            <a:extLst>
+              <a:ext uri="{FF2B5EF4-FFF2-40B4-BE49-F238E27FC236}">
+                <a16:creationId xmlns:a16="http://schemas.microsoft.com/office/drawing/2014/main" id="{B6C1F109-30CA-EED1-A291-A5F38017690E}"/>
+              </a:ext>
+            </a:extLst>
+          </p:cNvPr>
+          <p:cNvSpPr/>
+          <p:nvPr/>
+        </p:nvSpPr>
+        <p:spPr bwMode="auto">
+          <a:xfrm>
+            <a:off x="7567778" y="2824687"/>
+            <a:ext cx="4250888" cy="2546321"/>
+          </a:xfrm>
+          <a:prstGeom prst="roundRect">
+            <a:avLst/>
+          </a:prstGeom>
+          <a:solidFill>
+            <a:srgbClr val="FFFF00">
+              <a:alpha val="80000"/>
+            </a:srgbClr>
+          </a:solidFill>
+          <a:ln w="19050">
+            <a:solidFill>
+              <a:schemeClr val="tx1">
+                <a:lumMod val="75000"/>
+                <a:alpha val="80000"/>
+              </a:schemeClr>
+            </a:solidFill>
+          </a:ln>
+          <a:effectLst/>
+        </p:spPr>
+        <p:style>
+          <a:lnRef idx="2">
+            <a:schemeClr val="accent1">
+              <a:shade val="50000"/>
+            </a:schemeClr>
+          </a:lnRef>
+          <a:fillRef idx="1001">
+            <a:schemeClr val="dk2"/>
+          </a:fillRef>
+          <a:effectRef idx="0">
+            <a:schemeClr val="accent1"/>
+          </a:effectRef>
+          <a:fontRef idx="minor">
+            <a:schemeClr val="lt1"/>
+          </a:fontRef>
+        </p:style>
+        <p:txBody>
+          <a:bodyPr rot="0" spcFirstLastPara="0" vertOverflow="overflow" horzOverflow="overflow" vert="horz" wrap="square" lIns="91440" tIns="45720" rIns="91440" bIns="45720" numCol="1" spcCol="0" rtlCol="0" fromWordArt="0" anchor="ctr" anchorCtr="0" forceAA="0" compatLnSpc="1">
+            <a:prstTxWarp prst="textNoShape">
+              <a:avLst/>
+            </a:prstTxWarp>
+            <a:noAutofit/>
+          </a:bodyPr>
+          <a:lstStyle/>
+          <a:p>
+            <a:pPr algn="ctr"/>
+            <a:r>
+              <a:rPr lang="en-US" sz="5400" dirty="0">
+                <a:ln w="0"/>
+                <a:solidFill>
+                  <a:schemeClr val="tx1"/>
+                </a:solidFill>
+                <a:effectLst>
+                  <a:outerShdw blurRad="38100" dist="19050" dir="2700000" algn="tl" rotWithShape="0">
+                    <a:schemeClr val="dk1">
+                      <a:alpha val="40000"/>
+                    </a:schemeClr>
+                  </a:outerShdw>
+                </a:effectLst>
+              </a:rPr>
+              <a:t>TODO: screenshot</a:t>
+            </a:r>
+          </a:p>
+        </p:txBody>
+      </p:sp>
+    </p:spTree>
+    <p:extLst>
+      <p:ext uri="{BB962C8B-B14F-4D97-AF65-F5344CB8AC3E}">
+        <p14:creationId xmlns:p14="http://schemas.microsoft.com/office/powerpoint/2010/main" val="1963371365"/>
+      </p:ext>
+    </p:extLst>
+  </p:cSld>
+  <p:clrMapOvr>
+    <a:masterClrMapping/>
+  </p:clrMapOvr>
+  <mc:AlternateContent xmlns:mc="http://schemas.openxmlformats.org/markup-compatibility/2006" xmlns:p14="http://schemas.microsoft.com/office/powerpoint/2010/main">
+    <mc:Choice Requires="p14">
+      <p:transition p14:dur="0" advClick="0" advTm="5000"/>
+    </mc:Choice>
+    <mc:Fallback xmlns="">
+      <p:transition advClick="0" advTm="5000"/>
+    </mc:Fallback>
+  </mc:AlternateContent>
+  <p:timing>
+    <p:tnLst>
+      <p:par>
+        <p:cTn id="1" dur="indefinite" restart="never" nodeType="tmRoot">
+          <p:childTnLst>
+            <p:seq concurrent="1" nextAc="seek">
+              <p:cTn id="2" dur="indefinite" nodeType="mainSeq">
+                <p:childTnLst>
+                  <p:par>
+                    <p:cTn id="3" fill="hold">
+                      <p:stCondLst>
+                        <p:cond delay="indefinite"/>
+                      </p:stCondLst>
+                      <p:childTnLst>
+                        <p:par>
+                          <p:cTn id="4" fill="hold">
+                            <p:stCondLst>
+                              <p:cond delay="0"/>
+                            </p:stCondLst>
+                            <p:childTnLst>
+                              <p:par>
+                                <p:cTn id="5" presetID="1" presetClass="entr" presetSubtype="0" fill="hold" nodeType="clickEffect">
+                                  <p:stCondLst>
+                                    <p:cond delay="0"/>
+                                  </p:stCondLst>
+                                  <p:childTnLst>
+                                    <p:set>
+                                      <p:cBhvr>
+                                        <p:cTn id="6" dur="1" fill="hold">
+                                          <p:stCondLst>
+                                            <p:cond delay="0"/>
+                                          </p:stCondLst>
+                                        </p:cTn>
+                                        <p:tgtEl>
+                                          <p:spTgt spid="8">
+                                            <p:txEl>
+                                              <p:pRg st="1" end="1"/>
+                                            </p:txEl>
+                                          </p:spTgt>
+                                        </p:tgtEl>
+                                        <p:attrNameLst>
+                                          <p:attrName>style.visibility</p:attrName>
+                                        </p:attrNameLst>
+                                      </p:cBhvr>
+                                      <p:to>
+                                        <p:strVal val="visible"/>
+                                      </p:to>
+                                    </p:set>
+                                  </p:childTnLst>
+                                </p:cTn>
+                              </p:par>
+                              <p:par>
+                                <p:cTn id="7" presetID="1" presetClass="entr" presetSubtype="0" fill="hold" nodeType="withEffect">
+                                  <p:stCondLst>
+                                    <p:cond delay="0"/>
+                                  </p:stCondLst>
+                                  <p:childTnLst>
+                                    <p:set>
+                                      <p:cBhvr>
+                                        <p:cTn id="8" dur="1" fill="hold">
+                                          <p:stCondLst>
+                                            <p:cond delay="0"/>
+                                          </p:stCondLst>
+                                        </p:cTn>
+                                        <p:tgtEl>
+                                          <p:spTgt spid="8">
+                                            <p:txEl>
+                                              <p:pRg st="2" end="2"/>
+                                            </p:txEl>
+                                          </p:spTgt>
+                                        </p:tgtEl>
+                                        <p:attrNameLst>
+                                          <p:attrName>style.visibility</p:attrName>
+                                        </p:attrNameLst>
+                                      </p:cBhvr>
+                                      <p:to>
+                                        <p:strVal val="visible"/>
+                                      </p:to>
+                                    </p:set>
+                                  </p:childTnLst>
+                                </p:cTn>
+                              </p:par>
+                              <p:par>
+                                <p:cTn id="9" presetID="1" presetClass="entr" presetSubtype="0" fill="hold" nodeType="withEffect">
+                                  <p:stCondLst>
+                                    <p:cond delay="0"/>
+                                  </p:stCondLst>
+                                  <p:childTnLst>
+                                    <p:set>
+                                      <p:cBhvr>
+                                        <p:cTn id="10" dur="1" fill="hold">
+                                          <p:stCondLst>
+                                            <p:cond delay="0"/>
+                                          </p:stCondLst>
+                                        </p:cTn>
+                                        <p:tgtEl>
+                                          <p:spTgt spid="8">
+                                            <p:txEl>
+                                              <p:pRg st="5" end="5"/>
+                                            </p:txEl>
+                                          </p:spTgt>
+                                        </p:tgtEl>
+                                        <p:attrNameLst>
+                                          <p:attrName>style.visibility</p:attrName>
+                                        </p:attrNameLst>
+                                      </p:cBhvr>
+                                      <p:to>
+                                        <p:strVal val="visible"/>
+                                      </p:to>
+                                    </p:set>
+                                  </p:childTnLst>
+                                </p:cTn>
+                              </p:par>
+                            </p:childTnLst>
+                          </p:cTn>
+                        </p:par>
+                      </p:childTnLst>
+                    </p:cTn>
+                  </p:par>
+                  <p:par>
+                    <p:cTn id="11" fill="hold">
+                      <p:stCondLst>
+                        <p:cond delay="indefinite"/>
+                      </p:stCondLst>
+                      <p:childTnLst>
+                        <p:par>
+                          <p:cTn id="12" fill="hold">
+                            <p:stCondLst>
+                              <p:cond delay="0"/>
+                            </p:stCondLst>
+                            <p:childTnLst>
+                              <p:par>
+                                <p:cTn id="13" presetID="1" presetClass="entr" presetSubtype="0" fill="hold" grpId="0" nodeType="clickEffect">
+                                  <p:stCondLst>
+                                    <p:cond delay="0"/>
+                                  </p:stCondLst>
+                                  <p:childTnLst>
+                                    <p:set>
+                                      <p:cBhvr>
+                                        <p:cTn id="14" dur="1" fill="hold">
+                                          <p:stCondLst>
+                                            <p:cond delay="0"/>
+                                          </p:stCondLst>
+                                        </p:cTn>
+                                        <p:tgtEl>
+                                          <p:spTgt spid="10"/>
+                                        </p:tgtEl>
+                                        <p:attrNameLst>
+                                          <p:attrName>style.visibility</p:attrName>
+                                        </p:attrNameLst>
+                                      </p:cBhvr>
+                                      <p:to>
+                                        <p:strVal val="visible"/>
+                                      </p:to>
+                                    </p:set>
+                                  </p:childTnLst>
+                                </p:cTn>
+                              </p:par>
+                            </p:childTnLst>
+                          </p:cTn>
+                        </p:par>
+                      </p:childTnLst>
+                    </p:cTn>
+                  </p:par>
+                  <p:par>
+                    <p:cTn id="15" fill="hold">
+                      <p:stCondLst>
+                        <p:cond delay="indefinite"/>
+                      </p:stCondLst>
+                      <p:childTnLst>
+                        <p:par>
+                          <p:cTn id="16" fill="hold">
+                            <p:stCondLst>
+                              <p:cond delay="0"/>
+                            </p:stCondLst>
+                            <p:childTnLst>
+                              <p:par>
+                                <p:cTn id="17" presetID="1" presetClass="entr" presetSubtype="0" fill="hold" nodeType="clickEffect">
+                                  <p:stCondLst>
+                                    <p:cond delay="0"/>
+                                  </p:stCondLst>
+                                  <p:childTnLst>
+                                    <p:set>
+                                      <p:cBhvr>
+                                        <p:cTn id="18" dur="1" fill="hold">
+                                          <p:stCondLst>
+                                            <p:cond delay="0"/>
+                                          </p:stCondLst>
+                                        </p:cTn>
+                                        <p:tgtEl>
+                                          <p:spTgt spid="8">
+                                            <p:txEl>
+                                              <p:pRg st="3" end="3"/>
+                                            </p:txEl>
+                                          </p:spTgt>
+                                        </p:tgtEl>
+                                        <p:attrNameLst>
+                                          <p:attrName>style.visibility</p:attrName>
+                                        </p:attrNameLst>
+                                      </p:cBhvr>
+                                      <p:to>
+                                        <p:strVal val="visible"/>
+                                      </p:to>
+                                    </p:set>
+                                  </p:childTnLst>
+                                </p:cTn>
+                              </p:par>
+                              <p:par>
+                                <p:cTn id="19" presetID="1" presetClass="entr" presetSubtype="0" fill="hold" nodeType="withEffect">
+                                  <p:stCondLst>
+                                    <p:cond delay="0"/>
+                                  </p:stCondLst>
+                                  <p:childTnLst>
+                                    <p:set>
+                                      <p:cBhvr>
+                                        <p:cTn id="20" dur="1" fill="hold">
+                                          <p:stCondLst>
+                                            <p:cond delay="0"/>
+                                          </p:stCondLst>
+                                        </p:cTn>
+                                        <p:tgtEl>
+                                          <p:spTgt spid="8">
+                                            <p:txEl>
+                                              <p:pRg st="4" end="4"/>
+                                            </p:txEl>
+                                          </p:spTgt>
+                                        </p:tgtEl>
+                                        <p:attrNameLst>
+                                          <p:attrName>style.visibility</p:attrName>
+                                        </p:attrNameLst>
+                                      </p:cBhvr>
+                                      <p:to>
+                                        <p:strVal val="visible"/>
+                                      </p:to>
+                                    </p:set>
+                                  </p:childTnLst>
+                                </p:cTn>
+                              </p:par>
+                            </p:childTnLst>
+                          </p:cTn>
+                        </p:par>
+                      </p:childTnLst>
+                    </p:cTn>
+                  </p:par>
+                  <p:par>
+                    <p:cTn id="21" fill="hold">
+                      <p:stCondLst>
+                        <p:cond delay="indefinite"/>
+                      </p:stCondLst>
+                      <p:childTnLst>
+                        <p:par>
+                          <p:cTn id="22" fill="hold">
+                            <p:stCondLst>
+                              <p:cond delay="0"/>
+                            </p:stCondLst>
+                            <p:childTnLst>
+                              <p:par>
+                                <p:cTn id="23" presetID="1" presetClass="entr" presetSubtype="0" fill="hold" grpId="0" nodeType="clickEffect">
+                                  <p:stCondLst>
+                                    <p:cond delay="0"/>
+                                  </p:stCondLst>
+                                  <p:childTnLst>
+                                    <p:set>
+                                      <p:cBhvr>
+                                        <p:cTn id="24" dur="1" fill="hold">
+                                          <p:stCondLst>
+                                            <p:cond delay="0"/>
+                                          </p:stCondLst>
+                                        </p:cTn>
+                                        <p:tgtEl>
+                                          <p:spTgt spid="11"/>
+                                        </p:tgtEl>
+                                        <p:attrNameLst>
+                                          <p:attrName>style.visibility</p:attrName>
+                                        </p:attrNameLst>
+                                      </p:cBhvr>
+                                      <p:to>
+                                        <p:strVal val="visible"/>
+                                      </p:to>
+                                    </p:set>
+                                  </p:childTnLst>
+                                </p:cTn>
+                              </p:par>
+                            </p:childTnLst>
+                          </p:cTn>
+                        </p:par>
+                      </p:childTnLst>
+                    </p:cTn>
+                  </p:par>
+                </p:childTnLst>
+              </p:cTn>
+              <p:prevCondLst>
+                <p:cond evt="onPrev" delay="0">
+                  <p:tgtEl>
+                    <p:sldTgt/>
+                  </p:tgtEl>
+                </p:cond>
+              </p:prevCondLst>
+              <p:nextCondLst>
+                <p:cond evt="onNext" delay="0">
+                  <p:tgtEl>
+                    <p:sldTgt/>
+                  </p:tgtEl>
+                </p:cond>
+              </p:nextCondLst>
+            </p:seq>
+          </p:childTnLst>
+        </p:cTn>
+      </p:par>
+    </p:tnLst>
+    <p:bldLst>
+      <p:bldP spid="10" grpId="0" animBg="1"/>
+      <p:bldP spid="11" grpId="0" animBg="1"/>
+    </p:bldLst>
+  </p:timing>
+</p:sld>
+</file>
+
+<file path=ppt/slides/slide23.xml><?xml version="1.0" encoding="utf-8"?>
+<p:sld xmlns:a="http://schemas.openxmlformats.org/drawingml/2006/main" xmlns:r="http://schemas.openxmlformats.org/officeDocument/2006/relationships" xmlns:p="http://schemas.openxmlformats.org/presentationml/2006/main">
+  <p:cSld>
+    <p:spTree>
+      <p:nvGrpSpPr>
+        <p:cNvPr id="1" name=""/>
+        <p:cNvGrpSpPr/>
+        <p:nvPr/>
+      </p:nvGrpSpPr>
+      <p:grpSpPr>
+        <a:xfrm>
+          <a:off x="0" y="0"/>
+          <a:ext cx="0" cy="0"/>
+          <a:chOff x="0" y="0"/>
+          <a:chExt cx="0" cy="0"/>
+        </a:xfrm>
+      </p:grpSpPr>
+      <p:sp>
+        <p:nvSpPr>
+          <p:cNvPr id="3" name="Content Placeholder 2"/>
+          <p:cNvSpPr>
+            <a:spLocks noGrp="1"/>
+          </p:cNvSpPr>
+          <p:nvPr>
+            <p:ph type="body" sz="quarter" idx="10"/>
+          </p:nvPr>
+        </p:nvSpPr>
+        <p:spPr/>
+        <p:txBody>
+          <a:bodyPr/>
+          <a:lstStyle/>
+          <a:p>
+            <a:pPr latinLnBrk="0">
+              <a:buClr>
+                <a:schemeClr val="tx1"/>
+              </a:buClr>
+            </a:pPr>
+            <a:r>
+              <a:rPr lang="bg-BG" b="1" dirty="0">
+                <a:solidFill>
+                  <a:schemeClr val="bg1"/>
+                </a:solidFill>
+              </a:rPr>
+              <a:t>Безкраен цикъл </a:t>
+            </a:r>
+            <a:r>
+              <a:rPr lang="en-US" dirty="0"/>
+              <a:t>– </a:t>
+            </a:r>
+            <a:r>
+              <a:rPr lang="bg-BG" dirty="0"/>
+              <a:t>повтаряне на блок от код безкраен брой </a:t>
+            </a:r>
+            <a:br>
+              <a:rPr lang="en-US" dirty="0"/>
+            </a:br>
+            <a:r>
+              <a:rPr lang="bg-BG" dirty="0"/>
+              <a:t>пъти:</a:t>
+            </a:r>
+          </a:p>
+          <a:p>
+            <a:pPr latinLnBrk="0"/>
+            <a:endParaRPr lang="bg-BG" dirty="0"/>
+          </a:p>
+          <a:p>
+            <a:pPr marL="0" indent="0">
+              <a:buNone/>
+            </a:pPr>
+            <a:endParaRPr lang="bg-BG" dirty="0"/>
+          </a:p>
+        </p:txBody>
+      </p:sp>
+      <p:sp>
+        <p:nvSpPr>
+          <p:cNvPr id="4" name="Title 3"/>
+          <p:cNvSpPr>
+            <a:spLocks noGrp="1"/>
+          </p:cNvSpPr>
+          <p:nvPr>
+            <p:ph type="title"/>
+          </p:nvPr>
+        </p:nvSpPr>
+        <p:spPr/>
+        <p:txBody>
+          <a:bodyPr/>
+          <a:lstStyle/>
+          <a:p>
+            <a:r>
+              <a:rPr lang="bg-BG" dirty="0"/>
+              <a:t>Безкраен цикъл</a:t>
+            </a:r>
+            <a:endParaRPr lang="en-US" dirty="0"/>
+          </a:p>
+        </p:txBody>
+      </p:sp>
+      <p:sp>
+        <p:nvSpPr>
+          <p:cNvPr id="5" name="Rectangle 5"/>
+          <p:cNvSpPr>
+            <a:spLocks noChangeArrowheads="1"/>
+          </p:cNvSpPr>
+          <p:nvPr/>
+        </p:nvSpPr>
+        <p:spPr bwMode="auto">
+          <a:xfrm>
+            <a:off x="458671" y="3429001"/>
+            <a:ext cx="7798417" cy="1961565"/>
+          </a:xfrm>
+          <a:prstGeom prst="rect">
+            <a:avLst/>
+          </a:prstGeom>
+          <a:solidFill>
+            <a:schemeClr val="accent5">
+              <a:lumMod val="60000"/>
+              <a:lumOff val="40000"/>
+              <a:alpha val="20000"/>
+            </a:schemeClr>
+          </a:solidFill>
+          <a:ln w="12700">
+            <a:solidFill>
+              <a:schemeClr val="accent5">
+                <a:lumMod val="60000"/>
+                <a:lumOff val="40000"/>
+              </a:schemeClr>
+            </a:solidFill>
+          </a:ln>
+        </p:spPr>
+        <p:txBody>
+          <a:bodyPr wrap="square">
+            <a:spAutoFit/>
+          </a:bodyPr>
+          <a:lstStyle/>
+          <a:p>
+            <a:pPr eaLnBrk="0" hangingPunct="0">
+              <a:lnSpc>
+                <a:spcPct val="110000"/>
+              </a:lnSpc>
+              <a:buClr>
+                <a:schemeClr val="accent5">
+                  <a:lumMod val="40000"/>
+                  <a:lumOff val="60000"/>
+                </a:schemeClr>
+              </a:buClr>
+              <a:buSzPct val="70000"/>
+            </a:pPr>
+            <a:r>
+              <a:rPr lang="en-US" sz="2799" b="1" noProof="1">
+                <a:latin typeface="Consolas" pitchFamily="49" charset="0"/>
+                <a:cs typeface="Consolas" pitchFamily="49" charset="0"/>
+              </a:rPr>
+              <a:t>while (</a:t>
+            </a:r>
+            <a:r>
+              <a:rPr lang="en-US" sz="2799" b="1" noProof="1">
+                <a:solidFill>
+                  <a:schemeClr val="bg1"/>
+                </a:solidFill>
+                <a:latin typeface="Consolas" pitchFamily="49" charset="0"/>
+                <a:cs typeface="Consolas" pitchFamily="49" charset="0"/>
+              </a:rPr>
+              <a:t>true</a:t>
+            </a:r>
+            <a:r>
+              <a:rPr lang="en-US" sz="2799" b="1" noProof="1">
+                <a:latin typeface="Consolas" pitchFamily="49" charset="0"/>
+                <a:cs typeface="Consolas" pitchFamily="49" charset="0"/>
+              </a:rPr>
+              <a:t>)</a:t>
+            </a:r>
+            <a:r>
+              <a:rPr lang="bg-BG" sz="2799" b="1" noProof="1">
+                <a:latin typeface="Consolas" pitchFamily="49" charset="0"/>
+                <a:cs typeface="Consolas" pitchFamily="49" charset="0"/>
+              </a:rPr>
+              <a:t> </a:t>
+            </a:r>
+          </a:p>
+          <a:p>
+            <a:pPr eaLnBrk="0" hangingPunct="0">
+              <a:lnSpc>
+                <a:spcPct val="110000"/>
+              </a:lnSpc>
+              <a:buClr>
+                <a:schemeClr val="accent5">
+                  <a:lumMod val="40000"/>
+                  <a:lumOff val="60000"/>
+                </a:schemeClr>
+              </a:buClr>
+              <a:buSzPct val="70000"/>
+            </a:pPr>
+            <a:r>
+              <a:rPr lang="en-US" sz="2799" b="1" noProof="1">
+                <a:latin typeface="Consolas" pitchFamily="49" charset="0"/>
+                <a:cs typeface="Consolas" pitchFamily="49" charset="0"/>
+              </a:rPr>
+              <a:t>{</a:t>
+            </a:r>
+          </a:p>
+          <a:p>
+            <a:pPr eaLnBrk="0" hangingPunct="0">
+              <a:lnSpc>
+                <a:spcPct val="110000"/>
+              </a:lnSpc>
+              <a:buClr>
+                <a:schemeClr val="accent5">
+                  <a:lumMod val="40000"/>
+                  <a:lumOff val="60000"/>
+                </a:schemeClr>
+              </a:buClr>
+              <a:buSzPct val="70000"/>
+            </a:pPr>
+            <a:r>
+              <a:rPr lang="en-US" sz="2799" b="1" noProof="1">
+                <a:latin typeface="Consolas" pitchFamily="49" charset="0"/>
+                <a:cs typeface="Consolas" pitchFamily="49" charset="0"/>
+              </a:rPr>
+              <a:t>   Console.WriteLine("Infinite loop");</a:t>
+            </a:r>
+          </a:p>
+          <a:p>
+            <a:pPr eaLnBrk="0" hangingPunct="0">
+              <a:lnSpc>
+                <a:spcPct val="110000"/>
+              </a:lnSpc>
+              <a:buClr>
+                <a:schemeClr val="accent5">
+                  <a:lumMod val="40000"/>
+                  <a:lumOff val="60000"/>
+                </a:schemeClr>
+              </a:buClr>
+              <a:buSzPct val="70000"/>
+            </a:pPr>
+            <a:r>
+              <a:rPr lang="en-US" sz="2799" b="1" noProof="1">
+                <a:latin typeface="Consolas" pitchFamily="49" charset="0"/>
+                <a:cs typeface="Consolas" pitchFamily="49" charset="0"/>
+              </a:rPr>
+              <a:t>}</a:t>
+            </a:r>
+          </a:p>
+        </p:txBody>
+      </p:sp>
+      <p:sp>
+        <p:nvSpPr>
+          <p:cNvPr id="11" name="AutoShape 7"/>
+          <p:cNvSpPr>
+            <a:spLocks noChangeArrowheads="1"/>
+          </p:cNvSpPr>
+          <p:nvPr/>
+        </p:nvSpPr>
+        <p:spPr bwMode="auto">
+          <a:xfrm>
+            <a:off x="2778621" y="2355925"/>
+            <a:ext cx="2732379" cy="1004861"/>
+          </a:xfrm>
+          <a:prstGeom prst="wedgeRoundRectCallout">
+            <a:avLst>
+              <a:gd name="adj1" fmla="val -68559"/>
+              <a:gd name="adj2" fmla="val 63708"/>
+              <a:gd name="adj3" fmla="val 16667"/>
+            </a:avLst>
+          </a:prstGeom>
+          <a:solidFill>
+            <a:schemeClr val="tx1">
+              <a:alpha val="80000"/>
+            </a:schemeClr>
+          </a:solidFill>
+          <a:ln w="19050">
+            <a:solidFill>
+              <a:schemeClr val="tx2">
+                <a:alpha val="80000"/>
+              </a:schemeClr>
+            </a:solidFill>
+          </a:ln>
+        </p:spPr>
+        <p:style>
+          <a:lnRef idx="2">
+            <a:schemeClr val="accent1">
+              <a:shade val="50000"/>
+            </a:schemeClr>
+          </a:lnRef>
+          <a:fillRef idx="1">
+            <a:schemeClr val="accent1"/>
+          </a:fillRef>
+          <a:effectRef idx="0">
+            <a:schemeClr val="accent1"/>
+          </a:effectRef>
+          <a:fontRef idx="minor">
+            <a:schemeClr val="lt1"/>
+          </a:fontRef>
+        </p:style>
+        <p:txBody>
+          <a:bodyPr rot="0" spcFirstLastPara="0" vertOverflow="overflow" horzOverflow="overflow" vert="horz" wrap="square" lIns="91440" tIns="45720" rIns="91440" bIns="45720" numCol="1" spcCol="0" rtlCol="0" fromWordArt="0" anchor="ctr" anchorCtr="0" forceAA="0" compatLnSpc="1">
+            <a:prstTxWarp prst="textNoShape">
+              <a:avLst/>
+            </a:prstTxWarp>
+            <a:noAutofit/>
+          </a:bodyPr>
+          <a:lstStyle/>
+          <a:p>
+            <a:pPr algn="ctr"/>
+            <a:r>
+              <a:rPr lang="bg-BG" sz="2800" b="1" dirty="0">
+                <a:solidFill>
+                  <a:srgbClr val="FFFFFF"/>
+                </a:solidFill>
+              </a:rPr>
               <a:t>Условието е </a:t>
             </a:r>
             <a:r>
@@ -21063,7 +21938,7 @@
         </p:nvSpPr>
         <p:spPr>
           <a:xfrm>
-            <a:off x="9048330" y="2255229"/>
+            <a:off x="9359420" y="2255229"/>
             <a:ext cx="2098675" cy="1664700"/>
           </a:xfrm>
           <a:prstGeom prst="flowChartDecision">
@@ -21124,7 +21999,7 @@
         </p:nvSpPr>
         <p:spPr>
           <a:xfrm>
-            <a:off x="9306434" y="2807551"/>
+            <a:off x="9617524" y="2807551"/>
             <a:ext cx="1582475" cy="461545"/>
           </a:xfrm>
           <a:prstGeom prst="rect">
@@ -21171,7 +22046,7 @@
         </p:nvCxnSpPr>
         <p:spPr>
           <a:xfrm>
-            <a:off x="10097666" y="3643189"/>
+            <a:off x="10408756" y="3643189"/>
             <a:ext cx="0" cy="960998"/>
           </a:xfrm>
           <a:prstGeom prst="straightConnector1">
@@ -21213,7 +22088,7 @@
         </p:nvSpPr>
         <p:spPr>
           <a:xfrm>
-            <a:off x="9048330" y="4591084"/>
+            <a:off x="9359420" y="4591084"/>
             <a:ext cx="2098675" cy="970962"/>
           </a:xfrm>
           <a:prstGeom prst="rect">
@@ -21274,7 +22149,7 @@
         </p:nvSpPr>
         <p:spPr>
           <a:xfrm>
-            <a:off x="9229865" y="4808285"/>
+            <a:off x="9540955" y="4808285"/>
             <a:ext cx="1738957" cy="461545"/>
           </a:xfrm>
           <a:prstGeom prst="rect">
@@ -21323,7 +22198,7 @@
         </p:nvCxnSpPr>
         <p:spPr>
           <a:xfrm rot="5400000" flipH="1">
-            <a:off x="8335766" y="3800145"/>
+            <a:off x="8646856" y="3800145"/>
             <a:ext cx="2474465" cy="1049338"/>
           </a:xfrm>
           <a:prstGeom prst="bentConnector4">
@@ -21368,7 +22243,7 @@
         </p:nvSpPr>
         <p:spPr>
           <a:xfrm>
-            <a:off x="10210626" y="3882653"/>
+            <a:off x="10521716" y="3882653"/>
             <a:ext cx="1199284" cy="369236"/>
           </a:xfrm>
           <a:prstGeom prst="rect">
@@ -21426,7 +22301,7 @@
             <a:fld id="{2BF067CD-8E6B-4360-9AA8-C5DF2A48A6D1}" type="slidenum">
               <a:rPr lang="en-US" noProof="0" smtClean="0"/>
               <a:pPr/>
-              <a:t>22</a:t>
+              <a:t>23</a:t>
             </a:fld>
             <a:endParaRPr lang="en-US" noProof="0" dirty="0"/>
           </a:p>
@@ -21825,7 +22700,7 @@
 </p:sld>
 </file>
 
-<file path=ppt/slides/slide23.xml><?xml version="1.0" encoding="utf-8"?>
+<file path=ppt/slides/slide24.xml><?xml version="1.0" encoding="utf-8"?>
 <p:sld xmlns:a="http://schemas.openxmlformats.org/drawingml/2006/main" xmlns:r="http://schemas.openxmlformats.org/officeDocument/2006/relationships" xmlns:p="http://schemas.openxmlformats.org/presentationml/2006/main">
   <p:cSld>
     <p:spTree>
@@ -21950,8 +22825,8 @@
         </p:nvSpPr>
         <p:spPr bwMode="auto">
           <a:xfrm>
-            <a:off x="2172722" y="2677476"/>
-            <a:ext cx="7846556" cy="3722550"/>
+            <a:off x="2172722" y="2870282"/>
+            <a:ext cx="7846556" cy="2808718"/>
           </a:xfrm>
           <a:prstGeom prst="rect">
             <a:avLst/>
@@ -22103,7 +22978,17 @@
                 <a:latin typeface="Consolas" pitchFamily="49" charset="0"/>
                 <a:cs typeface="Consolas" pitchFamily="49" charset="0"/>
               </a:rPr>
-              <a:t>   {</a:t>
+              <a:t>	</a:t>
+            </a:r>
+            <a:r>
+              <a:rPr lang="en-US" sz="2699" b="1" noProof="1">
+                <a:solidFill>
+                  <a:schemeClr val="bg1"/>
+                </a:solidFill>
+                <a:latin typeface="Consolas" pitchFamily="49" charset="0"/>
+                <a:cs typeface="Consolas" pitchFamily="49" charset="0"/>
+              </a:rPr>
+              <a:t>break;</a:t>
             </a:r>
           </a:p>
           <a:p>
@@ -22121,58 +23006,6 @@
             </a:pPr>
             <a:r>
               <a:rPr lang="en-US" sz="2699" b="1" noProof="1">
-                <a:latin typeface="Consolas" pitchFamily="49" charset="0"/>
-                <a:cs typeface="Consolas" pitchFamily="49" charset="0"/>
-              </a:rPr>
-              <a:t>	</a:t>
-            </a:r>
-            <a:r>
-              <a:rPr lang="en-US" sz="2699" b="1" noProof="1">
-                <a:solidFill>
-                  <a:schemeClr val="bg1"/>
-                </a:solidFill>
-                <a:latin typeface="Consolas" pitchFamily="49" charset="0"/>
-                <a:cs typeface="Consolas" pitchFamily="49" charset="0"/>
-              </a:rPr>
-              <a:t>break;</a:t>
-            </a:r>
-          </a:p>
-          <a:p>
-            <a:pPr eaLnBrk="0" hangingPunct="0">
-              <a:lnSpc>
-                <a:spcPct val="110000"/>
-              </a:lnSpc>
-              <a:buClr>
-                <a:schemeClr val="accent5">
-                  <a:lumMod val="40000"/>
-                  <a:lumOff val="60000"/>
-                </a:schemeClr>
-              </a:buClr>
-              <a:buSzPct val="70000"/>
-            </a:pPr>
-            <a:r>
-              <a:rPr lang="en-US" sz="2699" b="1" noProof="1">
-                <a:latin typeface="Consolas" pitchFamily="49" charset="0"/>
-                <a:cs typeface="Consolas" pitchFamily="49" charset="0"/>
-              </a:rPr>
-              <a:t>   }</a:t>
-            </a:r>
-          </a:p>
-          <a:p>
-            <a:pPr eaLnBrk="0" hangingPunct="0">
-              <a:lnSpc>
-                <a:spcPct val="110000"/>
-              </a:lnSpc>
-              <a:buClr>
-                <a:schemeClr val="accent5">
-                  <a:lumMod val="40000"/>
-                  <a:lumOff val="60000"/>
-                </a:schemeClr>
-              </a:buClr>
-              <a:buSzPct val="70000"/>
-            </a:pPr>
-            <a:r>
-              <a:rPr lang="en-US" sz="2699" b="1" noProof="1">
                 <a:solidFill>
                   <a:schemeClr val="bg1"/>
                 </a:solidFill>
@@ -22194,8 +23027,8 @@
         </p:nvSpPr>
         <p:spPr bwMode="auto">
           <a:xfrm>
-            <a:off x="5029478" y="4419342"/>
-            <a:ext cx="3766522" cy="990342"/>
+            <a:off x="5151000" y="4595128"/>
+            <a:ext cx="4261522" cy="1079658"/>
           </a:xfrm>
           <a:prstGeom prst="wedgeRoundRectCallout">
             <a:avLst>
@@ -22290,7 +23123,7 @@
             <a:fld id="{2BF067CD-8E6B-4360-9AA8-C5DF2A48A6D1}" type="slidenum">
               <a:rPr lang="en-US" noProof="0" smtClean="0"/>
               <a:pPr/>
-              <a:t>23</a:t>
+              <a:t>24</a:t>
             </a:fld>
             <a:endParaRPr lang="en-US" noProof="0" dirty="0"/>
           </a:p>
@@ -22488,7 +23321,7 @@
                                         <p:tgtEl>
                                           <p:spTgt spid="10">
                                             <p:txEl>
-                                              <p:pRg st="7" end="7"/>
+                                              <p:pRg st="5" end="5"/>
                                             </p:txEl>
                                           </p:spTgt>
                                         </p:tgtEl>
@@ -22614,39 +23447,26 @@
                                   </p:childTnLst>
                                 </p:cTn>
                               </p:par>
+                            </p:childTnLst>
+                          </p:cTn>
+                        </p:par>
+                      </p:childTnLst>
+                    </p:cTn>
+                  </p:par>
+                  <p:par>
+                    <p:cTn id="25" fill="hold">
+                      <p:stCondLst>
+                        <p:cond delay="indefinite"/>
+                      </p:stCondLst>
+                      <p:childTnLst>
+                        <p:par>
+                          <p:cTn id="26" fill="hold">
+                            <p:stCondLst>
+                              <p:cond delay="0"/>
+                            </p:stCondLst>
+                            <p:childTnLst>
                               <p:par>
-                                <p:cTn id="25" presetID="1" presetClass="entr" presetSubtype="0" fill="hold" nodeType="withEffect">
-                                  <p:stCondLst>
-                                    <p:cond delay="0"/>
-                                  </p:stCondLst>
-                                  <p:childTnLst>
-                                    <p:set>
-                                      <p:cBhvr>
-                                        <p:cTn id="26" dur="1" fill="hold">
-                                          <p:stCondLst>
-                                            <p:cond delay="0"/>
-                                          </p:stCondLst>
-                                        </p:cTn>
-                                        <p:tgtEl>
-                                          <p:spTgt spid="10">
-                                            <p:txEl>
-                                              <p:pRg st="5" end="5"/>
-                                            </p:txEl>
-                                          </p:spTgt>
-                                        </p:tgtEl>
-                                        <p:attrNameLst>
-                                          <p:attrName>style.visibility</p:attrName>
-                                        </p:attrNameLst>
-                                      </p:cBhvr>
-                                      <p:to>
-                                        <p:strVal val="visible"/>
-                                      </p:to>
-                                    </p:set>
-                                  </p:childTnLst>
-                                </p:cTn>
-                              </p:par>
-                              <p:par>
-                                <p:cTn id="27" presetID="1" presetClass="entr" presetSubtype="0" fill="hold" nodeType="withEffect">
+                                <p:cTn id="27" presetID="1" presetClass="entr" presetSubtype="0" fill="hold" grpId="0" nodeType="clickEffect">
                                   <p:stCondLst>
                                     <p:cond delay="0"/>
                                   </p:stCondLst>
@@ -22654,55 +23474,6 @@
                                     <p:set>
                                       <p:cBhvr>
                                         <p:cTn id="28" dur="1" fill="hold">
-                                          <p:stCondLst>
-                                            <p:cond delay="0"/>
-                                          </p:stCondLst>
-                                        </p:cTn>
-                                        <p:tgtEl>
-                                          <p:spTgt spid="10">
-                                            <p:txEl>
-                                              <p:pRg st="6" end="6"/>
-                                            </p:txEl>
-                                          </p:spTgt>
-                                        </p:tgtEl>
-                                        <p:attrNameLst>
-                                          <p:attrName>style.visibility</p:attrName>
-                                        </p:attrNameLst>
-                                      </p:cBhvr>
-                                      <p:to>
-                                        <p:strVal val="visible"/>
-                                      </p:to>
-                                    </p:set>
-                                  </p:childTnLst>
-                                </p:cTn>
-                              </p:par>
-                            </p:childTnLst>
-                          </p:cTn>
-                        </p:par>
-                      </p:childTnLst>
-                    </p:cTn>
-                  </p:par>
-                  <p:par>
-                    <p:cTn id="29" fill="hold">
-                      <p:stCondLst>
-                        <p:cond delay="indefinite"/>
-                      </p:stCondLst>
-                      <p:childTnLst>
-                        <p:par>
-                          <p:cTn id="30" fill="hold">
-                            <p:stCondLst>
-                              <p:cond delay="0"/>
-                            </p:stCondLst>
-                            <p:childTnLst>
-                              <p:par>
-                                <p:cTn id="31" presetID="1" presetClass="entr" presetSubtype="0" fill="hold" grpId="0" nodeType="clickEffect">
-                                  <p:stCondLst>
-                                    <p:cond delay="0"/>
-                                  </p:stCondLst>
-                                  <p:childTnLst>
-                                    <p:set>
-                                      <p:cBhvr>
-                                        <p:cTn id="32" dur="1" fill="hold">
                                           <p:stCondLst>
                                             <p:cond delay="0"/>
                                           </p:stCondLst>
@@ -22756,7 +23527,7 @@
 </p:sld>
 </file>
 
-<file path=ppt/slides/slide24.xml><?xml version="1.0" encoding="utf-8"?>
+<file path=ppt/slides/slide25.xml><?xml version="1.0" encoding="utf-8"?>
 <p:sld xmlns:a="http://schemas.openxmlformats.org/drawingml/2006/main" xmlns:r="http://schemas.openxmlformats.org/officeDocument/2006/relationships" xmlns:p="http://schemas.openxmlformats.org/presentationml/2006/main">
   <p:cSld>
     <p:spTree>
@@ -22806,7 +23577,21 @@
                 <a:latin typeface="Calibri" panose="020F0502020204030204" pitchFamily="34" charset="0"/>
                 <a:cs typeface="Calibri" panose="020F0502020204030204" pitchFamily="34" charset="0"/>
               </a:rPr>
-              <a:t> – </a:t>
+              <a:t> </a:t>
+            </a:r>
+            <a:r>
+              <a:rPr lang="bg-BG" dirty="0">
+                <a:latin typeface="Calibri" panose="020F0502020204030204" pitchFamily="34" charset="0"/>
+                <a:cs typeface="Calibri" panose="020F0502020204030204" pitchFamily="34" charset="0"/>
+              </a:rPr>
+              <a:t>с </a:t>
+            </a:r>
+            <a:r>
+              <a:rPr lang="en-US" dirty="0">
+                <a:latin typeface="Calibri" panose="020F0502020204030204" pitchFamily="34" charset="0"/>
+                <a:cs typeface="Calibri" panose="020F0502020204030204" pitchFamily="34" charset="0"/>
+              </a:rPr>
+              <a:t>break – </a:t>
             </a:r>
             <a:r>
               <a:rPr lang="bg-BG" dirty="0">
@@ -22839,7 +23624,7 @@
         <p:spPr bwMode="auto">
           <a:xfrm>
             <a:off x="323217" y="1932436"/>
-            <a:ext cx="6535369" cy="4330827"/>
+            <a:ext cx="6535369" cy="3857018"/>
           </a:xfrm>
           <a:prstGeom prst="rect">
             <a:avLst/>
@@ -22963,7 +23748,7 @@
                 <a:latin typeface="Consolas" pitchFamily="49" charset="0"/>
                 <a:cs typeface="Consolas" pitchFamily="49" charset="0"/>
               </a:rPr>
-              <a:t>  if (a &gt; 10) {</a:t>
+              <a:t>  if (a &gt; 10)</a:t>
             </a:r>
           </a:p>
           <a:p>
@@ -22998,27 +23783,6 @@
                 <a:cs typeface="Consolas" pitchFamily="49" charset="0"/>
               </a:rPr>
               <a:t>break;</a:t>
-            </a:r>
-          </a:p>
-          <a:p>
-            <a:pPr eaLnBrk="0" hangingPunct="0">
-              <a:lnSpc>
-                <a:spcPct val="110000"/>
-              </a:lnSpc>
-              <a:buClr>
-                <a:schemeClr val="accent5">
-                  <a:lumMod val="40000"/>
-                  <a:lumOff val="60000"/>
-                </a:schemeClr>
-              </a:buClr>
-              <a:buSzPct val="70000"/>
-            </a:pPr>
-            <a:r>
-              <a:rPr lang="en-US" sz="2799" b="1" noProof="1">
-                <a:latin typeface="Consolas" pitchFamily="49" charset="0"/>
-                <a:cs typeface="Consolas" pitchFamily="49" charset="0"/>
-              </a:rPr>
-              <a:t>  }</a:t>
             </a:r>
           </a:p>
           <a:p>
@@ -23192,7 +23956,7 @@
         </p:blipFill>
         <p:spPr bwMode="auto">
           <a:xfrm>
-            <a:off x="7557752" y="2943640"/>
+            <a:off x="7605736" y="2706738"/>
             <a:ext cx="4403338" cy="2308415"/>
           </a:xfrm>
           <a:prstGeom prst="rect">
@@ -23242,7 +24006,7 @@
         </p:nvSpPr>
         <p:spPr bwMode="auto">
           <a:xfrm>
-            <a:off x="6994038" y="3909413"/>
+            <a:off x="7042022" y="3672510"/>
             <a:ext cx="428262" cy="376871"/>
           </a:xfrm>
           <a:prstGeom prst="rightArrow">
@@ -23310,7 +24074,7 @@
             <a:fld id="{2BF067CD-8E6B-4360-9AA8-C5DF2A48A6D1}" type="slidenum">
               <a:rPr lang="en-US" noProof="0" smtClean="0"/>
               <a:pPr/>
-              <a:t>24</a:t>
+              <a:t>25</a:t>
             </a:fld>
             <a:endParaRPr lang="en-US" noProof="0" dirty="0"/>
           </a:p>
@@ -23432,7 +24196,7 @@
                                         <p:tgtEl>
                                           <p:spTgt spid="8">
                                             <p:txEl>
-                                              <p:pRg st="8" end="8"/>
+                                              <p:pRg st="7" end="7"/>
                                             </p:txEl>
                                           </p:spTgt>
                                         </p:tgtEl>
@@ -23527,37 +24291,6 @@
                                   </p:childTnLst>
                                 </p:cTn>
                               </p:par>
-                              <p:par>
-                                <p:cTn id="17" presetID="1" presetClass="entr" presetSubtype="0" fill="hold" nodeType="withEffect">
-                                  <p:stCondLst>
-                                    <p:cond delay="0"/>
-                                  </p:stCondLst>
-                                  <p:childTnLst>
-                                    <p:set>
-                                      <p:cBhvr>
-                                        <p:cTn id="18" dur="1" fill="hold">
-                                          <p:stCondLst>
-                                            <p:cond delay="0"/>
-                                          </p:stCondLst>
-                                        </p:cTn>
-                                        <p:tgtEl>
-                                          <p:spTgt spid="8">
-                                            <p:txEl>
-                                              <p:pRg st="5" end="5"/>
-                                            </p:txEl>
-                                          </p:spTgt>
-                                        </p:tgtEl>
-                                        <p:attrNameLst>
-                                          <p:attrName>style.visibility</p:attrName>
-                                        </p:attrNameLst>
-                                      </p:cBhvr>
-                                      <p:to>
-                                        <p:strVal val="visible"/>
-                                      </p:to>
-                                    </p:set>
-                                  </p:childTnLst>
-                                </p:cTn>
-                              </p:par>
                             </p:childTnLst>
                           </p:cTn>
                         </p:par>
@@ -23565,26 +24298,26 @@
                     </p:cTn>
                   </p:par>
                   <p:par>
-                    <p:cTn id="19" fill="hold">
+                    <p:cTn id="17" fill="hold">
                       <p:stCondLst>
                         <p:cond delay="indefinite"/>
                       </p:stCondLst>
                       <p:childTnLst>
                         <p:par>
-                          <p:cTn id="20" fill="hold">
+                          <p:cTn id="18" fill="hold">
                             <p:stCondLst>
                               <p:cond delay="0"/>
                             </p:stCondLst>
                             <p:childTnLst>
                               <p:par>
-                                <p:cTn id="21" presetID="1" presetClass="entr" presetSubtype="0" fill="hold" grpId="0" nodeType="clickEffect">
+                                <p:cTn id="19" presetID="1" presetClass="entr" presetSubtype="0" fill="hold" grpId="0" nodeType="clickEffect">
                                   <p:stCondLst>
                                     <p:cond delay="0"/>
                                   </p:stCondLst>
                                   <p:childTnLst>
                                     <p:set>
                                       <p:cBhvr>
-                                        <p:cTn id="22" dur="1" fill="hold">
+                                        <p:cTn id="20" dur="1" fill="hold">
                                           <p:stCondLst>
                                             <p:cond delay="0"/>
                                           </p:stCondLst>
@@ -23610,19 +24343,50 @@
                     </p:cTn>
                   </p:par>
                   <p:par>
-                    <p:cTn id="23" fill="hold">
+                    <p:cTn id="21" fill="hold">
                       <p:stCondLst>
                         <p:cond delay="indefinite"/>
                       </p:stCondLst>
                       <p:childTnLst>
                         <p:par>
-                          <p:cTn id="24" fill="hold">
+                          <p:cTn id="22" fill="hold">
                             <p:stCondLst>
                               <p:cond delay="0"/>
                             </p:stCondLst>
                             <p:childTnLst>
                               <p:par>
-                                <p:cTn id="25" presetID="1" presetClass="entr" presetSubtype="0" fill="hold" nodeType="clickEffect">
+                                <p:cTn id="23" presetID="1" presetClass="entr" presetSubtype="0" fill="hold" nodeType="clickEffect">
+                                  <p:stCondLst>
+                                    <p:cond delay="0"/>
+                                  </p:stCondLst>
+                                  <p:childTnLst>
+                                    <p:set>
+                                      <p:cBhvr>
+                                        <p:cTn id="24" dur="1" fill="hold">
+                                          <p:stCondLst>
+                                            <p:cond delay="0"/>
+                                          </p:stCondLst>
+                                        </p:cTn>
+                                        <p:tgtEl>
+                                          <p:spTgt spid="8">
+                                            <p:txEl>
+                                              <p:pRg st="5" end="5"/>
+                                            </p:txEl>
+                                          </p:spTgt>
+                                        </p:tgtEl>
+                                        <p:attrNameLst>
+                                          <p:attrName>style.visibility</p:attrName>
+                                        </p:attrNameLst>
+                                      </p:cBhvr>
+                                      <p:to>
+                                        <p:strVal val="visible"/>
+                                      </p:to>
+                                    </p:set>
+                                  </p:childTnLst>
+                                </p:cTn>
+                              </p:par>
+                              <p:par>
+                                <p:cTn id="25" presetID="1" presetClass="entr" presetSubtype="0" fill="hold" nodeType="withEffect">
                                   <p:stCondLst>
                                     <p:cond delay="0"/>
                                   </p:stCondLst>
@@ -23652,37 +24416,6 @@
                                   </p:childTnLst>
                                 </p:cTn>
                               </p:par>
-                              <p:par>
-                                <p:cTn id="27" presetID="1" presetClass="entr" presetSubtype="0" fill="hold" nodeType="withEffect">
-                                  <p:stCondLst>
-                                    <p:cond delay="0"/>
-                                  </p:stCondLst>
-                                  <p:childTnLst>
-                                    <p:set>
-                                      <p:cBhvr>
-                                        <p:cTn id="28" dur="1" fill="hold">
-                                          <p:stCondLst>
-                                            <p:cond delay="0"/>
-                                          </p:stCondLst>
-                                        </p:cTn>
-                                        <p:tgtEl>
-                                          <p:spTgt spid="8">
-                                            <p:txEl>
-                                              <p:pRg st="7" end="7"/>
-                                            </p:txEl>
-                                          </p:spTgt>
-                                        </p:tgtEl>
-                                        <p:attrNameLst>
-                                          <p:attrName>style.visibility</p:attrName>
-                                        </p:attrNameLst>
-                                      </p:cBhvr>
-                                      <p:to>
-                                        <p:strVal val="visible"/>
-                                      </p:to>
-                                    </p:set>
-                                  </p:childTnLst>
-                                </p:cTn>
-                              </p:par>
                             </p:childTnLst>
                           </p:cTn>
                         </p:par>
@@ -23690,26 +24423,26 @@
                     </p:cTn>
                   </p:par>
                   <p:par>
-                    <p:cTn id="29" fill="hold">
+                    <p:cTn id="27" fill="hold">
                       <p:stCondLst>
                         <p:cond delay="indefinite"/>
                       </p:stCondLst>
                       <p:childTnLst>
                         <p:par>
-                          <p:cTn id="30" fill="hold">
+                          <p:cTn id="28" fill="hold">
                             <p:stCondLst>
                               <p:cond delay="0"/>
                             </p:stCondLst>
                             <p:childTnLst>
                               <p:par>
-                                <p:cTn id="31" presetID="1" presetClass="entr" presetSubtype="0" fill="hold" grpId="0" nodeType="clickEffect">
+                                <p:cTn id="29" presetID="1" presetClass="entr" presetSubtype="0" fill="hold" grpId="0" nodeType="clickEffect">
                                   <p:stCondLst>
                                     <p:cond delay="0"/>
                                   </p:stCondLst>
                                   <p:childTnLst>
                                     <p:set>
                                       <p:cBhvr>
-                                        <p:cTn id="32" dur="1" fill="hold">
+                                        <p:cTn id="30" dur="1" fill="hold">
                                           <p:stCondLst>
                                             <p:cond delay="0"/>
                                           </p:stCondLst>
@@ -23729,14 +24462,14 @@
                                 </p:cTn>
                               </p:par>
                               <p:par>
-                                <p:cTn id="33" presetID="1" presetClass="entr" presetSubtype="0" fill="hold" nodeType="withEffect">
+                                <p:cTn id="31" presetID="1" presetClass="entr" presetSubtype="0" fill="hold" nodeType="withEffect">
                                   <p:stCondLst>
                                     <p:cond delay="0"/>
                                   </p:stCondLst>
                                   <p:childTnLst>
                                     <p:set>
                                       <p:cBhvr>
-                                        <p:cTn id="34" dur="1" fill="hold">
+                                        <p:cTn id="32" dur="1" fill="hold">
                                           <p:stCondLst>
                                             <p:cond delay="0"/>
                                           </p:stCondLst>
@@ -23790,7 +24523,7 @@
 </p:sld>
 </file>
 
-<file path=ppt/slides/slide25.xml><?xml version="1.0" encoding="utf-8"?>
+<file path=ppt/slides/slide26.xml><?xml version="1.0" encoding="utf-8"?>
 <p:sld xmlns:a="http://schemas.openxmlformats.org/drawingml/2006/main" xmlns:r="http://schemas.openxmlformats.org/officeDocument/2006/relationships" xmlns:p="http://schemas.openxmlformats.org/presentationml/2006/main">
   <p:cSld>
     <p:spTree>
@@ -24209,7 +24942,7 @@
             <a:fld id="{2BF067CD-8E6B-4360-9AA8-C5DF2A48A6D1}" type="slidenum">
               <a:rPr lang="en-US" noProof="0" smtClean="0"/>
               <a:pPr/>
-              <a:t>25</a:t>
+              <a:t>26</a:t>
             </a:fld>
             <a:endParaRPr lang="en-US" noProof="0" dirty="0"/>
           </a:p>
@@ -24450,7 +25183,7 @@
 </p:sld>
 </file>
 
-<file path=ppt/slides/slide26.xml><?xml version="1.0" encoding="utf-8"?>
+<file path=ppt/slides/slide27.xml><?xml version="1.0" encoding="utf-8"?>
 <p:sld xmlns:a="http://schemas.openxmlformats.org/drawingml/2006/main" xmlns:r="http://schemas.openxmlformats.org/officeDocument/2006/relationships" xmlns:p="http://schemas.openxmlformats.org/presentationml/2006/main">
   <p:cSld>
     <p:spTree>
@@ -24506,8 +25239,8 @@
         </p:nvSpPr>
         <p:spPr bwMode="auto">
           <a:xfrm>
-            <a:off x="1820447" y="1448318"/>
-            <a:ext cx="8551109" cy="4523137"/>
+            <a:off x="1686000" y="1719000"/>
+            <a:ext cx="8551109" cy="3979204"/>
           </a:xfrm>
           <a:prstGeom prst="rect">
             <a:avLst/>
@@ -24529,12 +25262,15 @@
           </a:ln>
         </p:spPr>
         <p:txBody>
-          <a:bodyPr wrap="square">
+          <a:bodyPr wrap="square" lIns="180000" tIns="108000" rIns="180000" bIns="108000">
             <a:spAutoFit/>
           </a:bodyPr>
           <a:lstStyle/>
           <a:p>
             <a:pPr eaLnBrk="0" hangingPunct="0">
+              <a:lnSpc>
+                <a:spcPct val="110000"/>
+              </a:lnSpc>
               <a:buClr>
                 <a:schemeClr val="accent5">
                   <a:lumMod val="40000"/>
@@ -24577,6 +25313,9 @@
           </a:p>
           <a:p>
             <a:pPr eaLnBrk="0" hangingPunct="0">
+              <a:lnSpc>
+                <a:spcPct val="110000"/>
+              </a:lnSpc>
               <a:buClr>
                 <a:schemeClr val="accent5">
                   <a:lumMod val="40000"/>
@@ -24598,6 +25337,9 @@
           </a:p>
           <a:p>
             <a:pPr eaLnBrk="0" hangingPunct="0">
+              <a:lnSpc>
+                <a:spcPct val="110000"/>
+              </a:lnSpc>
               <a:buClr>
                 <a:schemeClr val="accent5">
                   <a:lumMod val="40000"/>
@@ -24607,14 +25349,14 @@
               <a:buSzPct val="70000"/>
             </a:pPr>
             <a:r>
-              <a:rPr lang="pt-BR" sz="3199" b="1" noProof="1">
+              <a:rPr lang="bg-BG" sz="3199" b="1" noProof="1">
                 <a:solidFill>
                   <a:schemeClr val="bg1"/>
                 </a:solidFill>
                 <a:latin typeface="Consolas" pitchFamily="49" charset="0"/>
                 <a:cs typeface="Consolas" pitchFamily="49" charset="0"/>
               </a:rPr>
-              <a:t>   </a:t>
+              <a:t>  </a:t>
             </a:r>
             <a:r>
               <a:rPr lang="pt-BR" sz="3199" b="1" noProof="1">
@@ -24633,6 +25375,9 @@
           </a:p>
           <a:p>
             <a:pPr eaLnBrk="0" hangingPunct="0">
+              <a:lnSpc>
+                <a:spcPct val="110000"/>
+              </a:lnSpc>
               <a:buClr>
                 <a:schemeClr val="accent5">
                   <a:lumMod val="40000"/>
@@ -24642,14 +25387,14 @@
               <a:buSzPct val="70000"/>
             </a:pPr>
             <a:r>
-              <a:rPr lang="pt-BR" sz="3199" b="1" noProof="1">
+              <a:rPr lang="bg-BG" sz="3199" b="1" noProof="1">
                 <a:solidFill>
                   <a:schemeClr val="bg1"/>
                 </a:solidFill>
                 <a:latin typeface="Consolas" pitchFamily="49" charset="0"/>
                 <a:cs typeface="Consolas" pitchFamily="49" charset="0"/>
               </a:rPr>
-              <a:t>   </a:t>
+              <a:t>  </a:t>
             </a:r>
             <a:r>
               <a:rPr lang="pt-BR" sz="3199" b="1" noProof="1">
@@ -24689,6 +25434,9 @@
           </a:p>
           <a:p>
             <a:pPr eaLnBrk="0" hangingPunct="0">
+              <a:lnSpc>
+                <a:spcPct val="110000"/>
+              </a:lnSpc>
               <a:buClr>
                 <a:schemeClr val="accent5">
                   <a:lumMod val="40000"/>
@@ -24698,15 +25446,32 @@
               <a:buSzPct val="70000"/>
             </a:pPr>
             <a:r>
-              <a:rPr lang="pt-BR" sz="3199" b="1" noProof="1">
+              <a:rPr lang="bg-BG" sz="3199" b="1" noProof="1">
                 <a:latin typeface="Consolas" pitchFamily="49" charset="0"/>
                 <a:cs typeface="Consolas" pitchFamily="49" charset="0"/>
               </a:rPr>
-              <a:t>   {</a:t>
-            </a:r>
+              <a:t>    </a:t>
+            </a:r>
+            <a:r>
+              <a:rPr lang="pt-BR" sz="3199" b="1" noProof="1">
+                <a:solidFill>
+                  <a:schemeClr val="bg1"/>
+                </a:solidFill>
+                <a:latin typeface="Consolas" pitchFamily="49" charset="0"/>
+                <a:cs typeface="Consolas" pitchFamily="49" charset="0"/>
+              </a:rPr>
+              <a:t>break;</a:t>
+            </a:r>
+            <a:endParaRPr lang="pt-BR" sz="3199" b="1" noProof="1">
+              <a:latin typeface="Consolas" pitchFamily="49" charset="0"/>
+              <a:cs typeface="Consolas" pitchFamily="49" charset="0"/>
+            </a:endParaRPr>
           </a:p>
           <a:p>
             <a:pPr eaLnBrk="0" hangingPunct="0">
+              <a:lnSpc>
+                <a:spcPct val="110000"/>
+              </a:lnSpc>
               <a:buClr>
                 <a:schemeClr val="accent5">
                   <a:lumMod val="40000"/>
@@ -24716,61 +25481,25 @@
               <a:buSzPct val="70000"/>
             </a:pPr>
             <a:r>
+              <a:rPr lang="bg-BG" sz="3199" b="1" noProof="1">
+                <a:latin typeface="Consolas" pitchFamily="49" charset="0"/>
+                <a:cs typeface="Consolas" pitchFamily="49" charset="0"/>
+              </a:rPr>
+              <a:t>  </a:t>
+            </a:r>
+            <a:r>
               <a:rPr lang="pt-BR" sz="3199" b="1" noProof="1">
                 <a:latin typeface="Consolas" pitchFamily="49" charset="0"/>
                 <a:cs typeface="Consolas" pitchFamily="49" charset="0"/>
               </a:rPr>
-              <a:t>     </a:t>
-            </a:r>
-            <a:r>
-              <a:rPr lang="pt-BR" sz="3199" b="1" noProof="1">
-                <a:solidFill>
-                  <a:schemeClr val="bg1"/>
-                </a:solidFill>
-                <a:latin typeface="Consolas" pitchFamily="49" charset="0"/>
-                <a:cs typeface="Consolas" pitchFamily="49" charset="0"/>
-              </a:rPr>
-              <a:t>break;</a:t>
+              <a:t>Console.WriteLine(input);</a:t>
             </a:r>
           </a:p>
           <a:p>
             <a:pPr eaLnBrk="0" hangingPunct="0">
-              <a:buClr>
-                <a:schemeClr val="accent5">
-                  <a:lumMod val="40000"/>
-                  <a:lumOff val="60000"/>
-                </a:schemeClr>
-              </a:buClr>
-              <a:buSzPct val="70000"/>
-            </a:pPr>
-            <a:r>
-              <a:rPr lang="pt-BR" sz="3199" b="1" noProof="1">
-                <a:latin typeface="Consolas" pitchFamily="49" charset="0"/>
-                <a:cs typeface="Consolas" pitchFamily="49" charset="0"/>
-              </a:rPr>
-              <a:t>   }</a:t>
-            </a:r>
-          </a:p>
-          <a:p>
-            <a:pPr eaLnBrk="0" hangingPunct="0">
-              <a:buClr>
-                <a:schemeClr val="accent5">
-                  <a:lumMod val="40000"/>
-                  <a:lumOff val="60000"/>
-                </a:schemeClr>
-              </a:buClr>
-              <a:buSzPct val="70000"/>
-            </a:pPr>
-            <a:r>
-              <a:rPr lang="pt-BR" sz="3199" b="1" noProof="1">
-                <a:latin typeface="Consolas" pitchFamily="49" charset="0"/>
-                <a:cs typeface="Consolas" pitchFamily="49" charset="0"/>
-              </a:rPr>
-              <a:t>   Console.WriteLine(input);</a:t>
-            </a:r>
-          </a:p>
-          <a:p>
-            <a:pPr eaLnBrk="0" hangingPunct="0">
+              <a:lnSpc>
+                <a:spcPct val="110000"/>
+              </a:lnSpc>
               <a:buClr>
                 <a:schemeClr val="accent5">
                   <a:lumMod val="40000"/>
@@ -24806,7 +25535,7 @@
         </p:nvSpPr>
         <p:spPr>
           <a:xfrm>
-            <a:off x="507349" y="6357140"/>
+            <a:off x="507349" y="6174000"/>
             <a:ext cx="11177301" cy="400110"/>
           </a:xfrm>
           <a:prstGeom prst="rect">
@@ -24995,7 +25724,7 @@
             <a:fld id="{2BF067CD-8E6B-4360-9AA8-C5DF2A48A6D1}" type="slidenum">
               <a:rPr lang="en-US" noProof="0" smtClean="0"/>
               <a:pPr/>
-              <a:t>26</a:t>
+              <a:t>27</a:t>
             </a:fld>
             <a:endParaRPr lang="en-US" noProof="0" dirty="0"/>
           </a:p>
@@ -25150,39 +25879,26 @@
                                   </p:childTnLst>
                                 </p:cTn>
                               </p:par>
+                            </p:childTnLst>
+                          </p:cTn>
+                        </p:par>
+                      </p:childTnLst>
+                    </p:cTn>
+                  </p:par>
+                  <p:par>
+                    <p:cTn id="13" fill="hold">
+                      <p:stCondLst>
+                        <p:cond delay="indefinite"/>
+                      </p:stCondLst>
+                      <p:childTnLst>
+                        <p:par>
+                          <p:cTn id="14" fill="hold">
+                            <p:stCondLst>
+                              <p:cond delay="0"/>
+                            </p:stCondLst>
+                            <p:childTnLst>
                               <p:par>
-                                <p:cTn id="13" presetID="1" presetClass="entr" presetSubtype="0" fill="hold" nodeType="withEffect">
-                                  <p:stCondLst>
-                                    <p:cond delay="0"/>
-                                  </p:stCondLst>
-                                  <p:childTnLst>
-                                    <p:set>
-                                      <p:cBhvr>
-                                        <p:cTn id="14" dur="1" fill="hold">
-                                          <p:stCondLst>
-                                            <p:cond delay="0"/>
-                                          </p:stCondLst>
-                                        </p:cTn>
-                                        <p:tgtEl>
-                                          <p:spTgt spid="7">
-                                            <p:txEl>
-                                              <p:pRg st="5" end="5"/>
-                                            </p:txEl>
-                                          </p:spTgt>
-                                        </p:tgtEl>
-                                        <p:attrNameLst>
-                                          <p:attrName>style.visibility</p:attrName>
-                                        </p:attrNameLst>
-                                      </p:cBhvr>
-                                      <p:to>
-                                        <p:strVal val="visible"/>
-                                      </p:to>
-                                    </p:set>
-                                  </p:childTnLst>
-                                </p:cTn>
-                              </p:par>
-                              <p:par>
-                                <p:cTn id="15" presetID="1" presetClass="entr" presetSubtype="0" fill="hold" nodeType="withEffect">
+                                <p:cTn id="15" presetID="1" presetClass="entr" presetSubtype="0" fill="hold" nodeType="clickEffect">
                                   <p:stCondLst>
                                     <p:cond delay="0"/>
                                   </p:stCondLst>
@@ -25197,56 +25913,7 @@
                                         <p:tgtEl>
                                           <p:spTgt spid="7">
                                             <p:txEl>
-                                              <p:pRg st="6" end="6"/>
-                                            </p:txEl>
-                                          </p:spTgt>
-                                        </p:tgtEl>
-                                        <p:attrNameLst>
-                                          <p:attrName>style.visibility</p:attrName>
-                                        </p:attrNameLst>
-                                      </p:cBhvr>
-                                      <p:to>
-                                        <p:strVal val="visible"/>
-                                      </p:to>
-                                    </p:set>
-                                  </p:childTnLst>
-                                </p:cTn>
-                              </p:par>
-                            </p:childTnLst>
-                          </p:cTn>
-                        </p:par>
-                      </p:childTnLst>
-                    </p:cTn>
-                  </p:par>
-                  <p:par>
-                    <p:cTn id="17" fill="hold">
-                      <p:stCondLst>
-                        <p:cond delay="indefinite"/>
-                      </p:stCondLst>
-                      <p:childTnLst>
-                        <p:par>
-                          <p:cTn id="18" fill="hold">
-                            <p:stCondLst>
-                              <p:cond delay="0"/>
-                            </p:stCondLst>
-                            <p:childTnLst>
-                              <p:par>
-                                <p:cTn id="19" presetID="1" presetClass="entr" presetSubtype="0" fill="hold" nodeType="clickEffect">
-                                  <p:stCondLst>
-                                    <p:cond delay="0"/>
-                                  </p:stCondLst>
-                                  <p:childTnLst>
-                                    <p:set>
-                                      <p:cBhvr>
-                                        <p:cTn id="20" dur="1" fill="hold">
-                                          <p:stCondLst>
-                                            <p:cond delay="0"/>
-                                          </p:stCondLst>
-                                        </p:cTn>
-                                        <p:tgtEl>
-                                          <p:spTgt spid="7">
-                                            <p:txEl>
-                                              <p:pRg st="7" end="7"/>
+                                              <p:pRg st="5" end="5"/>
                                             </p:txEl>
                                           </p:spTgt>
                                         </p:tgtEl>
@@ -25292,7 +25959,7 @@
 </p:sld>
 </file>
 
-<file path=ppt/slides/slide27.xml><?xml version="1.0" encoding="utf-8"?>
+<file path=ppt/slides/slide28.xml><?xml version="1.0" encoding="utf-8"?>
 <p:sld xmlns:a="http://schemas.openxmlformats.org/drawingml/2006/main" xmlns:r="http://schemas.openxmlformats.org/officeDocument/2006/relationships" xmlns:p="http://schemas.openxmlformats.org/presentationml/2006/main">
   <p:cSld>
     <p:spTree>
@@ -25516,7 +26183,7 @@
             <a:fld id="{2BF067CD-8E6B-4360-9AA8-C5DF2A48A6D1}" type="slidenum">
               <a:rPr lang="en-US" noProof="0" smtClean="0"/>
               <a:pPr/>
-              <a:t>27</a:t>
+              <a:t>28</a:t>
             </a:fld>
             <a:endParaRPr lang="en-US" noProof="0" dirty="0"/>
           </a:p>
@@ -25720,7 +26387,7 @@
 </p:sld>
 </file>
 
-<file path=ppt/slides/slide28.xml><?xml version="1.0" encoding="utf-8"?>
+<file path=ppt/slides/slide29.xml><?xml version="1.0" encoding="utf-8"?>
 <p:sld xmlns:a="http://schemas.openxmlformats.org/drawingml/2006/main" xmlns:r="http://schemas.openxmlformats.org/officeDocument/2006/relationships" xmlns:p="http://schemas.openxmlformats.org/presentationml/2006/main">
   <p:cSld>
     <p:spTree>
@@ -25776,7 +26443,7 @@
         </p:nvSpPr>
         <p:spPr bwMode="auto">
           <a:xfrm>
-            <a:off x="1705791" y="1434914"/>
+            <a:off x="1705791" y="1485093"/>
             <a:ext cx="8780415" cy="4553907"/>
           </a:xfrm>
           <a:prstGeom prst="rect">
@@ -26209,7 +26876,7 @@
             <a:fld id="{2BF067CD-8E6B-4360-9AA8-C5DF2A48A6D1}" type="slidenum">
               <a:rPr lang="en-US" noProof="0" smtClean="0"/>
               <a:pPr/>
-              <a:t>28</a:t>
+              <a:t>29</a:t>
             </a:fld>
             <a:endParaRPr lang="en-US" noProof="0" dirty="0"/>
           </a:p>
@@ -26475,7 +27142,124 @@
 </p:sld>
 </file>
 
-<file path=ppt/slides/slide29.xml><?xml version="1.0" encoding="utf-8"?>
+<file path=ppt/slides/slide3.xml><?xml version="1.0" encoding="utf-8"?>
+<p:sld xmlns:a="http://schemas.openxmlformats.org/drawingml/2006/main" xmlns:r="http://schemas.openxmlformats.org/officeDocument/2006/relationships" xmlns:p="http://schemas.openxmlformats.org/presentationml/2006/main">
+  <p:cSld>
+    <p:spTree>
+      <p:nvGrpSpPr>
+        <p:cNvPr id="1" name=""/>
+        <p:cNvGrpSpPr/>
+        <p:nvPr/>
+      </p:nvGrpSpPr>
+      <p:grpSpPr>
+        <a:xfrm>
+          <a:off x="0" y="0"/>
+          <a:ext cx="0" cy="0"/>
+          <a:chOff x="0" y="0"/>
+          <a:chExt cx="0" cy="0"/>
+        </a:xfrm>
+      </p:grpSpPr>
+      <p:sp>
+        <p:nvSpPr>
+          <p:cNvPr id="2" name="Title 1">
+            <a:extLst>
+              <a:ext uri="{FF2B5EF4-FFF2-40B4-BE49-F238E27FC236}">
+                <a16:creationId xmlns:a16="http://schemas.microsoft.com/office/drawing/2014/main" id="{C9D1D713-4956-4FC0-AB9F-FE828A5B8ABA}"/>
+              </a:ext>
+            </a:extLst>
+          </p:cNvPr>
+          <p:cNvSpPr>
+            <a:spLocks noGrp="1"/>
+          </p:cNvSpPr>
+          <p:nvPr>
+            <p:ph type="title" sz="quarter" idx="10"/>
+          </p:nvPr>
+        </p:nvSpPr>
+        <p:spPr/>
+        <p:txBody>
+          <a:bodyPr/>
+          <a:lstStyle/>
+          <a:p>
+            <a:r>
+              <a:rPr lang="bg-BG" dirty="0"/>
+              <a:t>Конструкция за </a:t>
+            </a:r>
+            <a:r>
+              <a:rPr lang="en-GB" dirty="0"/>
+              <a:t>for-</a:t>
+            </a:r>
+            <a:r>
+              <a:rPr lang="bg-BG" dirty="0"/>
+              <a:t>цикъл</a:t>
+            </a:r>
+          </a:p>
+        </p:txBody>
+      </p:sp>
+      <p:pic>
+        <p:nvPicPr>
+          <p:cNvPr id="11" name="Picture 10">
+            <a:extLst>
+              <a:ext uri="{FF2B5EF4-FFF2-40B4-BE49-F238E27FC236}">
+                <a16:creationId xmlns:a16="http://schemas.microsoft.com/office/drawing/2014/main" id="{E94D2624-E2FA-4C5C-9D78-49388F45B3F6}"/>
+              </a:ext>
+            </a:extLst>
+          </p:cNvPr>
+          <p:cNvPicPr>
+            <a:picLocks noChangeAspect="1"/>
+          </p:cNvPicPr>
+          <p:nvPr/>
+        </p:nvPicPr>
+        <p:blipFill>
+          <a:blip r:embed="rId3" cstate="print">
+            <a:duotone>
+              <a:schemeClr val="accent5">
+                <a:shade val="45000"/>
+                <a:satMod val="135000"/>
+              </a:schemeClr>
+              <a:prstClr val="white"/>
+            </a:duotone>
+            <a:extLst>
+              <a:ext uri="{28A0092B-C50C-407E-A947-70E740481C1C}">
+                <a14:useLocalDpi xmlns:a14="http://schemas.microsoft.com/office/drawing/2010/main" val="0"/>
+              </a:ext>
+            </a:extLst>
+          </a:blip>
+          <a:stretch>
+            <a:fillRect/>
+          </a:stretch>
+        </p:blipFill>
+        <p:spPr>
+          <a:xfrm>
+            <a:off x="4714866" y="1524499"/>
+            <a:ext cx="2762271" cy="2294825"/>
+          </a:xfrm>
+          <a:prstGeom prst="rect">
+            <a:avLst/>
+          </a:prstGeom>
+        </p:spPr>
+      </p:pic>
+    </p:spTree>
+    <p:extLst>
+      <p:ext uri="{BB962C8B-B14F-4D97-AF65-F5344CB8AC3E}">
+        <p14:creationId xmlns:p14="http://schemas.microsoft.com/office/powerpoint/2010/main" val="905453525"/>
+      </p:ext>
+    </p:extLst>
+  </p:cSld>
+  <p:clrMapOvr>
+    <a:masterClrMapping/>
+  </p:clrMapOvr>
+  <mc:AlternateContent xmlns:mc="http://schemas.openxmlformats.org/markup-compatibility/2006" xmlns:p14="http://schemas.microsoft.com/office/powerpoint/2010/main">
+    <mc:Choice Requires="p14">
+      <p:transition p14:dur="0" advClick="0" advTm="5000"/>
+    </mc:Choice>
+    <mc:Fallback xmlns="">
+      <p:transition advClick="0" advTm="5000"/>
+    </mc:Fallback>
+  </mc:AlternateContent>
+</p:sld>
+</file>
+
+<file path=ppt/slides/slide30.xml><?xml version="1.0" encoding="utf-8"?>
 <p:sld xmlns:a="http://schemas.openxmlformats.org/drawingml/2006/main" xmlns:r="http://schemas.openxmlformats.org/officeDocument/2006/relationships" xmlns:p="http://schemas.openxmlformats.org/presentationml/2006/main">
   <p:cSld>
     <p:spTree>
@@ -26638,125 +27422,7 @@
 </p:sld>
 </file>
 
-<file path=ppt/slides/slide3.xml><?xml version="1.0" encoding="utf-8"?>
-<p:sld xmlns:a="http://schemas.openxmlformats.org/drawingml/2006/main" xmlns:r="http://schemas.openxmlformats.org/officeDocument/2006/relationships" xmlns:p="http://schemas.openxmlformats.org/presentationml/2006/main">
-  <p:cSld>
-    <p:spTree>
-      <p:nvGrpSpPr>
-        <p:cNvPr id="1" name=""/>
-        <p:cNvGrpSpPr/>
-        <p:nvPr/>
-      </p:nvGrpSpPr>
-      <p:grpSpPr>
-        <a:xfrm>
-          <a:off x="0" y="0"/>
-          <a:ext cx="0" cy="0"/>
-          <a:chOff x="0" y="0"/>
-          <a:chExt cx="0" cy="0"/>
-        </a:xfrm>
-      </p:grpSpPr>
-      <p:sp>
-        <p:nvSpPr>
-          <p:cNvPr id="2" name="Title 1">
-            <a:extLst>
-              <a:ext uri="{FF2B5EF4-FFF2-40B4-BE49-F238E27FC236}">
-                <a16:creationId xmlns:a16="http://schemas.microsoft.com/office/drawing/2014/main" id="{C9D1D713-4956-4FC0-AB9F-FE828A5B8ABA}"/>
-              </a:ext>
-            </a:extLst>
-          </p:cNvPr>
-          <p:cNvSpPr>
-            <a:spLocks noGrp="1"/>
-          </p:cNvSpPr>
-          <p:nvPr>
-            <p:ph type="title" sz="quarter" idx="10"/>
-          </p:nvPr>
-        </p:nvSpPr>
-        <p:spPr/>
-        <p:txBody>
-          <a:bodyPr/>
-          <a:lstStyle/>
-          <a:p>
-            <a:r>
-              <a:rPr lang="bg-BG"/>
-              <a:t>Конструкция за </a:t>
-            </a:r>
-            <a:r>
-              <a:rPr lang="en-GB"/>
-              <a:t>For-</a:t>
-            </a:r>
-            <a:r>
-              <a:rPr lang="bg-BG"/>
-              <a:t>цикъл</a:t>
-            </a:r>
-            <a:endParaRPr lang="bg-BG" dirty="0"/>
-          </a:p>
-        </p:txBody>
-      </p:sp>
-      <p:pic>
-        <p:nvPicPr>
-          <p:cNvPr id="11" name="Picture 10">
-            <a:extLst>
-              <a:ext uri="{FF2B5EF4-FFF2-40B4-BE49-F238E27FC236}">
-                <a16:creationId xmlns:a16="http://schemas.microsoft.com/office/drawing/2014/main" id="{E94D2624-E2FA-4C5C-9D78-49388F45B3F6}"/>
-              </a:ext>
-            </a:extLst>
-          </p:cNvPr>
-          <p:cNvPicPr>
-            <a:picLocks noChangeAspect="1"/>
-          </p:cNvPicPr>
-          <p:nvPr/>
-        </p:nvPicPr>
-        <p:blipFill>
-          <a:blip r:embed="rId3" cstate="print">
-            <a:duotone>
-              <a:schemeClr val="accent5">
-                <a:shade val="45000"/>
-                <a:satMod val="135000"/>
-              </a:schemeClr>
-              <a:prstClr val="white"/>
-            </a:duotone>
-            <a:extLst>
-              <a:ext uri="{28A0092B-C50C-407E-A947-70E740481C1C}">
-                <a14:useLocalDpi xmlns:a14="http://schemas.microsoft.com/office/drawing/2010/main" val="0"/>
-              </a:ext>
-            </a:extLst>
-          </a:blip>
-          <a:stretch>
-            <a:fillRect/>
-          </a:stretch>
-        </p:blipFill>
-        <p:spPr>
-          <a:xfrm>
-            <a:off x="4714866" y="1524499"/>
-            <a:ext cx="2762271" cy="2294825"/>
-          </a:xfrm>
-          <a:prstGeom prst="rect">
-            <a:avLst/>
-          </a:prstGeom>
-        </p:spPr>
-      </p:pic>
-    </p:spTree>
-    <p:extLst>
-      <p:ext uri="{BB962C8B-B14F-4D97-AF65-F5344CB8AC3E}">
-        <p14:creationId xmlns:p14="http://schemas.microsoft.com/office/powerpoint/2010/main" val="905453525"/>
-      </p:ext>
-    </p:extLst>
-  </p:cSld>
-  <p:clrMapOvr>
-    <a:masterClrMapping/>
-  </p:clrMapOvr>
-  <mc:AlternateContent xmlns:mc="http://schemas.openxmlformats.org/markup-compatibility/2006" xmlns:p14="http://schemas.microsoft.com/office/powerpoint/2010/main">
-    <mc:Choice Requires="p14">
-      <p:transition p14:dur="0" advClick="0" advTm="5000"/>
-    </mc:Choice>
-    <mc:Fallback xmlns="">
-      <p:transition advClick="0" advTm="5000"/>
-    </mc:Fallback>
-  </mc:AlternateContent>
-</p:sld>
-</file>
-
-<file path=ppt/slides/slide30.xml><?xml version="1.0" encoding="utf-8"?>
+<file path=ppt/slides/slide31.xml><?xml version="1.0" encoding="utf-8"?>
 <p:sld xmlns:a="http://schemas.openxmlformats.org/drawingml/2006/main" xmlns:r="http://schemas.openxmlformats.org/officeDocument/2006/relationships" xmlns:p="http://schemas.openxmlformats.org/presentationml/2006/main">
   <p:cSld>
     <p:spTree>
@@ -30066,7 +30732,7 @@
         </p:nvSpPr>
         <p:spPr bwMode="auto">
           <a:xfrm>
-            <a:off x="179319" y="2155440"/>
+            <a:off x="508961" y="2082688"/>
             <a:ext cx="3824961" cy="1466658"/>
           </a:xfrm>
           <a:prstGeom prst="wedgeRoundRectCallout">
@@ -30153,7 +30819,7 @@
         </p:nvSpPr>
         <p:spPr bwMode="auto">
           <a:xfrm>
-            <a:off x="8106974" y="2177990"/>
+            <a:off x="7871196" y="2082688"/>
             <a:ext cx="3885188" cy="1457574"/>
           </a:xfrm>
           <a:prstGeom prst="wedgeRoundRectCallout">
@@ -30260,7 +30926,7 @@
             <a:fld id="{2BF067CD-8E6B-4360-9AA8-C5DF2A48A6D1}" type="slidenum">
               <a:rPr lang="en-US" noProof="0" smtClean="0"/>
               <a:pPr/>
-              <a:t>30</a:t>
+              <a:t>31</a:t>
             </a:fld>
             <a:endParaRPr lang="en-US" noProof="0" dirty="0"/>
           </a:p>
@@ -31032,7 +31698,7 @@
 </p:sld>
 </file>
 
-<file path=ppt/slides/slide31.xml><?xml version="1.0" encoding="utf-8"?>
+<file path=ppt/slides/slide32.xml><?xml version="1.0" encoding="utf-8"?>
 <p:sld xmlns:a="http://schemas.openxmlformats.org/drawingml/2006/main" xmlns:r="http://schemas.openxmlformats.org/officeDocument/2006/relationships" xmlns:p="http://schemas.openxmlformats.org/presentationml/2006/main">
   <p:cSld>
     <p:spTree>
@@ -31254,7 +31920,7 @@
         </p:blipFill>
         <p:spPr>
           <a:xfrm>
-            <a:off x="8841000" y="1258680"/>
+            <a:off x="8841000" y="1521332"/>
             <a:ext cx="1934561" cy="4606183"/>
           </a:xfrm>
           <a:prstGeom prst="rect">
@@ -31393,7 +32059,7 @@
             <a:fld id="{2BF067CD-8E6B-4360-9AA8-C5DF2A48A6D1}" type="slidenum">
               <a:rPr lang="en-US" smtClean="0"/>
               <a:pPr/>
-              <a:t>31</a:t>
+              <a:t>32</a:t>
             </a:fld>
             <a:endParaRPr lang="en-US" dirty="0"/>
           </a:p>
@@ -31682,7 +32348,7 @@
         </p:nvSpPr>
         <p:spPr>
           <a:xfrm>
-            <a:off x="729419" y="2574223"/>
+            <a:off x="1011000" y="2709000"/>
             <a:ext cx="7169335" cy="3264247"/>
           </a:xfrm>
           <a:prstGeom prst="rect">
@@ -32408,7 +33074,7 @@
 </p:sld>
 </file>
 
-<file path=ppt/slides/slide32.xml><?xml version="1.0" encoding="utf-8"?>
+<file path=ppt/slides/slide33.xml><?xml version="1.0" encoding="utf-8"?>
 <p:sld xmlns:a="http://schemas.openxmlformats.org/drawingml/2006/main" xmlns:r="http://schemas.openxmlformats.org/officeDocument/2006/relationships" xmlns:p="http://schemas.openxmlformats.org/presentationml/2006/main">
   <p:cSld>
     <p:spTree>
@@ -32636,7 +33302,7 @@
         <p:spPr>
           <a:xfrm>
             <a:off x="889441" y="3005405"/>
-            <a:ext cx="7772119" cy="1406905"/>
+            <a:ext cx="7772119" cy="1560794"/>
           </a:xfrm>
           <a:prstGeom prst="rect">
             <a:avLst/>
@@ -32779,7 +33445,7 @@
             </a:pPr>
             <a:r>
               <a:rPr lang="en-US" dirty="0"/>
-              <a:t>for (int i = 0; i &lt; n; i++) </a:t>
+              <a:t>for (int row = 0; row &lt; n; row++) </a:t>
             </a:r>
           </a:p>
           <a:p>
@@ -32793,7 +33459,21 @@
             </a:pPr>
             <a:r>
               <a:rPr lang="en-US" dirty="0"/>
-              <a:t>    for (int j = 0; j &lt; n; j++) 			…</a:t>
+              <a:t>  for (int col = 0; col &lt; n; col++)</a:t>
+            </a:r>
+          </a:p>
+          <a:p>
+            <a:pPr>
+              <a:spcBef>
+                <a:spcPts val="600"/>
+              </a:spcBef>
+              <a:spcAft>
+                <a:spcPts val="600"/>
+              </a:spcAft>
+            </a:pPr>
+            <a:r>
+              <a:rPr lang="en-US" dirty="0"/>
+              <a:t>    …</a:t>
             </a:r>
           </a:p>
         </p:txBody>
@@ -32814,8 +33494,8 @@
         </p:nvSpPr>
         <p:spPr bwMode="auto">
           <a:xfrm>
-            <a:off x="4522591" y="4366912"/>
-            <a:ext cx="3733409" cy="1473618"/>
+            <a:off x="4332311" y="4320548"/>
+            <a:ext cx="4048409" cy="1473618"/>
           </a:xfrm>
           <a:prstGeom prst="wedgeRoundRectCallout">
             <a:avLst>
@@ -32904,8 +33584,8 @@
         </p:nvSpPr>
         <p:spPr>
           <a:xfrm>
-            <a:off x="2351584" y="3061654"/>
-            <a:ext cx="453472" cy="484137"/>
+            <a:off x="2450999" y="3018812"/>
+            <a:ext cx="630905" cy="484137"/>
           </a:xfrm>
           <a:prstGeom prst="rect">
             <a:avLst/>
@@ -32961,8 +33641,8 @@
         </p:nvSpPr>
         <p:spPr>
           <a:xfrm>
-            <a:off x="3081905" y="3578848"/>
-            <a:ext cx="422593" cy="533122"/>
+            <a:off x="2788579" y="3519000"/>
+            <a:ext cx="630905" cy="533122"/>
           </a:xfrm>
           <a:prstGeom prst="rect">
             <a:avLst/>
@@ -33040,7 +33720,7 @@
             <a:fld id="{2BF067CD-8E6B-4360-9AA8-C5DF2A48A6D1}" type="slidenum">
               <a:rPr lang="en-US" noProof="0" smtClean="0"/>
               <a:pPr/>
-              <a:t>32</a:t>
+              <a:t>33</a:t>
             </a:fld>
             <a:endParaRPr lang="en-US" noProof="0" dirty="0"/>
           </a:p>
@@ -33318,7 +33998,7 @@
 </p:sld>
 </file>
 
-<file path=ppt/slides/slide33.xml><?xml version="1.0" encoding="utf-8"?>
+<file path=ppt/slides/slide34.xml><?xml version="1.0" encoding="utf-8"?>
 <p:sld xmlns:a="http://schemas.openxmlformats.org/drawingml/2006/main" xmlns:r="http://schemas.openxmlformats.org/officeDocument/2006/relationships" xmlns:p="http://schemas.openxmlformats.org/presentationml/2006/main">
   <p:cSld>
     <p:spTree>
@@ -33562,7 +34242,7 @@
             <a:fld id="{2BF067CD-8E6B-4360-9AA8-C5DF2A48A6D1}" type="slidenum">
               <a:rPr lang="en-US" noProof="0" smtClean="0"/>
               <a:pPr/>
-              <a:t>33</a:t>
+              <a:t>34</a:t>
             </a:fld>
             <a:endParaRPr lang="en-US" noProof="0" dirty="0"/>
           </a:p>
@@ -33774,7 +34454,7 @@
 </p:sld>
 </file>
 
-<file path=ppt/slides/slide34.xml><?xml version="1.0" encoding="utf-8"?>
+<file path=ppt/slides/slide35.xml><?xml version="1.0" encoding="utf-8"?>
 <p:sld xmlns:a="http://schemas.openxmlformats.org/drawingml/2006/main" xmlns:r="http://schemas.openxmlformats.org/officeDocument/2006/relationships" xmlns:p="http://schemas.openxmlformats.org/presentationml/2006/main">
   <p:cSld>
     <p:spTree>
@@ -33809,8 +34489,8 @@
         </p:nvSpPr>
         <p:spPr>
           <a:xfrm>
-            <a:off x="1416000" y="1844587"/>
-            <a:ext cx="9704830" cy="3645000"/>
+            <a:off x="1145998" y="1815008"/>
+            <a:ext cx="9900002" cy="3645000"/>
           </a:xfrm>
           <a:solidFill>
             <a:schemeClr val="accent5">
@@ -34225,7 +34905,7 @@
             <a:fld id="{2BF067CD-8E6B-4360-9AA8-C5DF2A48A6D1}" type="slidenum">
               <a:rPr lang="en-US" smtClean="0"/>
               <a:pPr/>
-              <a:t>34</a:t>
+              <a:t>35</a:t>
             </a:fld>
             <a:endParaRPr lang="en-US" dirty="0"/>
           </a:p>
@@ -34551,7 +35231,7 @@
 </p:sld>
 </file>
 
-<file path=ppt/slides/slide35.xml><?xml version="1.0" encoding="utf-8"?>
+<file path=ppt/slides/slide36.xml><?xml version="1.0" encoding="utf-8"?>
 <p:sld xmlns:a="http://schemas.openxmlformats.org/drawingml/2006/main" xmlns:r="http://schemas.openxmlformats.org/officeDocument/2006/relationships" xmlns:p="http://schemas.openxmlformats.org/presentationml/2006/main">
   <p:cSld>
     <p:spTree>
@@ -34905,8 +35585,8 @@
         </p:nvSpPr>
         <p:spPr>
           <a:xfrm>
-            <a:off x="770554" y="1556792"/>
-            <a:ext cx="10798054" cy="4834572"/>
+            <a:off x="889414" y="1539000"/>
+            <a:ext cx="10679194" cy="4834572"/>
           </a:xfrm>
           <a:prstGeom prst="rect">
             <a:avLst/>
@@ -35131,6 +35811,27 @@
             </a:endParaRPr>
           </a:p>
           <a:p>
+            <a:pPr marL="989494" lvl="1" indent="-456428" latinLnBrk="0">
+              <a:lnSpc>
+                <a:spcPct val="100000"/>
+              </a:lnSpc>
+              <a:buClr>
+                <a:schemeClr val="bg2"/>
+              </a:buClr>
+            </a:pPr>
+            <a:r>
+              <a:rPr lang="en-US" sz="3400" b="1" dirty="0">
+                <a:solidFill>
+                  <a:schemeClr val="accent1">
+                    <a:lumMod val="60000"/>
+                    <a:lumOff val="40000"/>
+                  </a:schemeClr>
+                </a:solidFill>
+              </a:rPr>
+              <a:t>for (int x = 1; x &lt;= 10; x++) …</a:t>
+            </a:r>
+          </a:p>
+          <a:p>
             <a:pPr marL="456428" indent="-456428" latinLnBrk="0">
               <a:lnSpc>
                 <a:spcPct val="100000"/>
@@ -35144,6 +35845,60 @@
               </a:rPr>
               <a:t>Работа с текст</a:t>
             </a:r>
+            <a:r>
+              <a:rPr lang="en-US" sz="3600" dirty="0">
+                <a:solidFill>
+                  <a:schemeClr val="bg2"/>
+                </a:solidFill>
+              </a:rPr>
+              <a:t>: </a:t>
+            </a:r>
+          </a:p>
+          <a:p>
+            <a:pPr marL="989494" lvl="1" indent="-456428" latinLnBrk="0">
+              <a:lnSpc>
+                <a:spcPct val="100000"/>
+              </a:lnSpc>
+            </a:pPr>
+            <a:r>
+              <a:rPr lang="en-US" sz="3400" noProof="1">
+                <a:solidFill>
+                  <a:schemeClr val="bg2"/>
+                </a:solidFill>
+              </a:rPr>
+              <a:t>"abc".Length </a:t>
+            </a:r>
+            <a:r>
+              <a:rPr lang="en-US" sz="3400" noProof="1">
+                <a:solidFill>
+                  <a:schemeClr val="bg2"/>
+                </a:solidFill>
+                <a:sym typeface="Wingdings" panose="05000000000000000000" pitchFamily="2" charset="2"/>
+              </a:rPr>
+              <a:t> 3  </a:t>
+            </a:r>
+            <a:r>
+              <a:rPr lang="en-US" sz="3400" noProof="1">
+                <a:solidFill>
+                  <a:schemeClr val="bg2"/>
+                </a:solidFill>
+              </a:rPr>
+              <a:t>        "abc"[1] </a:t>
+            </a:r>
+            <a:r>
+              <a:rPr lang="en-US" sz="3400" noProof="1">
+                <a:solidFill>
+                  <a:schemeClr val="bg2"/>
+                </a:solidFill>
+                <a:sym typeface="Wingdings" panose="05000000000000000000" pitchFamily="2" charset="2"/>
+              </a:rPr>
+              <a:t> 'b'</a:t>
+            </a:r>
+            <a:endParaRPr lang="en-US" sz="3400" noProof="1">
+              <a:solidFill>
+                <a:schemeClr val="bg2"/>
+              </a:solidFill>
+            </a:endParaRPr>
           </a:p>
           <a:p>
             <a:pPr marL="456428" indent="-456428" latinLnBrk="0">
@@ -35233,6 +35988,22 @@
                 </a:solidFill>
               </a:rPr>
               <a:t>Вложени цикли</a:t>
+            </a:r>
+            <a:r>
+              <a:rPr lang="en-US" sz="3600" dirty="0">
+                <a:solidFill>
+                  <a:schemeClr val="bg2"/>
+                </a:solidFill>
+              </a:rPr>
+              <a:t>: </a:t>
+            </a:r>
+            <a:r>
+              <a:rPr lang="bg-BG" sz="3600" dirty="0">
+                <a:solidFill>
+                  <a:schemeClr val="bg2"/>
+                </a:solidFill>
+              </a:rPr>
+              <a:t>цикъл в тялото на друг цикъл</a:t>
             </a:r>
           </a:p>
         </p:txBody>
@@ -35273,7 +36044,7 @@
             <a:fld id="{2BF067CD-8E6B-4360-9AA8-C5DF2A48A6D1}" type="slidenum">
               <a:rPr lang="en-US" noProof="0" smtClean="0"/>
               <a:pPr/>
-              <a:t>35</a:t>
+              <a:t>36</a:t>
             </a:fld>
             <a:endParaRPr lang="en-US" noProof="0" dirty="0"/>
           </a:p>
@@ -35333,55 +36104,6 @@
                                         <p:tgtEl>
                                           <p:spTgt spid="15">
                                             <p:txEl>
-                                              <p:pRg st="1" end="1"/>
-                                            </p:txEl>
-                                          </p:spTgt>
-                                        </p:tgtEl>
-                                        <p:attrNameLst>
-                                          <p:attrName>style.visibility</p:attrName>
-                                        </p:attrNameLst>
-                                      </p:cBhvr>
-                                      <p:to>
-                                        <p:strVal val="visible"/>
-                                      </p:to>
-                                    </p:set>
-                                  </p:childTnLst>
-                                </p:cTn>
-                              </p:par>
-                            </p:childTnLst>
-                          </p:cTn>
-                        </p:par>
-                      </p:childTnLst>
-                    </p:cTn>
-                  </p:par>
-                  <p:par>
-                    <p:cTn id="7" fill="hold">
-                      <p:stCondLst>
-                        <p:cond delay="indefinite"/>
-                      </p:stCondLst>
-                      <p:childTnLst>
-                        <p:par>
-                          <p:cTn id="8" fill="hold">
-                            <p:stCondLst>
-                              <p:cond delay="0"/>
-                            </p:stCondLst>
-                            <p:childTnLst>
-                              <p:par>
-                                <p:cTn id="9" presetID="1" presetClass="entr" presetSubtype="0" fill="hold" nodeType="clickEffect">
-                                  <p:stCondLst>
-                                    <p:cond delay="0"/>
-                                  </p:stCondLst>
-                                  <p:childTnLst>
-                                    <p:set>
-                                      <p:cBhvr>
-                                        <p:cTn id="10" dur="1" fill="hold">
-                                          <p:stCondLst>
-                                            <p:cond delay="0"/>
-                                          </p:stCondLst>
-                                        </p:cTn>
-                                        <p:tgtEl>
-                                          <p:spTgt spid="15">
-                                            <p:txEl>
                                               <p:pRg st="2" end="2"/>
                                             </p:txEl>
                                           </p:spTgt>
@@ -35397,33 +36119,15 @@
                                   </p:childTnLst>
                                 </p:cTn>
                               </p:par>
-                            </p:childTnLst>
-                          </p:cTn>
-                        </p:par>
-                      </p:childTnLst>
-                    </p:cTn>
-                  </p:par>
-                  <p:par>
-                    <p:cTn id="11" fill="hold">
-                      <p:stCondLst>
-                        <p:cond delay="indefinite"/>
-                      </p:stCondLst>
-                      <p:childTnLst>
-                        <p:par>
-                          <p:cTn id="12" fill="hold">
-                            <p:stCondLst>
-                              <p:cond delay="0"/>
-                            </p:stCondLst>
-                            <p:childTnLst>
                               <p:par>
-                                <p:cTn id="13" presetID="1" presetClass="entr" presetSubtype="0" fill="hold" nodeType="clickEffect">
+                                <p:cTn id="7" presetID="1" presetClass="entr" presetSubtype="0" fill="hold" nodeType="withEffect">
                                   <p:stCondLst>
                                     <p:cond delay="0"/>
                                   </p:stCondLst>
                                   <p:childTnLst>
                                     <p:set>
                                       <p:cBhvr>
-                                        <p:cTn id="14" dur="1" fill="hold">
+                                        <p:cTn id="8" dur="1" fill="hold">
                                           <p:stCondLst>
                                             <p:cond delay="0"/>
                                           </p:stCondLst>
@@ -35453,26 +36157,26 @@
                     </p:cTn>
                   </p:par>
                   <p:par>
-                    <p:cTn id="15" fill="hold">
+                    <p:cTn id="9" fill="hold">
                       <p:stCondLst>
                         <p:cond delay="indefinite"/>
                       </p:stCondLst>
                       <p:childTnLst>
                         <p:par>
-                          <p:cTn id="16" fill="hold">
+                          <p:cTn id="10" fill="hold">
                             <p:stCondLst>
                               <p:cond delay="0"/>
                             </p:stCondLst>
                             <p:childTnLst>
                               <p:par>
-                                <p:cTn id="17" presetID="1" presetClass="entr" presetSubtype="0" fill="hold" nodeType="clickEffect">
+                                <p:cTn id="11" presetID="1" presetClass="entr" presetSubtype="0" fill="hold" nodeType="clickEffect">
                                   <p:stCondLst>
                                     <p:cond delay="0"/>
                                   </p:stCondLst>
                                   <p:childTnLst>
                                     <p:set>
                                       <p:cBhvr>
-                                        <p:cTn id="18" dur="1" fill="hold">
+                                        <p:cTn id="12" dur="1" fill="hold">
                                           <p:stCondLst>
                                             <p:cond delay="0"/>
                                           </p:stCondLst>
@@ -35481,6 +36185,104 @@
                                           <p:spTgt spid="15">
                                             <p:txEl>
                                               <p:pRg st="4" end="4"/>
+                                            </p:txEl>
+                                          </p:spTgt>
+                                        </p:tgtEl>
+                                        <p:attrNameLst>
+                                          <p:attrName>style.visibility</p:attrName>
+                                        </p:attrNameLst>
+                                      </p:cBhvr>
+                                      <p:to>
+                                        <p:strVal val="visible"/>
+                                      </p:to>
+                                    </p:set>
+                                  </p:childTnLst>
+                                </p:cTn>
+                              </p:par>
+                            </p:childTnLst>
+                          </p:cTn>
+                        </p:par>
+                      </p:childTnLst>
+                    </p:cTn>
+                  </p:par>
+                  <p:par>
+                    <p:cTn id="13" fill="hold">
+                      <p:stCondLst>
+                        <p:cond delay="indefinite"/>
+                      </p:stCondLst>
+                      <p:childTnLst>
+                        <p:par>
+                          <p:cTn id="14" fill="hold">
+                            <p:stCondLst>
+                              <p:cond delay="0"/>
+                            </p:stCondLst>
+                            <p:childTnLst>
+                              <p:par>
+                                <p:cTn id="15" presetID="1" presetClass="entr" presetSubtype="0" fill="hold" nodeType="clickEffect">
+                                  <p:stCondLst>
+                                    <p:cond delay="0"/>
+                                  </p:stCondLst>
+                                  <p:childTnLst>
+                                    <p:set>
+                                      <p:cBhvr>
+                                        <p:cTn id="16" dur="1" fill="hold">
+                                          <p:stCondLst>
+                                            <p:cond delay="0"/>
+                                          </p:stCondLst>
+                                        </p:cTn>
+                                        <p:tgtEl>
+                                          <p:spTgt spid="15">
+                                            <p:txEl>
+                                              <p:pRg st="5" end="5"/>
+                                            </p:txEl>
+                                          </p:spTgt>
+                                        </p:tgtEl>
+                                        <p:attrNameLst>
+                                          <p:attrName>style.visibility</p:attrName>
+                                        </p:attrNameLst>
+                                      </p:cBhvr>
+                                      <p:to>
+                                        <p:strVal val="visible"/>
+                                      </p:to>
+                                    </p:set>
+                                  </p:childTnLst>
+                                </p:cTn>
+                              </p:par>
+                            </p:childTnLst>
+                          </p:cTn>
+                        </p:par>
+                      </p:childTnLst>
+                    </p:cTn>
+                  </p:par>
+                  <p:par>
+                    <p:cTn id="17" fill="hold">
+                      <p:stCondLst>
+                        <p:cond delay="indefinite"/>
+                      </p:stCondLst>
+                      <p:childTnLst>
+                        <p:par>
+                          <p:cTn id="18" fill="hold">
+                            <p:stCondLst>
+                              <p:cond delay="0"/>
+                            </p:stCondLst>
+                            <p:childTnLst>
+                              <p:par>
+                                <p:cTn id="19" presetID="1" presetClass="entr" presetSubtype="0" fill="hold" nodeType="clickEffect">
+                                  <p:stCondLst>
+                                    <p:cond delay="0"/>
+                                  </p:stCondLst>
+                                  <p:childTnLst>
+                                    <p:set>
+                                      <p:cBhvr>
+                                        <p:cTn id="20" dur="1" fill="hold">
+                                          <p:stCondLst>
+                                            <p:cond delay="0"/>
+                                          </p:stCondLst>
+                                        </p:cTn>
+                                        <p:tgtEl>
+                                          <p:spTgt spid="15">
+                                            <p:txEl>
+                                              <p:pRg st="6" end="6"/>
                                             </p:txEl>
                                           </p:spTgt>
                                         </p:tgtEl>
@@ -35526,7 +36328,7 @@
 </p:sld>
 </file>
 
-<file path=ppt/slides/slide36.xml><?xml version="1.0" encoding="utf-8"?>
+<file path=ppt/slides/slide37.xml><?xml version="1.0" encoding="utf-8"?>
 <p:sld xmlns:a="http://schemas.openxmlformats.org/drawingml/2006/main" xmlns:r="http://schemas.openxmlformats.org/officeDocument/2006/relationships" xmlns:p="http://schemas.openxmlformats.org/presentationml/2006/main">
   <p:cSld>
     <p:spTree>
@@ -35605,7 +36407,7 @@
 </p:sld>
 </file>
 
-<file path=ppt/slides/slide37.xml><?xml version="1.0" encoding="utf-8"?>
+<file path=ppt/slides/slide38.xml><?xml version="1.0" encoding="utf-8"?>
 <p:sld xmlns:a="http://schemas.openxmlformats.org/drawingml/2006/main" xmlns:r="http://schemas.openxmlformats.org/officeDocument/2006/relationships" xmlns:p="http://schemas.openxmlformats.org/presentationml/2006/main">
   <p:cSld>
     <p:spTree>
@@ -35869,7 +36671,7 @@
             <a:fld id="{2BF067CD-8E6B-4360-9AA8-C5DF2A48A6D1}" type="slidenum">
               <a:rPr lang="en-US" noProof="0" smtClean="0"/>
               <a:pPr/>
-              <a:t>37</a:t>
+              <a:t>38</a:t>
             </a:fld>
             <a:endParaRPr lang="en-US" noProof="0" dirty="0"/>
           </a:p>
@@ -35896,7 +36698,7 @@
 </p:sld>
 </file>
 
-<file path=ppt/slides/slide38.xml><?xml version="1.0" encoding="utf-8"?>
+<file path=ppt/slides/slide39.xml><?xml version="1.0" encoding="utf-8"?>
 <p:sld xmlns:a="http://schemas.openxmlformats.org/drawingml/2006/main" xmlns:r="http://schemas.openxmlformats.org/officeDocument/2006/relationships" xmlns:p="http://schemas.openxmlformats.org/presentationml/2006/main">
   <p:cSld>
     <p:spTree>
@@ -36202,7 +37004,7 @@
             <a:fld id="{2BF067CD-8E6B-4360-9AA8-C5DF2A48A6D1}" type="slidenum">
               <a:rPr lang="en-US" smtClean="0"/>
               <a:pPr/>
-              <a:t>38</a:t>
+              <a:t>39</a:t>
             </a:fld>
             <a:endParaRPr lang="en-US" dirty="0"/>
           </a:p>
@@ -36367,7 +37169,7 @@
         </p:blipFill>
         <p:spPr>
           <a:xfrm>
-            <a:off x="9473321" y="3073494"/>
+            <a:off x="9441236" y="3238865"/>
             <a:ext cx="2530135" cy="2530135"/>
           </a:xfrm>
           <a:prstGeom prst="rect">
@@ -36389,7 +37191,7 @@
         </p:nvGrpSpPr>
         <p:grpSpPr>
           <a:xfrm>
-            <a:off x="7873538" y="4628838"/>
+            <a:off x="7841453" y="4794209"/>
             <a:ext cx="1256889" cy="778394"/>
             <a:chOff x="5213760" y="4570824"/>
             <a:chExt cx="3375809" cy="2438818"/>
@@ -36551,7 +37353,7 @@
         </p:nvGrpSpPr>
         <p:grpSpPr>
           <a:xfrm>
-            <a:off x="7118085" y="3651193"/>
+            <a:off x="7086000" y="3816564"/>
             <a:ext cx="1256889" cy="778394"/>
             <a:chOff x="5213760" y="4570824"/>
             <a:chExt cx="3375809" cy="2438818"/>
@@ -36713,7 +37515,7 @@
         </p:nvGrpSpPr>
         <p:grpSpPr>
           <a:xfrm>
-            <a:off x="8229045" y="3251247"/>
+            <a:off x="8196960" y="3416618"/>
             <a:ext cx="1256889" cy="778394"/>
             <a:chOff x="5213760" y="4570824"/>
             <a:chExt cx="3375809" cy="2438818"/>
@@ -36875,7 +37677,7 @@
         </p:nvGrpSpPr>
         <p:grpSpPr>
           <a:xfrm>
-            <a:off x="7162523" y="2495794"/>
+            <a:off x="7130438" y="2661165"/>
             <a:ext cx="1256889" cy="778394"/>
             <a:chOff x="5213760" y="4570824"/>
             <a:chExt cx="3375809" cy="2438818"/>
@@ -37037,7 +37839,7 @@
         </p:nvGrpSpPr>
         <p:grpSpPr>
           <a:xfrm>
-            <a:off x="8495676" y="2318040"/>
+            <a:off x="8463591" y="2483411"/>
             <a:ext cx="1256889" cy="778394"/>
             <a:chOff x="5213760" y="4570824"/>
             <a:chExt cx="3375809" cy="2438818"/>
@@ -37199,7 +38001,7 @@
         </p:nvGrpSpPr>
         <p:grpSpPr>
           <a:xfrm>
-            <a:off x="7518030" y="1473710"/>
+            <a:off x="7485945" y="1639081"/>
             <a:ext cx="1256889" cy="778394"/>
             <a:chOff x="5213760" y="4570824"/>
             <a:chExt cx="3375809" cy="2438818"/>
@@ -37361,7 +38163,7 @@
         </p:nvGrpSpPr>
         <p:grpSpPr>
           <a:xfrm>
-            <a:off x="8540115" y="1162641"/>
+            <a:off x="8508030" y="1328012"/>
             <a:ext cx="1345765" cy="778394"/>
             <a:chOff x="4975050" y="4570824"/>
             <a:chExt cx="3614519" cy="2438818"/>
@@ -37523,7 +38325,7 @@
         </p:nvGrpSpPr>
         <p:grpSpPr>
           <a:xfrm>
-            <a:off x="9917705" y="1581632"/>
+            <a:off x="9885620" y="1747003"/>
             <a:ext cx="1364810" cy="778394"/>
             <a:chOff x="4923898" y="4570824"/>
             <a:chExt cx="3665671" cy="2438818"/>
@@ -38316,7 +39118,7 @@
                 <a:latin typeface="Consolas" pitchFamily="49" charset="0"/>
                 <a:cs typeface="Consolas" pitchFamily="49" charset="0"/>
               </a:rPr>
-              <a:t> </a:t>
+              <a:t>  </a:t>
             </a:r>
             <a:r>
               <a:rPr lang="en-US" sz="2799" b="1" noProof="1">
@@ -38386,66 +39188,12 @@
         </p:nvGrpSpPr>
         <p:grpSpPr>
           <a:xfrm>
-            <a:off x="7986000" y="1215900"/>
-            <a:ext cx="4333785" cy="3132058"/>
+            <a:off x="7941000" y="1494000"/>
+            <a:ext cx="3714950" cy="3132058"/>
             <a:chOff x="1562100" y="2659188"/>
-            <a:chExt cx="5620919" cy="3409372"/>
+            <a:chExt cx="4818290" cy="3409372"/>
           </a:xfrm>
         </p:grpSpPr>
-        <p:sp>
-          <p:nvSpPr>
-            <p:cNvPr id="10" name="TextBox 28">
-              <a:extLst>
-                <a:ext uri="{FF2B5EF4-FFF2-40B4-BE49-F238E27FC236}">
-                  <a16:creationId xmlns:a16="http://schemas.microsoft.com/office/drawing/2014/main" id="{B0CD90E1-B1FF-425C-B479-C93834B3D891}"/>
-                </a:ext>
-              </a:extLst>
-            </p:cNvPr>
-            <p:cNvSpPr txBox="1"/>
-            <p:nvPr/>
-          </p:nvSpPr>
-          <p:spPr>
-            <a:xfrm>
-              <a:off x="4881868" y="4074609"/>
-              <a:ext cx="2301151" cy="590918"/>
-            </a:xfrm>
-            <a:prstGeom prst="rect">
-              <a:avLst/>
-            </a:prstGeom>
-            <a:noFill/>
-            <a:ln w="12700">
-              <a:noFill/>
-            </a:ln>
-          </p:spPr>
-          <p:txBody>
-            <a:bodyPr vert="horz" wrap="square" lIns="143963" tIns="107972" rIns="143963" bIns="107972" rtlCol="0">
-              <a:spAutoFit/>
-            </a:bodyPr>
-            <a:lstStyle/>
-            <a:p>
-              <a:pPr algn="l" eaLnBrk="0" hangingPunct="0">
-                <a:lnSpc>
-                  <a:spcPct val="110000"/>
-                </a:lnSpc>
-                <a:buClr>
-                  <a:schemeClr val="accent5">
-                    <a:lumMod val="40000"/>
-                    <a:lumOff val="60000"/>
-                  </a:schemeClr>
-                </a:buClr>
-                <a:buSzPct val="70000"/>
-              </a:pPr>
-              <a:r>
-                <a:rPr lang="bg-BG" sz="1999" dirty="0">
-                  <a:solidFill>
-                    <a:srgbClr val="FDFFFF"/>
-                  </a:solidFill>
-                </a:rPr>
-                <a:t>Принтиране</a:t>
-              </a:r>
-            </a:p>
-          </p:txBody>
-        </p:sp>
         <p:sp>
           <p:nvSpPr>
             <p:cNvPr id="11" name="TextBox 29">
@@ -39638,6 +40386,220 @@
             <a:r>
               <a:rPr lang="bg-BG" sz="3599" dirty="0"/>
               <a:t>определен брой пъти:</a:t>
+            </a:r>
+          </a:p>
+        </p:txBody>
+      </p:sp>
+      <p:sp>
+        <p:nvSpPr>
+          <p:cNvPr id="7" name="Rectangle: Rounded Corners 6">
+            <a:extLst>
+              <a:ext uri="{FF2B5EF4-FFF2-40B4-BE49-F238E27FC236}">
+                <a16:creationId xmlns:a16="http://schemas.microsoft.com/office/drawing/2014/main" id="{11BB5436-C152-C2F4-B2AE-17EFE34D4ADA}"/>
+              </a:ext>
+            </a:extLst>
+          </p:cNvPr>
+          <p:cNvSpPr/>
+          <p:nvPr/>
+        </p:nvSpPr>
+        <p:spPr bwMode="auto">
+          <a:xfrm>
+            <a:off x="7905487" y="4855738"/>
+            <a:ext cx="3864444" cy="1739171"/>
+          </a:xfrm>
+          <a:prstGeom prst="roundRect">
+            <a:avLst/>
+          </a:prstGeom>
+          <a:solidFill>
+            <a:srgbClr val="FFFF00">
+              <a:alpha val="80000"/>
+            </a:srgbClr>
+          </a:solidFill>
+          <a:ln w="19050">
+            <a:solidFill>
+              <a:schemeClr val="tx1">
+                <a:lumMod val="75000"/>
+                <a:alpha val="80000"/>
+              </a:schemeClr>
+            </a:solidFill>
+          </a:ln>
+          <a:effectLst/>
+        </p:spPr>
+        <p:style>
+          <a:lnRef idx="2">
+            <a:schemeClr val="accent1">
+              <a:shade val="50000"/>
+            </a:schemeClr>
+          </a:lnRef>
+          <a:fillRef idx="1001">
+            <a:schemeClr val="dk2"/>
+          </a:fillRef>
+          <a:effectRef idx="0">
+            <a:schemeClr val="accent1"/>
+          </a:effectRef>
+          <a:fontRef idx="minor">
+            <a:schemeClr val="lt1"/>
+          </a:fontRef>
+        </p:style>
+        <p:txBody>
+          <a:bodyPr rot="0" spcFirstLastPara="0" vertOverflow="overflow" horzOverflow="overflow" vert="horz" wrap="square" lIns="91440" tIns="45720" rIns="91440" bIns="45720" numCol="1" spcCol="0" rtlCol="0" fromWordArt="0" anchor="ctr" anchorCtr="0" forceAA="0" compatLnSpc="1">
+            <a:prstTxWarp prst="textNoShape">
+              <a:avLst/>
+            </a:prstTxWarp>
+            <a:noAutofit/>
+          </a:bodyPr>
+          <a:lstStyle/>
+          <a:p>
+            <a:pPr algn="ctr"/>
+            <a:r>
+              <a:rPr lang="en-US" sz="2800" dirty="0">
+                <a:ln w="0"/>
+                <a:solidFill>
+                  <a:schemeClr val="tx1"/>
+                </a:solidFill>
+                <a:effectLst>
+                  <a:outerShdw blurRad="38100" dist="19050" dir="2700000" algn="tl" rotWithShape="0">
+                    <a:schemeClr val="dk1">
+                      <a:alpha val="40000"/>
+                    </a:schemeClr>
+                  </a:outerShdw>
+                </a:effectLst>
+              </a:rPr>
+              <a:t>TODO:</a:t>
+            </a:r>
+          </a:p>
+          <a:p>
+            <a:pPr algn="ctr"/>
+            <a:r>
+              <a:rPr lang="bg-BG" sz="2800" dirty="0">
+                <a:ln w="0"/>
+                <a:solidFill>
+                  <a:schemeClr val="tx1"/>
+                </a:solidFill>
+                <a:effectLst>
+                  <a:outerShdw blurRad="38100" dist="19050" dir="2700000" algn="tl" rotWithShape="0">
+                    <a:schemeClr val="dk1">
+                      <a:alpha val="40000"/>
+                    </a:schemeClr>
+                  </a:outerShdw>
+                </a:effectLst>
+              </a:rPr>
+              <a:t>2 отделни стъпки:</a:t>
+            </a:r>
+          </a:p>
+          <a:p>
+            <a:pPr algn="ctr"/>
+            <a:r>
+              <a:rPr lang="en-US" sz="2800" dirty="0">
+                <a:ln w="0"/>
+                <a:solidFill>
+                  <a:schemeClr val="tx1"/>
+                </a:solidFill>
+                <a:effectLst>
+                  <a:outerShdw blurRad="38100" dist="19050" dir="2700000" algn="tl" rotWithShape="0">
+                    <a:schemeClr val="dk1">
+                      <a:alpha val="40000"/>
+                    </a:schemeClr>
+                  </a:outerShdw>
+                </a:effectLst>
+              </a:rPr>
+              <a:t>Print </a:t>
+            </a:r>
+            <a:r>
+              <a:rPr lang="en-US" sz="2800" dirty="0" err="1">
+                <a:ln w="0"/>
+                <a:solidFill>
+                  <a:schemeClr val="tx1"/>
+                </a:solidFill>
+                <a:effectLst>
+                  <a:outerShdw blurRad="38100" dist="19050" dir="2700000" algn="tl" rotWithShape="0">
+                    <a:schemeClr val="dk1">
+                      <a:alpha val="40000"/>
+                    </a:schemeClr>
+                  </a:outerShdw>
+                </a:effectLst>
+              </a:rPr>
+              <a:t>i</a:t>
+            </a:r>
+            <a:endParaRPr lang="en-US" sz="2800" dirty="0">
+              <a:ln w="0"/>
+              <a:solidFill>
+                <a:schemeClr val="tx1"/>
+              </a:solidFill>
+              <a:effectLst>
+                <a:outerShdw blurRad="38100" dist="19050" dir="2700000" algn="tl" rotWithShape="0">
+                  <a:schemeClr val="dk1">
+                    <a:alpha val="40000"/>
+                  </a:schemeClr>
+                </a:outerShdw>
+              </a:effectLst>
+            </a:endParaRPr>
+          </a:p>
+          <a:p>
+            <a:pPr algn="ctr"/>
+            <a:r>
+              <a:rPr lang="en-US" sz="2800" dirty="0" err="1">
+                <a:ln w="0"/>
+                <a:solidFill>
+                  <a:schemeClr val="tx1"/>
+                </a:solidFill>
+                <a:effectLst>
+                  <a:outerShdw blurRad="38100" dist="19050" dir="2700000" algn="tl" rotWithShape="0">
+                    <a:schemeClr val="dk1">
+                      <a:alpha val="40000"/>
+                    </a:schemeClr>
+                  </a:outerShdw>
+                </a:effectLst>
+              </a:rPr>
+              <a:t>i</a:t>
+            </a:r>
+            <a:r>
+              <a:rPr lang="en-US" sz="2800" dirty="0">
+                <a:ln w="0"/>
+                <a:solidFill>
+                  <a:schemeClr val="tx1"/>
+                </a:solidFill>
+                <a:effectLst>
+                  <a:outerShdw blurRad="38100" dist="19050" dir="2700000" algn="tl" rotWithShape="0">
+                    <a:schemeClr val="dk1">
+                      <a:alpha val="40000"/>
+                    </a:schemeClr>
+                  </a:outerShdw>
+                </a:effectLst>
+              </a:rPr>
+              <a:t> = </a:t>
+            </a:r>
+            <a:r>
+              <a:rPr lang="en-US" sz="2800" dirty="0" err="1">
+                <a:ln w="0"/>
+                <a:solidFill>
+                  <a:schemeClr val="tx1"/>
+                </a:solidFill>
+                <a:effectLst>
+                  <a:outerShdw blurRad="38100" dist="19050" dir="2700000" algn="tl" rotWithShape="0">
+                    <a:schemeClr val="dk1">
+                      <a:alpha val="40000"/>
+                    </a:schemeClr>
+                  </a:outerShdw>
+                </a:effectLst>
+              </a:rPr>
+              <a:t>i</a:t>
+            </a:r>
+            <a:r>
+              <a:rPr lang="en-US" sz="2800" dirty="0">
+                <a:ln w="0"/>
+                <a:solidFill>
+                  <a:schemeClr val="tx1"/>
+                </a:solidFill>
+                <a:effectLst>
+                  <a:outerShdw blurRad="38100" dist="19050" dir="2700000" algn="tl" rotWithShape="0">
+                    <a:schemeClr val="dk1">
+                      <a:alpha val="40000"/>
+                    </a:schemeClr>
+                  </a:outerShdw>
+                </a:effectLst>
+              </a:rPr>
+              <a:t> + 1</a:t>
             </a:r>
           </a:p>
         </p:txBody>
@@ -41100,7 +42062,7 @@
         </p:nvSpPr>
         <p:spPr bwMode="auto">
           <a:xfrm>
-            <a:off x="1224332" y="3418670"/>
+            <a:off x="1224332" y="2979000"/>
             <a:ext cx="9743335" cy="2703625"/>
           </a:xfrm>
           <a:prstGeom prst="rect">
@@ -41294,7 +42256,7 @@
         </p:nvSpPr>
         <p:spPr>
           <a:xfrm>
-            <a:off x="1235640" y="6324264"/>
+            <a:off x="1235640" y="6289594"/>
             <a:ext cx="9743335" cy="399981"/>
           </a:xfrm>
           <a:prstGeom prst="rect">
@@ -41449,11 +42411,11 @@
   <p:clrMapOvr>
     <a:masterClrMapping/>
   </p:clrMapOvr>
-  <mc:AlternateContent xmlns:mc="http://schemas.openxmlformats.org/markup-compatibility/2006">
-    <mc:Choice xmlns:p14="http://schemas.microsoft.com/office/powerpoint/2010/main" Requires="p14">
+  <mc:AlternateContent xmlns:mc="http://schemas.openxmlformats.org/markup-compatibility/2006" xmlns:p14="http://schemas.microsoft.com/office/powerpoint/2010/main">
+    <mc:Choice Requires="p14">
       <p:transition p14:dur="10" advClick="0" advTm="5000"/>
     </mc:Choice>
-    <mc:Fallback>
+    <mc:Fallback xmlns="">
       <p:transition advClick="0" advTm="5000"/>
     </mc:Fallback>
   </mc:AlternateContent>

--- a/Courses/Software-Sciences/Module-1-OOP-New/04.1-Loops-Basics/04.1-Loops-Basics.pptx
+++ b/Courses/Software-Sciences/Module-1-OOP-New/04.1-Loops-Basics/04.1-Loops-Basics.pptx
@@ -335,7 +335,7 @@
           <a:p>
             <a:fld id="{4E087215-0C8F-4762-A664-737A353EC9A4}" type="datetimeFigureOut">
               <a:rPr lang="bg-BG" smtClean="0"/>
-              <a:t>9.2.2023 г.</a:t>
+              <a:t>12.02.23 г.</a:t>
             </a:fld>
             <a:endParaRPr lang="bg-BG"/>
           </a:p>
@@ -526,7 +526,7 @@
           <a:p>
             <a:fld id="{72D84649-876A-46C9-8472-14CB09C070D8}" type="datetimeFigureOut">
               <a:rPr lang="en-US" smtClean="0"/>
-              <a:t>9-Feb-23</a:t>
+              <a:t>2/12/23</a:t>
             </a:fld>
             <a:endParaRPr lang="en-US"/>
           </a:p>
@@ -9569,19 +9569,19 @@
           <a:lstStyle/>
           <a:p>
             <a:r>
-              <a:rPr lang="en-US"/>
+              <a:rPr lang="en-US" dirty="0"/>
               <a:t>For-</a:t>
             </a:r>
             <a:r>
-              <a:rPr lang="bg-BG"/>
+              <a:rPr lang="bg-BG" dirty="0"/>
               <a:t>цикъл, </a:t>
             </a:r>
             <a:r>
-              <a:rPr lang="en-US"/>
+              <a:rPr lang="en-US" dirty="0"/>
               <a:t>While-</a:t>
             </a:r>
             <a:r>
-              <a:rPr lang="bg-BG"/>
+              <a:rPr lang="bg-BG" dirty="0"/>
               <a:t>цикъл, вложени цикли</a:t>
             </a:r>
             <a:endParaRPr lang="en-US" dirty="0"/>
@@ -10476,7 +10476,7 @@
         </p:nvGrpSpPr>
         <p:grpSpPr>
           <a:xfrm>
-            <a:off x="4605299" y="551432"/>
+            <a:off x="4648347" y="137291"/>
             <a:ext cx="2376821" cy="731330"/>
             <a:chOff x="3690717" y="456205"/>
             <a:chExt cx="2377440" cy="731520"/>
@@ -10640,7 +10640,7 @@
         </p:nvCxnSpPr>
         <p:spPr>
           <a:xfrm rot="5400000">
-            <a:off x="5528429" y="1565103"/>
+            <a:off x="5571477" y="1150962"/>
             <a:ext cx="530563" cy="3423"/>
           </a:xfrm>
           <a:prstGeom prst="straightConnector1">
@@ -10679,7 +10679,7 @@
         </p:nvSpPr>
         <p:spPr>
           <a:xfrm>
-            <a:off x="6949186" y="3290853"/>
+            <a:off x="6992234" y="2876712"/>
             <a:ext cx="771784" cy="556519"/>
           </a:xfrm>
           <a:prstGeom prst="rect">
@@ -10746,7 +10746,7 @@
         </p:nvCxnSpPr>
         <p:spPr>
           <a:xfrm>
-            <a:off x="6968630" y="3916550"/>
+            <a:off x="7011678" y="3502409"/>
             <a:ext cx="732896" cy="19489"/>
           </a:xfrm>
           <a:prstGeom prst="straightConnector1">
@@ -10779,8 +10779,8 @@
         </p:nvGrpSpPr>
         <p:grpSpPr>
           <a:xfrm>
-            <a:off x="4605299" y="5300990"/>
-            <a:ext cx="2376821" cy="1005578"/>
+            <a:off x="4637654" y="4798042"/>
+            <a:ext cx="2376821" cy="567182"/>
             <a:chOff x="3429635" y="5232613"/>
             <a:chExt cx="2377440" cy="1005840"/>
           </a:xfrm>
@@ -10876,7 +10876,7 @@
           <p:spPr>
             <a:xfrm>
               <a:off x="3429635" y="5232613"/>
-              <a:ext cx="2377440" cy="1005840"/>
+              <a:ext cx="2377440" cy="601969"/>
             </a:xfrm>
             <a:prstGeom prst="rect">
               <a:avLst/>
@@ -10914,85 +10914,9 @@
                 <a:t>print i;</a:t>
               </a:r>
             </a:p>
-            <a:p>
-              <a:pPr algn="ctr" eaLnBrk="0" hangingPunct="0">
-                <a:lnSpc>
-                  <a:spcPct val="110000"/>
-                </a:lnSpc>
-                <a:buClr>
-                  <a:schemeClr val="accent5">
-                    <a:lumMod val="40000"/>
-                    <a:lumOff val="60000"/>
-                  </a:schemeClr>
-                </a:buClr>
-                <a:buSzPct val="70000"/>
-              </a:pPr>
-              <a:r>
-                <a:rPr lang="en-US" sz="2399" noProof="1">
-                  <a:solidFill>
-                    <a:schemeClr val="bg2"/>
-                  </a:solidFill>
-                  <a:latin typeface="Consolas" pitchFamily="49" charset="0"/>
-                </a:rPr>
-                <a:t>i</a:t>
-              </a:r>
-              <a:r>
-                <a:rPr lang="en-US" sz="2399" dirty="0">
-                  <a:solidFill>
-                    <a:schemeClr val="bg2"/>
-                  </a:solidFill>
-                  <a:latin typeface="Consolas" pitchFamily="49" charset="0"/>
-                </a:rPr>
-                <a:t>--;</a:t>
-              </a:r>
-            </a:p>
           </p:txBody>
         </p:sp>
       </p:grpSp>
-      <p:cxnSp>
-        <p:nvCxnSpPr>
-          <p:cNvPr id="36" name="Elbow Connector 37">
-            <a:extLst>
-              <a:ext uri="{FF2B5EF4-FFF2-40B4-BE49-F238E27FC236}">
-                <a16:creationId xmlns:a16="http://schemas.microsoft.com/office/drawing/2014/main" id="{25492B2E-6492-41E8-96A3-B4CC8B0CFBF2}"/>
-              </a:ext>
-            </a:extLst>
-          </p:cNvPr>
-          <p:cNvCxnSpPr>
-            <a:cxnSpLocks/>
-          </p:cNvCxnSpPr>
-          <p:nvPr/>
-        </p:nvCxnSpPr>
-        <p:spPr>
-          <a:xfrm rot="10800000" flipH="1">
-            <a:off x="4565844" y="3923403"/>
-            <a:ext cx="47445" cy="1880379"/>
-          </a:xfrm>
-          <a:prstGeom prst="bentConnector4">
-            <a:avLst>
-              <a:gd name="adj1" fmla="val -2756391"/>
-              <a:gd name="adj2" fmla="val 101181"/>
-            </a:avLst>
-          </a:prstGeom>
-          <a:ln w="57150">
-            <a:tailEnd type="triangle"/>
-          </a:ln>
-        </p:spPr>
-        <p:style>
-          <a:lnRef idx="1">
-            <a:schemeClr val="accent1"/>
-          </a:lnRef>
-          <a:fillRef idx="0">
-            <a:schemeClr val="accent1"/>
-          </a:fillRef>
-          <a:effectRef idx="0">
-            <a:schemeClr val="accent1"/>
-          </a:effectRef>
-          <a:fontRef idx="minor">
-            <a:schemeClr val="tx1"/>
-          </a:fontRef>
-        </p:style>
-      </p:cxnSp>
       <p:sp>
         <p:nvSpPr>
           <p:cNvPr id="37" name="TextBox 36">
@@ -11007,7 +10931,7 @@
         </p:nvSpPr>
         <p:spPr>
           <a:xfrm>
-            <a:off x="5841179" y="4600238"/>
+            <a:off x="5886875" y="4110967"/>
             <a:ext cx="729845" cy="539531"/>
           </a:xfrm>
           <a:prstGeom prst="rect">
@@ -11072,7 +10996,7 @@
         </p:nvSpPr>
         <p:spPr bwMode="auto">
           <a:xfrm>
-            <a:off x="7762952" y="3573141"/>
+            <a:off x="7806000" y="3159000"/>
             <a:ext cx="3157585" cy="706304"/>
           </a:xfrm>
           <a:prstGeom prst="flowChartTerminator">
@@ -11143,7 +11067,7 @@
         </p:nvGrpSpPr>
         <p:grpSpPr>
           <a:xfrm>
-            <a:off x="4605299" y="1858917"/>
+            <a:off x="4648347" y="1444776"/>
             <a:ext cx="2376821" cy="731330"/>
             <a:chOff x="3690717" y="1764030"/>
             <a:chExt cx="2377440" cy="731520"/>
@@ -11301,8 +11225,8 @@
         </p:nvGrpSpPr>
         <p:grpSpPr>
           <a:xfrm>
-            <a:off x="4680313" y="3212386"/>
-            <a:ext cx="2226795" cy="1427819"/>
+            <a:off x="4977286" y="2894244"/>
+            <a:ext cx="1726933" cy="1226631"/>
             <a:chOff x="3499050" y="3117850"/>
             <a:chExt cx="2227375" cy="1428191"/>
           </a:xfrm>
@@ -11451,7 +11375,7 @@
         </p:nvCxnSpPr>
         <p:spPr>
           <a:xfrm rot="5400000">
-            <a:off x="5528429" y="2898256"/>
+            <a:off x="5571477" y="2484115"/>
             <a:ext cx="530563" cy="3423"/>
           </a:xfrm>
           <a:prstGeom prst="straightConnector1">
@@ -11492,7 +11416,7 @@
         </p:nvCxnSpPr>
         <p:spPr>
           <a:xfrm rot="5400000">
-            <a:off x="5528429" y="4942424"/>
+            <a:off x="5574125" y="4453153"/>
             <a:ext cx="530563" cy="3423"/>
           </a:xfrm>
           <a:prstGeom prst="straightConnector1">
@@ -11647,6 +11571,409 @@
           </a:p>
         </p:txBody>
       </p:sp>
+      <p:grpSp>
+        <p:nvGrpSpPr>
+          <p:cNvPr id="6" name="Групиране 80">
+            <a:extLst>
+              <a:ext uri="{FF2B5EF4-FFF2-40B4-BE49-F238E27FC236}">
+                <a16:creationId xmlns:a16="http://schemas.microsoft.com/office/drawing/2014/main" id="{E9EE3782-CCEF-3899-618A-03DA767C967C}"/>
+              </a:ext>
+            </a:extLst>
+          </p:cNvPr>
+          <p:cNvGrpSpPr/>
+          <p:nvPr/>
+        </p:nvGrpSpPr>
+        <p:grpSpPr>
+          <a:xfrm>
+            <a:off x="4645282" y="6104445"/>
+            <a:ext cx="2376821" cy="573975"/>
+            <a:chOff x="3429635" y="5232612"/>
+            <a:chExt cx="2377440" cy="601969"/>
+          </a:xfrm>
+        </p:grpSpPr>
+        <p:sp>
+          <p:nvSpPr>
+            <p:cNvPr id="7" name="Rectangle 6">
+              <a:extLst>
+                <a:ext uri="{FF2B5EF4-FFF2-40B4-BE49-F238E27FC236}">
+                  <a16:creationId xmlns:a16="http://schemas.microsoft.com/office/drawing/2014/main" id="{D071045C-47F4-920C-3FF5-FED01A7DE11B}"/>
+                </a:ext>
+              </a:extLst>
+            </p:cNvPr>
+            <p:cNvSpPr/>
+            <p:nvPr/>
+          </p:nvSpPr>
+          <p:spPr bwMode="auto">
+            <a:xfrm>
+              <a:off x="3429635" y="5232613"/>
+              <a:ext cx="2377440" cy="599132"/>
+            </a:xfrm>
+            <a:prstGeom prst="rect">
+              <a:avLst/>
+            </a:prstGeom>
+            <a:solidFill>
+              <a:schemeClr val="dk2">
+                <a:alpha val="80000"/>
+              </a:schemeClr>
+            </a:solidFill>
+            <a:ln w="19050">
+              <a:solidFill>
+                <a:schemeClr val="tx1">
+                  <a:lumMod val="75000"/>
+                  <a:alpha val="80000"/>
+                </a:schemeClr>
+              </a:solidFill>
+            </a:ln>
+            <a:effectLst/>
+          </p:spPr>
+          <p:style>
+            <a:lnRef idx="2">
+              <a:schemeClr val="accent1">
+                <a:shade val="50000"/>
+              </a:schemeClr>
+            </a:lnRef>
+            <a:fillRef idx="1001">
+              <a:schemeClr val="dk2"/>
+            </a:fillRef>
+            <a:effectRef idx="0">
+              <a:schemeClr val="accent1"/>
+            </a:effectRef>
+            <a:fontRef idx="minor">
+              <a:schemeClr val="lt1"/>
+            </a:fontRef>
+          </p:style>
+          <p:txBody>
+            <a:bodyPr rot="0" spcFirstLastPara="0" vertOverflow="overflow" horzOverflow="overflow" vert="horz" wrap="square" lIns="91416" tIns="45708" rIns="91416" bIns="45708" numCol="1" spcCol="0" rtlCol="0" fromWordArt="0" anchor="ctr" anchorCtr="0" forceAA="0" compatLnSpc="1">
+              <a:prstTxWarp prst="textNoShape">
+                <a:avLst/>
+              </a:prstTxWarp>
+              <a:noAutofit/>
+            </a:bodyPr>
+            <a:lstStyle/>
+            <a:p>
+              <a:pPr algn="ctr"/>
+              <a:endParaRPr lang="bg-BG" sz="2799" b="1" dirty="0">
+                <a:solidFill>
+                  <a:srgbClr val="FFFFFF"/>
+                </a:solidFill>
+                <a:effectLst>
+                  <a:outerShdw blurRad="38100" dist="38100" dir="2700000" algn="tl">
+                    <a:srgbClr val="000000">
+                      <a:alpha val="43137"/>
+                    </a:srgbClr>
+                  </a:outerShdw>
+                </a:effectLst>
+              </a:endParaRPr>
+            </a:p>
+          </p:txBody>
+        </p:sp>
+        <p:sp>
+          <p:nvSpPr>
+            <p:cNvPr id="8" name="TextBox 7">
+              <a:extLst>
+                <a:ext uri="{FF2B5EF4-FFF2-40B4-BE49-F238E27FC236}">
+                  <a16:creationId xmlns:a16="http://schemas.microsoft.com/office/drawing/2014/main" id="{059CCA73-0ED4-1366-9934-EAFC05805D56}"/>
+                </a:ext>
+              </a:extLst>
+            </p:cNvPr>
+            <p:cNvSpPr txBox="1"/>
+            <p:nvPr/>
+          </p:nvSpPr>
+          <p:spPr>
+            <a:xfrm>
+              <a:off x="3429635" y="5232612"/>
+              <a:ext cx="2377440" cy="601969"/>
+            </a:xfrm>
+            <a:prstGeom prst="rect">
+              <a:avLst/>
+            </a:prstGeom>
+            <a:noFill/>
+            <a:ln w="12700">
+              <a:noFill/>
+            </a:ln>
+          </p:spPr>
+          <p:txBody>
+            <a:bodyPr vert="horz" wrap="square" lIns="143963" tIns="107972" rIns="143963" bIns="107972" rtlCol="0">
+              <a:spAutoFit/>
+            </a:bodyPr>
+            <a:lstStyle/>
+            <a:p>
+              <a:pPr algn="ctr" eaLnBrk="0" hangingPunct="0">
+                <a:lnSpc>
+                  <a:spcPct val="110000"/>
+                </a:lnSpc>
+                <a:buClr>
+                  <a:schemeClr val="accent5">
+                    <a:lumMod val="40000"/>
+                    <a:lumOff val="60000"/>
+                  </a:schemeClr>
+                </a:buClr>
+                <a:buSzPct val="70000"/>
+              </a:pPr>
+              <a:r>
+                <a:rPr lang="en-US" sz="2399" noProof="1">
+                  <a:solidFill>
+                    <a:schemeClr val="bg2"/>
+                  </a:solidFill>
+                  <a:latin typeface="Consolas" pitchFamily="49" charset="0"/>
+                </a:rPr>
+                <a:t>i</a:t>
+              </a:r>
+              <a:r>
+                <a:rPr lang="en-US" sz="2399" dirty="0">
+                  <a:solidFill>
+                    <a:schemeClr val="bg2"/>
+                  </a:solidFill>
+                  <a:latin typeface="Consolas" pitchFamily="49" charset="0"/>
+                </a:rPr>
+                <a:t>--;</a:t>
+              </a:r>
+            </a:p>
+          </p:txBody>
+        </p:sp>
+      </p:grpSp>
+      <p:cxnSp>
+        <p:nvCxnSpPr>
+          <p:cNvPr id="9" name="Straight Arrow Connector 27">
+            <a:extLst>
+              <a:ext uri="{FF2B5EF4-FFF2-40B4-BE49-F238E27FC236}">
+                <a16:creationId xmlns:a16="http://schemas.microsoft.com/office/drawing/2014/main" id="{4B99C9C8-0E3A-968C-E062-09E07C804C4F}"/>
+              </a:ext>
+            </a:extLst>
+          </p:cNvPr>
+          <p:cNvCxnSpPr>
+            <a:cxnSpLocks/>
+          </p:cNvCxnSpPr>
+          <p:nvPr/>
+        </p:nvCxnSpPr>
+        <p:spPr>
+          <a:xfrm rot="5400000">
+            <a:off x="5568054" y="5741933"/>
+            <a:ext cx="530563" cy="3423"/>
+          </a:xfrm>
+          <a:prstGeom prst="straightConnector1">
+            <a:avLst/>
+          </a:prstGeom>
+          <a:ln w="57150">
+            <a:tailEnd type="triangle"/>
+          </a:ln>
+        </p:spPr>
+        <p:style>
+          <a:lnRef idx="1">
+            <a:schemeClr val="accent1"/>
+          </a:lnRef>
+          <a:fillRef idx="0">
+            <a:schemeClr val="accent1"/>
+          </a:fillRef>
+          <a:effectRef idx="0">
+            <a:schemeClr val="accent1"/>
+          </a:effectRef>
+          <a:fontRef idx="minor">
+            <a:schemeClr val="tx1"/>
+          </a:fontRef>
+        </p:style>
+      </p:cxnSp>
+      <p:grpSp>
+        <p:nvGrpSpPr>
+          <p:cNvPr id="12" name="Group 11">
+            <a:extLst>
+              <a:ext uri="{FF2B5EF4-FFF2-40B4-BE49-F238E27FC236}">
+                <a16:creationId xmlns:a16="http://schemas.microsoft.com/office/drawing/2014/main" id="{1C5401E1-26CA-9A14-5045-C2CC8913F243}"/>
+              </a:ext>
+            </a:extLst>
+          </p:cNvPr>
+          <p:cNvGrpSpPr/>
+          <p:nvPr/>
+        </p:nvGrpSpPr>
+        <p:grpSpPr>
+          <a:xfrm>
+            <a:off x="4005258" y="3502410"/>
+            <a:ext cx="719576" cy="2904588"/>
+            <a:chOff x="7696464" y="1757842"/>
+            <a:chExt cx="601683" cy="3833196"/>
+          </a:xfrm>
+          <a:solidFill>
+            <a:schemeClr val="accent1"/>
+          </a:solidFill>
+        </p:grpSpPr>
+        <p:sp>
+          <p:nvSpPr>
+            <p:cNvPr id="13" name="Rectangle 12">
+              <a:extLst>
+                <a:ext uri="{FF2B5EF4-FFF2-40B4-BE49-F238E27FC236}">
+                  <a16:creationId xmlns:a16="http://schemas.microsoft.com/office/drawing/2014/main" id="{FFB1D8C9-F778-27B4-2E98-93DCA4DE4ABB}"/>
+                </a:ext>
+              </a:extLst>
+            </p:cNvPr>
+            <p:cNvSpPr/>
+            <p:nvPr/>
+          </p:nvSpPr>
+          <p:spPr bwMode="auto">
+            <a:xfrm>
+              <a:off x="7696464" y="1757842"/>
+              <a:ext cx="45719" cy="3751674"/>
+            </a:xfrm>
+            <a:prstGeom prst="rect">
+              <a:avLst/>
+            </a:prstGeom>
+            <a:grpFill/>
+            <a:ln w="19050">
+              <a:noFill/>
+            </a:ln>
+            <a:effectLst/>
+          </p:spPr>
+          <p:style>
+            <a:lnRef idx="2">
+              <a:schemeClr val="accent1">
+                <a:shade val="50000"/>
+              </a:schemeClr>
+            </a:lnRef>
+            <a:fillRef idx="1001">
+              <a:schemeClr val="dk2"/>
+            </a:fillRef>
+            <a:effectRef idx="0">
+              <a:schemeClr val="accent1"/>
+            </a:effectRef>
+            <a:fontRef idx="minor">
+              <a:schemeClr val="lt1"/>
+            </a:fontRef>
+          </p:style>
+          <p:txBody>
+            <a:bodyPr rot="0" spcFirstLastPara="0" vertOverflow="overflow" horzOverflow="overflow" vert="horz" wrap="square" lIns="91440" tIns="45720" rIns="91440" bIns="45720" numCol="1" spcCol="0" rtlCol="0" fromWordArt="0" anchor="ctr" anchorCtr="0" forceAA="0" compatLnSpc="1">
+              <a:prstTxWarp prst="textNoShape">
+                <a:avLst/>
+              </a:prstTxWarp>
+              <a:noAutofit/>
+            </a:bodyPr>
+            <a:lstStyle/>
+            <a:p>
+              <a:pPr algn="ctr"/>
+              <a:endParaRPr lang="en-BG" sz="2800" b="1" dirty="0">
+                <a:solidFill>
+                  <a:srgbClr val="FFFFFF"/>
+                </a:solidFill>
+                <a:effectLst>
+                  <a:outerShdw blurRad="38100" dist="38100" dir="2700000" algn="tl">
+                    <a:srgbClr val="000000">
+                      <a:alpha val="43137"/>
+                    </a:srgbClr>
+                  </a:outerShdw>
+                </a:effectLst>
+              </a:endParaRPr>
+            </a:p>
+          </p:txBody>
+        </p:sp>
+        <p:cxnSp>
+          <p:nvCxnSpPr>
+            <p:cNvPr id="14" name="Straight Arrow Connector 13">
+              <a:extLst>
+                <a:ext uri="{FF2B5EF4-FFF2-40B4-BE49-F238E27FC236}">
+                  <a16:creationId xmlns:a16="http://schemas.microsoft.com/office/drawing/2014/main" id="{88426F6E-3F6B-5CAB-BFD4-BFD5485A37B0}"/>
+                </a:ext>
+              </a:extLst>
+            </p:cNvPr>
+            <p:cNvCxnSpPr>
+              <a:cxnSpLocks/>
+              <a:stCxn id="13" idx="0"/>
+            </p:cNvCxnSpPr>
+            <p:nvPr/>
+          </p:nvCxnSpPr>
+          <p:spPr>
+            <a:xfrm>
+              <a:off x="7719324" y="1757842"/>
+              <a:ext cx="578823" cy="0"/>
+            </a:xfrm>
+            <a:prstGeom prst="straightConnector1">
+              <a:avLst/>
+            </a:prstGeom>
+            <a:grpFill/>
+            <a:ln w="50800">
+              <a:tailEnd type="triangle"/>
+            </a:ln>
+          </p:spPr>
+          <p:style>
+            <a:lnRef idx="1">
+              <a:schemeClr val="accent1"/>
+            </a:lnRef>
+            <a:fillRef idx="0">
+              <a:schemeClr val="accent1"/>
+            </a:fillRef>
+            <a:effectRef idx="0">
+              <a:schemeClr val="accent1"/>
+            </a:effectRef>
+            <a:fontRef idx="minor">
+              <a:schemeClr val="tx1"/>
+            </a:fontRef>
+          </p:style>
+        </p:cxnSp>
+        <p:sp>
+          <p:nvSpPr>
+            <p:cNvPr id="15" name="Rectangle 14">
+              <a:extLst>
+                <a:ext uri="{FF2B5EF4-FFF2-40B4-BE49-F238E27FC236}">
+                  <a16:creationId xmlns:a16="http://schemas.microsoft.com/office/drawing/2014/main" id="{A701D765-BDB9-A80C-998C-6E639CD938F6}"/>
+                </a:ext>
+              </a:extLst>
+            </p:cNvPr>
+            <p:cNvSpPr/>
+            <p:nvPr/>
+          </p:nvSpPr>
+          <p:spPr bwMode="auto">
+            <a:xfrm>
+              <a:off x="7696464" y="5522015"/>
+              <a:ext cx="418860" cy="69023"/>
+            </a:xfrm>
+            <a:prstGeom prst="rect">
+              <a:avLst/>
+            </a:prstGeom>
+            <a:grpFill/>
+            <a:ln w="19050">
+              <a:noFill/>
+            </a:ln>
+            <a:effectLst/>
+          </p:spPr>
+          <p:style>
+            <a:lnRef idx="2">
+              <a:schemeClr val="accent1">
+                <a:shade val="50000"/>
+              </a:schemeClr>
+            </a:lnRef>
+            <a:fillRef idx="1001">
+              <a:schemeClr val="dk2"/>
+            </a:fillRef>
+            <a:effectRef idx="0">
+              <a:schemeClr val="accent1"/>
+            </a:effectRef>
+            <a:fontRef idx="minor">
+              <a:schemeClr val="lt1"/>
+            </a:fontRef>
+          </p:style>
+          <p:txBody>
+            <a:bodyPr rot="0" spcFirstLastPara="0" vertOverflow="overflow" horzOverflow="overflow" vert="horz" wrap="square" lIns="91440" tIns="45720" rIns="91440" bIns="45720" numCol="1" spcCol="0" rtlCol="0" fromWordArt="0" anchor="ctr" anchorCtr="0" forceAA="0" compatLnSpc="1">
+              <a:prstTxWarp prst="textNoShape">
+                <a:avLst/>
+              </a:prstTxWarp>
+              <a:noAutofit/>
+            </a:bodyPr>
+            <a:lstStyle/>
+            <a:p>
+              <a:pPr algn="ctr"/>
+              <a:endParaRPr lang="en-BG" sz="2800" b="1" dirty="0">
+                <a:solidFill>
+                  <a:srgbClr val="FFFFFF"/>
+                </a:solidFill>
+                <a:effectLst>
+                  <a:outerShdw blurRad="38100" dist="38100" dir="2700000" algn="tl">
+                    <a:srgbClr val="000000">
+                      <a:alpha val="43137"/>
+                    </a:srgbClr>
+                  </a:outerShdw>
+                </a:effectLst>
+              </a:endParaRPr>
+            </a:p>
+          </p:txBody>
+        </p:sp>
+      </p:grpSp>
     </p:spTree>
     <p:extLst>
       <p:ext uri="{BB962C8B-B14F-4D97-AF65-F5344CB8AC3E}">
@@ -11958,21 +12285,93 @@
                                   </p:childTnLst>
                                 </p:cTn>
                               </p:par>
+                            </p:childTnLst>
+                          </p:cTn>
+                        </p:par>
+                      </p:childTnLst>
+                    </p:cTn>
+                  </p:par>
+                  <p:par>
+                    <p:cTn id="27" fill="hold">
+                      <p:stCondLst>
+                        <p:cond delay="indefinite"/>
+                      </p:stCondLst>
+                      <p:childTnLst>
+                        <p:par>
+                          <p:cTn id="28" fill="hold">
+                            <p:stCondLst>
+                              <p:cond delay="0"/>
+                            </p:stCondLst>
+                            <p:childTnLst>
                               <p:par>
-                                <p:cTn id="27" presetID="1" presetClass="entr" presetSubtype="0" fill="hold" nodeType="withEffect">
+                                <p:cTn id="29" presetID="1" presetClass="entr" presetSubtype="0" fill="hold" grpId="0" nodeType="clickEffect">
                                   <p:stCondLst>
                                     <p:cond delay="0"/>
                                   </p:stCondLst>
                                   <p:childTnLst>
                                     <p:set>
                                       <p:cBhvr>
-                                        <p:cTn id="28" dur="1" fill="hold">
+                                        <p:cTn id="30" dur="1" fill="hold">
                                           <p:stCondLst>
                                             <p:cond delay="0"/>
                                           </p:stCondLst>
                                         </p:cTn>
                                         <p:tgtEl>
-                                          <p:spTgt spid="36"/>
+                                          <p:spTgt spid="30"/>
+                                        </p:tgtEl>
+                                        <p:attrNameLst>
+                                          <p:attrName>style.visibility</p:attrName>
+                                        </p:attrNameLst>
+                                      </p:cBhvr>
+                                      <p:to>
+                                        <p:strVal val="visible"/>
+                                      </p:to>
+                                    </p:set>
+                                  </p:childTnLst>
+                                </p:cTn>
+                              </p:par>
+                              <p:par>
+                                <p:cTn id="31" presetID="1" presetClass="entr" presetSubtype="0" fill="hold" nodeType="withEffect">
+                                  <p:stCondLst>
+                                    <p:cond delay="0"/>
+                                  </p:stCondLst>
+                                  <p:childTnLst>
+                                    <p:set>
+                                      <p:cBhvr>
+                                        <p:cTn id="32" dur="1" fill="hold">
+                                          <p:stCondLst>
+                                            <p:cond delay="0"/>
+                                          </p:stCondLst>
+                                        </p:cTn>
+                                        <p:tgtEl>
+                                          <p:spTgt spid="31"/>
+                                        </p:tgtEl>
+                                        <p:attrNameLst>
+                                          <p:attrName>style.visibility</p:attrName>
+                                        </p:attrNameLst>
+                                      </p:cBhvr>
+                                      <p:to>
+                                        <p:strVal val="visible"/>
+                                      </p:to>
+                                    </p:set>
+                                  </p:childTnLst>
+                                </p:cTn>
+                              </p:par>
+                              <p:par>
+                                <p:cTn id="33" presetID="1" presetClass="entr" presetSubtype="0" fill="hold" grpId="0" nodeType="withEffect">
+                                  <p:stCondLst>
+                                    <p:cond delay="0"/>
+                                  </p:stCondLst>
+                                  <p:childTnLst>
+                                    <p:set>
+                                      <p:cBhvr>
+                                        <p:cTn id="34" dur="1" fill="hold">
+                                          <p:stCondLst>
+                                            <p:cond delay="0"/>
+                                          </p:stCondLst>
+                                        </p:cTn>
+                                        <p:tgtEl>
+                                          <p:spTgt spid="38"/>
                                         </p:tgtEl>
                                         <p:attrNameLst>
                                           <p:attrName>style.visibility</p:attrName>
@@ -11992,32 +12391,32 @@
                     </p:cTn>
                   </p:par>
                   <p:par>
-                    <p:cTn id="29" fill="hold">
+                    <p:cTn id="35" fill="hold">
                       <p:stCondLst>
                         <p:cond delay="indefinite"/>
                       </p:stCondLst>
                       <p:childTnLst>
                         <p:par>
-                          <p:cTn id="30" fill="hold">
+                          <p:cTn id="36" fill="hold">
                             <p:stCondLst>
                               <p:cond delay="0"/>
                             </p:stCondLst>
                             <p:childTnLst>
                               <p:par>
-                                <p:cTn id="31" presetID="1" presetClass="entr" presetSubtype="0" fill="hold" grpId="0" nodeType="clickEffect">
+                                <p:cTn id="37" presetID="1" presetClass="entr" presetSubtype="0" fill="hold" nodeType="clickEffect">
                                   <p:stCondLst>
                                     <p:cond delay="0"/>
                                   </p:stCondLst>
                                   <p:childTnLst>
                                     <p:set>
                                       <p:cBhvr>
-                                        <p:cTn id="32" dur="1" fill="hold">
+                                        <p:cTn id="38" dur="1" fill="hold">
                                           <p:stCondLst>
                                             <p:cond delay="0"/>
                                           </p:stCondLst>
                                         </p:cTn>
                                         <p:tgtEl>
-                                          <p:spTgt spid="30"/>
+                                          <p:spTgt spid="6"/>
                                         </p:tgtEl>
                                         <p:attrNameLst>
                                           <p:attrName>style.visibility</p:attrName>
@@ -12031,47 +12430,20 @@
                                 </p:cTn>
                               </p:par>
                               <p:par>
-                                <p:cTn id="33" presetID="1" presetClass="entr" presetSubtype="0" fill="hold" nodeType="withEffect">
+                                <p:cTn id="39" presetID="1" presetClass="entr" presetSubtype="0" fill="hold" nodeType="withEffect">
                                   <p:stCondLst>
                                     <p:cond delay="0"/>
                                   </p:stCondLst>
                                   <p:childTnLst>
                                     <p:set>
                                       <p:cBhvr>
-                                        <p:cTn id="34" dur="1" fill="hold">
+                                        <p:cTn id="40" dur="1" fill="hold">
                                           <p:stCondLst>
                                             <p:cond delay="0"/>
                                           </p:stCondLst>
                                         </p:cTn>
                                         <p:tgtEl>
-                                          <p:spTgt spid="31"/>
-                                        </p:tgtEl>
-                                        <p:attrNameLst>
-                                          <p:attrName>style.visibility</p:attrName>
-                                        </p:attrNameLst>
-                                      </p:cBhvr>
-                                      <p:to>
-                                        <p:strVal val="visible"/>
-                                      </p:to>
-                                    </p:set>
-                                  </p:childTnLst>
-                                </p:cTn>
-                              </p:par>
-                              <p:par>
-                                <p:cTn id="35" presetID="1" presetClass="entr" presetSubtype="0" fill="hold" grpId="0" nodeType="withEffect">
-                                  <p:stCondLst>
-                                    <p:cond delay="0"/>
-                                  </p:stCondLst>
-                                  <p:childTnLst>
-                                    <p:set>
-                                      <p:cBhvr>
-                                        <p:cTn id="36" dur="1" fill="hold">
-                                          <p:stCondLst>
-                                            <p:cond delay="0"/>
-                                          </p:stCondLst>
-                                        </p:cTn>
-                                        <p:tgtEl>
-                                          <p:spTgt spid="38"/>
+                                          <p:spTgt spid="9"/>
                                         </p:tgtEl>
                                         <p:attrNameLst>
                                           <p:attrName>style.visibility</p:attrName>
@@ -19980,7 +20352,7 @@
         </p:nvSpPr>
         <p:spPr>
           <a:xfrm>
-            <a:off x="8921185" y="5331231"/>
+            <a:off x="8920321" y="5403240"/>
             <a:ext cx="1086105" cy="369236"/>
           </a:xfrm>
           <a:prstGeom prst="rect">
@@ -20838,8 +21210,8 @@
         </p:nvSpPr>
         <p:spPr bwMode="auto">
           <a:xfrm>
-            <a:off x="606000" y="1932436"/>
-            <a:ext cx="6252586" cy="2909323"/>
+            <a:off x="876000" y="1944000"/>
+            <a:ext cx="6332560" cy="3383170"/>
           </a:xfrm>
           <a:prstGeom prst="rect">
             <a:avLst/>
@@ -20970,7 +21342,7 @@
                 <a:latin typeface="Consolas" pitchFamily="49" charset="0"/>
                 <a:cs typeface="Consolas" pitchFamily="49" charset="0"/>
               </a:rPr>
-              <a:t>Console.WriteLine(count);</a:t>
+              <a:t>Console.WriteLine("count = " + count);</a:t>
             </a:r>
           </a:p>
           <a:p>
@@ -21036,7 +21408,7 @@
         </p:nvSpPr>
         <p:spPr bwMode="auto">
           <a:xfrm>
-            <a:off x="5060212" y="1534082"/>
+            <a:off x="5420212" y="1545646"/>
             <a:ext cx="3867651" cy="1093327"/>
           </a:xfrm>
           <a:prstGeom prst="wedgeRoundRectCallout">
@@ -21110,7 +21482,7 @@
         </p:nvSpPr>
         <p:spPr bwMode="auto">
           <a:xfrm>
-            <a:off x="6994038" y="3909413"/>
+            <a:off x="7788149" y="3732540"/>
             <a:ext cx="428262" cy="376871"/>
           </a:xfrm>
           <a:prstGeom prst="rightArrow">
@@ -21184,86 +21556,43 @@
           </a:p>
         </p:txBody>
       </p:sp>
-      <p:sp>
-        <p:nvSpPr>
-          <p:cNvPr id="2" name="Rectangle: Rounded Corners 1">
+      <p:pic>
+        <p:nvPicPr>
+          <p:cNvPr id="3" name="Picture 2">
             <a:extLst>
               <a:ext uri="{FF2B5EF4-FFF2-40B4-BE49-F238E27FC236}">
-                <a16:creationId xmlns:a16="http://schemas.microsoft.com/office/drawing/2014/main" id="{B6C1F109-30CA-EED1-A291-A5F38017690E}"/>
+                <a16:creationId xmlns:a16="http://schemas.microsoft.com/office/drawing/2014/main" id="{C62FBF35-A7DB-E6C0-031F-D289898DE579}"/>
               </a:ext>
             </a:extLst>
           </p:cNvPr>
-          <p:cNvSpPr/>
+          <p:cNvPicPr>
+            <a:picLocks noChangeAspect="1"/>
+          </p:cNvPicPr>
           <p:nvPr/>
-        </p:nvSpPr>
-        <p:spPr bwMode="auto">
+        </p:nvPicPr>
+        <p:blipFill>
+          <a:blip r:embed="rId2"/>
+          <a:stretch>
+            <a:fillRect/>
+          </a:stretch>
+        </p:blipFill>
+        <p:spPr>
           <a:xfrm>
-            <a:off x="7567778" y="2824687"/>
-            <a:ext cx="4250888" cy="2546321"/>
+            <a:off x="8796000" y="2863576"/>
+            <a:ext cx="2488000" cy="2114800"/>
           </a:xfrm>
-          <a:prstGeom prst="roundRect">
+          <a:prstGeom prst="rect">
             <a:avLst/>
           </a:prstGeom>
-          <a:solidFill>
-            <a:srgbClr val="FFFF00">
-              <a:alpha val="80000"/>
-            </a:srgbClr>
-          </a:solidFill>
-          <a:ln w="19050">
+          <a:ln>
             <a:solidFill>
-              <a:schemeClr val="tx1">
-                <a:lumMod val="75000"/>
-                <a:alpha val="80000"/>
+              <a:schemeClr val="bg2">
+                <a:lumMod val="50000"/>
               </a:schemeClr>
             </a:solidFill>
           </a:ln>
-          <a:effectLst/>
         </p:spPr>
-        <p:style>
-          <a:lnRef idx="2">
-            <a:schemeClr val="accent1">
-              <a:shade val="50000"/>
-            </a:schemeClr>
-          </a:lnRef>
-          <a:fillRef idx="1001">
-            <a:schemeClr val="dk2"/>
-          </a:fillRef>
-          <a:effectRef idx="0">
-            <a:schemeClr val="accent1"/>
-          </a:effectRef>
-          <a:fontRef idx="minor">
-            <a:schemeClr val="lt1"/>
-          </a:fontRef>
-        </p:style>
-        <p:txBody>
-          <a:bodyPr rot="0" spcFirstLastPara="0" vertOverflow="overflow" horzOverflow="overflow" vert="horz" wrap="square" lIns="91440" tIns="45720" rIns="91440" bIns="45720" numCol="1" spcCol="0" rtlCol="0" fromWordArt="0" anchor="ctr" anchorCtr="0" forceAA="0" compatLnSpc="1">
-            <a:prstTxWarp prst="textNoShape">
-              <a:avLst/>
-            </a:prstTxWarp>
-            <a:noAutofit/>
-          </a:bodyPr>
-          <a:lstStyle/>
-          <a:p>
-            <a:pPr algn="ctr"/>
-            <a:r>
-              <a:rPr lang="en-US" sz="5400" dirty="0">
-                <a:ln w="0"/>
-                <a:solidFill>
-                  <a:schemeClr val="tx1"/>
-                </a:solidFill>
-                <a:effectLst>
-                  <a:outerShdw blurRad="38100" dist="19050" dir="2700000" algn="tl" rotWithShape="0">
-                    <a:schemeClr val="dk1">
-                      <a:alpha val="40000"/>
-                    </a:schemeClr>
-                  </a:outerShdw>
-                </a:effectLst>
-              </a:rPr>
-              <a:t>TODO: screenshot</a:t>
-            </a:r>
-          </a:p>
-        </p:txBody>
-      </p:sp>
+      </p:pic>
     </p:spTree>
     <p:extLst>
       <p:ext uri="{BB962C8B-B14F-4D97-AF65-F5344CB8AC3E}">
@@ -39174,12 +39503,921 @@
           </a:p>
         </p:txBody>
       </p:sp>
+      <p:sp>
+        <p:nvSpPr>
+          <p:cNvPr id="26" name="Slide Number">
+            <a:extLst>
+              <a:ext uri="{FF2B5EF4-FFF2-40B4-BE49-F238E27FC236}">
+                <a16:creationId xmlns:a16="http://schemas.microsoft.com/office/drawing/2014/main" id="{49D132EE-557C-4353-935F-67420A5D8DEE}"/>
+              </a:ext>
+            </a:extLst>
+          </p:cNvPr>
+          <p:cNvSpPr txBox="1">
+            <a:spLocks/>
+          </p:cNvSpPr>
+          <p:nvPr/>
+        </p:nvSpPr>
+        <p:spPr>
+          <a:xfrm>
+            <a:off x="11753030" y="6507000"/>
+            <a:ext cx="367414" cy="297000"/>
+          </a:xfrm>
+          <a:prstGeom prst="rect">
+            <a:avLst/>
+          </a:prstGeom>
+        </p:spPr>
+        <p:txBody>
+          <a:bodyPr vert="horz" lIns="91440" tIns="45720" rIns="91440" bIns="45720" rtlCol="0" anchor="b"/>
+          <a:lstStyle>
+            <a:defPPr>
+              <a:defRPr lang="en-US"/>
+            </a:defPPr>
+            <a:lvl1pPr marL="0" algn="r" defTabSz="914400" rtl="0" eaLnBrk="1" latinLnBrk="0" hangingPunct="1">
+              <a:defRPr sz="1000" kern="1200">
+                <a:solidFill>
+                  <a:schemeClr val="tx1"/>
+                </a:solidFill>
+                <a:latin typeface="+mn-lt"/>
+                <a:ea typeface="+mn-ea"/>
+                <a:cs typeface="+mn-cs"/>
+              </a:defRPr>
+            </a:lvl1pPr>
+            <a:lvl2pPr marL="457200" algn="l" defTabSz="914400" rtl="0" eaLnBrk="1" latinLnBrk="0" hangingPunct="1">
+              <a:defRPr sz="1800" kern="1200">
+                <a:solidFill>
+                  <a:schemeClr val="tx1"/>
+                </a:solidFill>
+                <a:latin typeface="+mn-lt"/>
+                <a:ea typeface="+mn-ea"/>
+                <a:cs typeface="+mn-cs"/>
+              </a:defRPr>
+            </a:lvl2pPr>
+            <a:lvl3pPr marL="914400" algn="l" defTabSz="914400" rtl="0" eaLnBrk="1" latinLnBrk="0" hangingPunct="1">
+              <a:defRPr sz="1800" kern="1200">
+                <a:solidFill>
+                  <a:schemeClr val="tx1"/>
+                </a:solidFill>
+                <a:latin typeface="+mn-lt"/>
+                <a:ea typeface="+mn-ea"/>
+                <a:cs typeface="+mn-cs"/>
+              </a:defRPr>
+            </a:lvl3pPr>
+            <a:lvl4pPr marL="1371600" algn="l" defTabSz="914400" rtl="0" eaLnBrk="1" latinLnBrk="0" hangingPunct="1">
+              <a:defRPr sz="1800" kern="1200">
+                <a:solidFill>
+                  <a:schemeClr val="tx1"/>
+                </a:solidFill>
+                <a:latin typeface="+mn-lt"/>
+                <a:ea typeface="+mn-ea"/>
+                <a:cs typeface="+mn-cs"/>
+              </a:defRPr>
+            </a:lvl4pPr>
+            <a:lvl5pPr marL="1828800" algn="l" defTabSz="914400" rtl="0" eaLnBrk="1" latinLnBrk="0" hangingPunct="1">
+              <a:defRPr sz="1800" kern="1200">
+                <a:solidFill>
+                  <a:schemeClr val="tx1"/>
+                </a:solidFill>
+                <a:latin typeface="+mn-lt"/>
+                <a:ea typeface="+mn-ea"/>
+                <a:cs typeface="+mn-cs"/>
+              </a:defRPr>
+            </a:lvl5pPr>
+            <a:lvl6pPr marL="2286000" algn="l" defTabSz="914400" rtl="0" eaLnBrk="1" latinLnBrk="0" hangingPunct="1">
+              <a:defRPr sz="1800" kern="1200">
+                <a:solidFill>
+                  <a:schemeClr val="tx1"/>
+                </a:solidFill>
+                <a:latin typeface="+mn-lt"/>
+                <a:ea typeface="+mn-ea"/>
+                <a:cs typeface="+mn-cs"/>
+              </a:defRPr>
+            </a:lvl6pPr>
+            <a:lvl7pPr marL="2743200" algn="l" defTabSz="914400" rtl="0" eaLnBrk="1" latinLnBrk="0" hangingPunct="1">
+              <a:defRPr sz="1800" kern="1200">
+                <a:solidFill>
+                  <a:schemeClr val="tx1"/>
+                </a:solidFill>
+                <a:latin typeface="+mn-lt"/>
+                <a:ea typeface="+mn-ea"/>
+                <a:cs typeface="+mn-cs"/>
+              </a:defRPr>
+            </a:lvl7pPr>
+            <a:lvl8pPr marL="3200400" algn="l" defTabSz="914400" rtl="0" eaLnBrk="1" latinLnBrk="0" hangingPunct="1">
+              <a:defRPr sz="1800" kern="1200">
+                <a:solidFill>
+                  <a:schemeClr val="tx1"/>
+                </a:solidFill>
+                <a:latin typeface="+mn-lt"/>
+                <a:ea typeface="+mn-ea"/>
+                <a:cs typeface="+mn-cs"/>
+              </a:defRPr>
+            </a:lvl8pPr>
+            <a:lvl9pPr marL="3657600" algn="l" defTabSz="914400" rtl="0" eaLnBrk="1" latinLnBrk="0" hangingPunct="1">
+              <a:defRPr sz="1800" kern="1200">
+                <a:solidFill>
+                  <a:schemeClr val="tx1"/>
+                </a:solidFill>
+                <a:latin typeface="+mn-lt"/>
+                <a:ea typeface="+mn-ea"/>
+                <a:cs typeface="+mn-cs"/>
+              </a:defRPr>
+            </a:lvl9pPr>
+          </a:lstStyle>
+          <a:p>
+            <a:fld id="{2BF067CD-8E6B-4360-9AA8-C5DF2A48A6D1}" type="slidenum">
+              <a:rPr lang="en-US" smtClean="0"/>
+              <a:pPr/>
+              <a:t>5</a:t>
+            </a:fld>
+            <a:endParaRPr lang="en-US" dirty="0"/>
+          </a:p>
+        </p:txBody>
+      </p:sp>
+      <p:sp>
+        <p:nvSpPr>
+          <p:cNvPr id="25" name="Text Placeholder 1">
+            <a:extLst>
+              <a:ext uri="{FF2B5EF4-FFF2-40B4-BE49-F238E27FC236}">
+                <a16:creationId xmlns:a16="http://schemas.microsoft.com/office/drawing/2014/main" id="{9110992C-5185-43F2-89F9-090B4CD629EA}"/>
+              </a:ext>
+            </a:extLst>
+          </p:cNvPr>
+          <p:cNvSpPr txBox="1">
+            <a:spLocks/>
+          </p:cNvSpPr>
+          <p:nvPr/>
+        </p:nvSpPr>
+        <p:spPr>
+          <a:xfrm>
+            <a:off x="190451" y="1196708"/>
+            <a:ext cx="6232836" cy="3132058"/>
+          </a:xfrm>
+          <a:prstGeom prst="rect">
+            <a:avLst/>
+          </a:prstGeom>
+        </p:spPr>
+        <p:txBody>
+          <a:bodyPr vert="horz" lIns="107972" tIns="35991" rIns="107972" bIns="35991" rtlCol="0">
+            <a:noAutofit/>
+          </a:bodyPr>
+          <a:lstStyle>
+            <a:lvl1pPr marL="360363" indent="-360363" algn="l" defTabSz="1218438" rtl="0" eaLnBrk="1" latinLnBrk="0" hangingPunct="1">
+              <a:lnSpc>
+                <a:spcPct val="105000"/>
+              </a:lnSpc>
+              <a:spcBef>
+                <a:spcPts val="600"/>
+              </a:spcBef>
+              <a:spcAft>
+                <a:spcPts val="600"/>
+              </a:spcAft>
+              <a:buFont typeface="Wingdings" panose="05000000000000000000" pitchFamily="2" charset="2"/>
+              <a:buChar char="§"/>
+              <a:defRPr sz="3398" kern="1200">
+                <a:solidFill>
+                  <a:schemeClr val="tx1"/>
+                </a:solidFill>
+                <a:latin typeface="+mn-lt"/>
+                <a:ea typeface="+mn-ea"/>
+                <a:cs typeface="+mn-cs"/>
+              </a:defRPr>
+            </a:lvl1pPr>
+            <a:lvl2pPr marL="803275" indent="-360363" algn="l" defTabSz="1218438" rtl="0" eaLnBrk="1" latinLnBrk="0" hangingPunct="1">
+              <a:lnSpc>
+                <a:spcPct val="105000"/>
+              </a:lnSpc>
+              <a:spcBef>
+                <a:spcPts val="600"/>
+              </a:spcBef>
+              <a:spcAft>
+                <a:spcPts val="600"/>
+              </a:spcAft>
+              <a:buFont typeface="Wingdings" panose="05000000000000000000" pitchFamily="2" charset="2"/>
+              <a:buChar char="§"/>
+              <a:defRPr sz="3198" kern="1200">
+                <a:solidFill>
+                  <a:schemeClr val="tx1"/>
+                </a:solidFill>
+                <a:latin typeface="+mn-lt"/>
+                <a:ea typeface="+mn-ea"/>
+                <a:cs typeface="+mn-cs"/>
+              </a:defRPr>
+            </a:lvl2pPr>
+            <a:lvl3pPr marL="1255713" indent="-360363" algn="l" defTabSz="1218438" rtl="0" eaLnBrk="1" latinLnBrk="0" hangingPunct="1">
+              <a:lnSpc>
+                <a:spcPct val="105000"/>
+              </a:lnSpc>
+              <a:spcBef>
+                <a:spcPts val="600"/>
+              </a:spcBef>
+              <a:spcAft>
+                <a:spcPts val="600"/>
+              </a:spcAft>
+              <a:buFont typeface="Wingdings" panose="05000000000000000000" pitchFamily="2" charset="2"/>
+              <a:buChar char="§"/>
+              <a:defRPr sz="2998" kern="1200">
+                <a:solidFill>
+                  <a:schemeClr val="tx1"/>
+                </a:solidFill>
+                <a:latin typeface="+mn-lt"/>
+                <a:ea typeface="+mn-ea"/>
+                <a:cs typeface="+mn-cs"/>
+              </a:defRPr>
+            </a:lvl3pPr>
+            <a:lvl4pPr marL="1700213" indent="-352425" algn="l" defTabSz="1218438" rtl="0" eaLnBrk="1" latinLnBrk="0" hangingPunct="1">
+              <a:lnSpc>
+                <a:spcPct val="105000"/>
+              </a:lnSpc>
+              <a:spcBef>
+                <a:spcPts val="600"/>
+              </a:spcBef>
+              <a:spcAft>
+                <a:spcPts val="600"/>
+              </a:spcAft>
+              <a:buFont typeface="Wingdings" panose="05000000000000000000" pitchFamily="2" charset="2"/>
+              <a:buChar char="§"/>
+              <a:defRPr sz="2798" kern="1200">
+                <a:solidFill>
+                  <a:schemeClr val="tx1"/>
+                </a:solidFill>
+                <a:latin typeface="+mn-lt"/>
+                <a:ea typeface="+mn-ea"/>
+                <a:cs typeface="+mn-cs"/>
+              </a:defRPr>
+            </a:lvl4pPr>
+            <a:lvl5pPr marL="2058988" indent="-266700" algn="l" defTabSz="1218438" rtl="0" eaLnBrk="1" latinLnBrk="0" hangingPunct="1">
+              <a:lnSpc>
+                <a:spcPct val="105000"/>
+              </a:lnSpc>
+              <a:spcBef>
+                <a:spcPts val="600"/>
+              </a:spcBef>
+              <a:spcAft>
+                <a:spcPts val="600"/>
+              </a:spcAft>
+              <a:buFont typeface="Wingdings" panose="05000000000000000000" pitchFamily="2" charset="2"/>
+              <a:buChar char="§"/>
+              <a:defRPr sz="2598" kern="1200">
+                <a:solidFill>
+                  <a:schemeClr val="tx1"/>
+                </a:solidFill>
+                <a:latin typeface="+mn-lt"/>
+                <a:ea typeface="+mn-ea"/>
+                <a:cs typeface="+mn-cs"/>
+              </a:defRPr>
+            </a:lvl5pPr>
+            <a:lvl6pPr marL="3350704" indent="-304610" algn="l" defTabSz="1218438" rtl="0" eaLnBrk="1" latinLnBrk="1" hangingPunct="1">
+              <a:spcBef>
+                <a:spcPct val="20000"/>
+              </a:spcBef>
+              <a:buFont typeface="Arial" pitchFamily="34" charset="0"/>
+              <a:buChar char="•"/>
+              <a:defRPr sz="2665" kern="1200">
+                <a:solidFill>
+                  <a:schemeClr val="tx1"/>
+                </a:solidFill>
+                <a:latin typeface="+mn-lt"/>
+                <a:ea typeface="+mn-ea"/>
+                <a:cs typeface="+mn-cs"/>
+              </a:defRPr>
+            </a:lvl6pPr>
+            <a:lvl7pPr marL="3959924" indent="-304610" algn="l" defTabSz="1218438" rtl="0" eaLnBrk="1" latinLnBrk="1" hangingPunct="1">
+              <a:spcBef>
+                <a:spcPct val="20000"/>
+              </a:spcBef>
+              <a:buFont typeface="Arial" pitchFamily="34" charset="0"/>
+              <a:buChar char="•"/>
+              <a:defRPr sz="2665" kern="1200">
+                <a:solidFill>
+                  <a:schemeClr val="tx1"/>
+                </a:solidFill>
+                <a:latin typeface="+mn-lt"/>
+                <a:ea typeface="+mn-ea"/>
+                <a:cs typeface="+mn-cs"/>
+              </a:defRPr>
+            </a:lvl7pPr>
+            <a:lvl8pPr marL="4569143" indent="-304610" algn="l" defTabSz="1218438" rtl="0" eaLnBrk="1" latinLnBrk="1" hangingPunct="1">
+              <a:spcBef>
+                <a:spcPct val="20000"/>
+              </a:spcBef>
+              <a:buFont typeface="Arial" pitchFamily="34" charset="0"/>
+              <a:buChar char="•"/>
+              <a:defRPr sz="2665" kern="1200">
+                <a:solidFill>
+                  <a:schemeClr val="tx1"/>
+                </a:solidFill>
+                <a:latin typeface="+mn-lt"/>
+                <a:ea typeface="+mn-ea"/>
+                <a:cs typeface="+mn-cs"/>
+              </a:defRPr>
+            </a:lvl8pPr>
+            <a:lvl9pPr marL="5178362" indent="-304610" algn="l" defTabSz="1218438" rtl="0" eaLnBrk="1" latinLnBrk="1" hangingPunct="1">
+              <a:spcBef>
+                <a:spcPct val="20000"/>
+              </a:spcBef>
+              <a:buFont typeface="Arial" pitchFamily="34" charset="0"/>
+              <a:buChar char="•"/>
+              <a:defRPr sz="2665" kern="1200">
+                <a:solidFill>
+                  <a:schemeClr val="tx1"/>
+                </a:solidFill>
+                <a:latin typeface="+mn-lt"/>
+                <a:ea typeface="+mn-ea"/>
+                <a:cs typeface="+mn-cs"/>
+              </a:defRPr>
+            </a:lvl9pPr>
+          </a:lstStyle>
+          <a:p>
+            <a:pPr marL="456778" indent="-456778" eaLnBrk="0" hangingPunct="0"/>
+            <a:r>
+              <a:rPr lang="bg-BG" sz="3599" dirty="0"/>
+              <a:t>Циклите в програмирането ни позволяват да </a:t>
+            </a:r>
+            <a:r>
+              <a:rPr lang="bg-BG" sz="3599" b="1" dirty="0">
+                <a:solidFill>
+                  <a:schemeClr val="bg1"/>
+                </a:solidFill>
+              </a:rPr>
+              <a:t>повтаряме</a:t>
+            </a:r>
+            <a:r>
+              <a:rPr lang="bg-BG" sz="3599" dirty="0"/>
+              <a:t> </a:t>
+            </a:r>
+            <a:r>
+              <a:rPr lang="bg-BG" sz="3599" b="1" dirty="0">
+                <a:solidFill>
+                  <a:schemeClr val="bg1"/>
+                </a:solidFill>
+              </a:rPr>
+              <a:t>едни и същи действия </a:t>
+            </a:r>
+            <a:r>
+              <a:rPr lang="bg-BG" sz="3599" dirty="0"/>
+              <a:t>определен брой пъти:</a:t>
+            </a:r>
+          </a:p>
+        </p:txBody>
+      </p:sp>
+      <p:sp>
+        <p:nvSpPr>
+          <p:cNvPr id="11" name="TextBox 29">
+            <a:extLst>
+              <a:ext uri="{FF2B5EF4-FFF2-40B4-BE49-F238E27FC236}">
+                <a16:creationId xmlns:a16="http://schemas.microsoft.com/office/drawing/2014/main" id="{D856292C-764E-4006-AA7A-9896076EBDBC}"/>
+              </a:ext>
+            </a:extLst>
+          </p:cNvPr>
+          <p:cNvSpPr txBox="1"/>
+          <p:nvPr/>
+        </p:nvSpPr>
+        <p:spPr>
+          <a:xfrm>
+            <a:off x="9934919" y="2645567"/>
+            <a:ext cx="809177" cy="510480"/>
+          </a:xfrm>
+          <a:prstGeom prst="rect">
+            <a:avLst/>
+          </a:prstGeom>
+          <a:noFill/>
+          <a:ln>
+            <a:noFill/>
+          </a:ln>
+        </p:spPr>
+        <p:style>
+          <a:lnRef idx="0">
+            <a:scrgbClr r="0" g="0" b="0"/>
+          </a:lnRef>
+          <a:fillRef idx="0">
+            <a:scrgbClr r="0" g="0" b="0"/>
+          </a:fillRef>
+          <a:effectRef idx="0">
+            <a:scrgbClr r="0" g="0" b="0"/>
+          </a:effectRef>
+          <a:fontRef idx="minor">
+            <a:schemeClr val="dk1"/>
+          </a:fontRef>
+        </p:style>
+        <p:txBody>
+          <a:bodyPr vert="horz" wrap="square" lIns="143963" tIns="107972" rIns="143963" bIns="107972" rtlCol="0">
+            <a:spAutoFit/>
+          </a:bodyPr>
+          <a:lstStyle/>
+          <a:p>
+            <a:pPr algn="l" eaLnBrk="0" hangingPunct="0">
+              <a:lnSpc>
+                <a:spcPct val="110000"/>
+              </a:lnSpc>
+              <a:buClr>
+                <a:schemeClr val="accent5">
+                  <a:lumMod val="40000"/>
+                  <a:lumOff val="60000"/>
+                </a:schemeClr>
+              </a:buClr>
+              <a:buSzPct val="70000"/>
+            </a:pPr>
+            <a:r>
+              <a:rPr lang="en-GB" sz="1799" dirty="0"/>
+              <a:t>false</a:t>
+            </a:r>
+            <a:endParaRPr lang="en-US" sz="2399" dirty="0"/>
+          </a:p>
+        </p:txBody>
+      </p:sp>
+      <p:cxnSp>
+        <p:nvCxnSpPr>
+          <p:cNvPr id="12" name="Straight Arrow Connector 30">
+            <a:extLst>
+              <a:ext uri="{FF2B5EF4-FFF2-40B4-BE49-F238E27FC236}">
+                <a16:creationId xmlns:a16="http://schemas.microsoft.com/office/drawing/2014/main" id="{CAAA75DC-A2B8-44FC-A51F-8F637F5B953D}"/>
+              </a:ext>
+            </a:extLst>
+          </p:cNvPr>
+          <p:cNvCxnSpPr>
+            <a:cxnSpLocks/>
+          </p:cNvCxnSpPr>
+          <p:nvPr/>
+        </p:nvCxnSpPr>
+        <p:spPr>
+          <a:xfrm>
+            <a:off x="10042270" y="3154263"/>
+            <a:ext cx="501976" cy="14079"/>
+          </a:xfrm>
+          <a:prstGeom prst="straightConnector1">
+            <a:avLst/>
+          </a:prstGeom>
+          <a:ln w="57150">
+            <a:tailEnd type="triangle"/>
+          </a:ln>
+        </p:spPr>
+        <p:style>
+          <a:lnRef idx="1">
+            <a:schemeClr val="accent1"/>
+          </a:lnRef>
+          <a:fillRef idx="0">
+            <a:schemeClr val="accent1"/>
+          </a:fillRef>
+          <a:effectRef idx="0">
+            <a:schemeClr val="accent1"/>
+          </a:effectRef>
+          <a:fontRef idx="minor">
+            <a:schemeClr val="tx1"/>
+          </a:fontRef>
+        </p:style>
+      </p:cxnSp>
+      <p:sp>
+        <p:nvSpPr>
+          <p:cNvPr id="13" name="Rectangle 32">
+            <a:extLst>
+              <a:ext uri="{FF2B5EF4-FFF2-40B4-BE49-F238E27FC236}">
+                <a16:creationId xmlns:a16="http://schemas.microsoft.com/office/drawing/2014/main" id="{D32010D8-1060-4692-A438-50B938022991}"/>
+              </a:ext>
+            </a:extLst>
+          </p:cNvPr>
+          <p:cNvSpPr/>
+          <p:nvPr/>
+        </p:nvSpPr>
+        <p:spPr bwMode="auto">
+          <a:xfrm>
+            <a:off x="8410061" y="4179374"/>
+            <a:ext cx="1620919" cy="551809"/>
+          </a:xfrm>
+          <a:prstGeom prst="rect">
+            <a:avLst/>
+          </a:prstGeom>
+          <a:solidFill>
+            <a:schemeClr val="dk2">
+              <a:alpha val="80000"/>
+            </a:schemeClr>
+          </a:solidFill>
+          <a:ln w="19050">
+            <a:solidFill>
+              <a:schemeClr val="tx1">
+                <a:lumMod val="75000"/>
+                <a:alpha val="80000"/>
+              </a:schemeClr>
+            </a:solidFill>
+          </a:ln>
+          <a:effectLst/>
+        </p:spPr>
+        <p:style>
+          <a:lnRef idx="2">
+            <a:schemeClr val="accent1">
+              <a:shade val="50000"/>
+            </a:schemeClr>
+          </a:lnRef>
+          <a:fillRef idx="1001">
+            <a:schemeClr val="dk2"/>
+          </a:fillRef>
+          <a:effectRef idx="0">
+            <a:schemeClr val="accent1"/>
+          </a:effectRef>
+          <a:fontRef idx="minor">
+            <a:schemeClr val="lt1"/>
+          </a:fontRef>
+        </p:style>
+        <p:txBody>
+          <a:bodyPr rot="0" spcFirstLastPara="0" vertOverflow="overflow" horzOverflow="overflow" vert="horz" wrap="square" lIns="91416" tIns="45708" rIns="91416" bIns="45708" numCol="1" spcCol="0" rtlCol="0" fromWordArt="0" anchor="ctr" anchorCtr="0" forceAA="0" compatLnSpc="1">
+            <a:prstTxWarp prst="textNoShape">
+              <a:avLst/>
+            </a:prstTxWarp>
+            <a:noAutofit/>
+          </a:bodyPr>
+          <a:lstStyle/>
+          <a:p>
+            <a:pPr algn="ctr"/>
+            <a:endParaRPr lang="bg-BG" sz="2799" b="1" dirty="0">
+              <a:solidFill>
+                <a:srgbClr val="FFFFFF"/>
+              </a:solidFill>
+              <a:effectLst>
+                <a:outerShdw blurRad="38100" dist="38100" dir="2700000" algn="tl">
+                  <a:srgbClr val="000000">
+                    <a:alpha val="43137"/>
+                  </a:srgbClr>
+                </a:outerShdw>
+              </a:effectLst>
+            </a:endParaRPr>
+          </a:p>
+        </p:txBody>
+      </p:sp>
+      <p:sp>
+        <p:nvSpPr>
+          <p:cNvPr id="14" name="TextBox 33">
+            <a:extLst>
+              <a:ext uri="{FF2B5EF4-FFF2-40B4-BE49-F238E27FC236}">
+                <a16:creationId xmlns:a16="http://schemas.microsoft.com/office/drawing/2014/main" id="{BF690F1C-9F81-406D-A4E3-BAFCEF27E02B}"/>
+              </a:ext>
+            </a:extLst>
+          </p:cNvPr>
+          <p:cNvSpPr txBox="1"/>
+          <p:nvPr/>
+        </p:nvSpPr>
+        <p:spPr>
+          <a:xfrm>
+            <a:off x="8410061" y="4179373"/>
+            <a:ext cx="1620919" cy="581685"/>
+          </a:xfrm>
+          <a:prstGeom prst="rect">
+            <a:avLst/>
+          </a:prstGeom>
+          <a:noFill/>
+          <a:ln w="12700">
+            <a:noFill/>
+          </a:ln>
+        </p:spPr>
+        <p:txBody>
+          <a:bodyPr vert="horz" wrap="square" lIns="143963" tIns="107972" rIns="143963" bIns="107972" rtlCol="0">
+            <a:spAutoFit/>
+          </a:bodyPr>
+          <a:lstStyle/>
+          <a:p>
+            <a:pPr algn="ctr" eaLnBrk="0" hangingPunct="0">
+              <a:buClr>
+                <a:schemeClr val="accent5">
+                  <a:lumMod val="40000"/>
+                  <a:lumOff val="60000"/>
+                </a:schemeClr>
+              </a:buClr>
+              <a:buSzPct val="70000"/>
+            </a:pPr>
+            <a:r>
+              <a:rPr lang="en-US" sz="2000" b="1" dirty="0">
+                <a:solidFill>
+                  <a:schemeClr val="bg2"/>
+                </a:solidFill>
+                <a:latin typeface="+mj-lt"/>
+              </a:rPr>
+              <a:t>Print</a:t>
+            </a:r>
+            <a:r>
+              <a:rPr lang="en-US" sz="2399" b="1" dirty="0">
+                <a:solidFill>
+                  <a:schemeClr val="bg2"/>
+                </a:solidFill>
+                <a:latin typeface="+mj-lt"/>
+              </a:rPr>
+              <a:t> </a:t>
+            </a:r>
+            <a:r>
+              <a:rPr lang="en-US" sz="2399" b="1" noProof="1">
+                <a:solidFill>
+                  <a:schemeClr val="bg2"/>
+                </a:solidFill>
+                <a:latin typeface="Consolas" pitchFamily="49" charset="0"/>
+              </a:rPr>
+              <a:t>i</a:t>
+            </a:r>
+            <a:endParaRPr lang="en-US" sz="2399" b="1" dirty="0">
+              <a:solidFill>
+                <a:schemeClr val="bg2"/>
+              </a:solidFill>
+              <a:latin typeface="Consolas" pitchFamily="49" charset="0"/>
+            </a:endParaRPr>
+          </a:p>
+        </p:txBody>
+      </p:sp>
+      <p:sp>
+        <p:nvSpPr>
+          <p:cNvPr id="16" name="TextBox 36">
+            <a:extLst>
+              <a:ext uri="{FF2B5EF4-FFF2-40B4-BE49-F238E27FC236}">
+                <a16:creationId xmlns:a16="http://schemas.microsoft.com/office/drawing/2014/main" id="{951D766D-A451-4072-A48C-3FE65D7D0FE7}"/>
+              </a:ext>
+            </a:extLst>
+          </p:cNvPr>
+          <p:cNvSpPr txBox="1"/>
+          <p:nvPr/>
+        </p:nvSpPr>
+        <p:spPr>
+          <a:xfrm>
+            <a:off x="9270052" y="3629115"/>
+            <a:ext cx="700740" cy="534384"/>
+          </a:xfrm>
+          <a:prstGeom prst="rect">
+            <a:avLst/>
+          </a:prstGeom>
+          <a:noFill/>
+          <a:ln>
+            <a:noFill/>
+          </a:ln>
+        </p:spPr>
+        <p:style>
+          <a:lnRef idx="0">
+            <a:scrgbClr r="0" g="0" b="0"/>
+          </a:lnRef>
+          <a:fillRef idx="0">
+            <a:scrgbClr r="0" g="0" b="0"/>
+          </a:fillRef>
+          <a:effectRef idx="0">
+            <a:scrgbClr r="0" g="0" b="0"/>
+          </a:effectRef>
+          <a:fontRef idx="minor">
+            <a:schemeClr val="dk1"/>
+          </a:fontRef>
+        </p:style>
+        <p:txBody>
+          <a:bodyPr vert="horz" wrap="none" lIns="143963" tIns="107972" rIns="143963" bIns="107972" rtlCol="0">
+            <a:spAutoFit/>
+          </a:bodyPr>
+          <a:lstStyle/>
+          <a:p>
+            <a:pPr algn="l" eaLnBrk="0" hangingPunct="0">
+              <a:lnSpc>
+                <a:spcPct val="110000"/>
+              </a:lnSpc>
+              <a:buClr>
+                <a:schemeClr val="accent5">
+                  <a:lumMod val="40000"/>
+                  <a:lumOff val="60000"/>
+                </a:schemeClr>
+              </a:buClr>
+              <a:buSzPct val="70000"/>
+            </a:pPr>
+            <a:r>
+              <a:rPr lang="en-GB" sz="1999" dirty="0"/>
+              <a:t>true</a:t>
+            </a:r>
+            <a:endParaRPr lang="en-US" sz="2399" dirty="0"/>
+          </a:p>
+        </p:txBody>
+      </p:sp>
+      <p:sp>
+        <p:nvSpPr>
+          <p:cNvPr id="17" name="Flowchart: Terminator 37">
+            <a:extLst>
+              <a:ext uri="{FF2B5EF4-FFF2-40B4-BE49-F238E27FC236}">
+                <a16:creationId xmlns:a16="http://schemas.microsoft.com/office/drawing/2014/main" id="{A9EF680E-9948-4FE3-854F-9DEF77CFBBA1}"/>
+              </a:ext>
+            </a:extLst>
+          </p:cNvPr>
+          <p:cNvSpPr/>
+          <p:nvPr/>
+        </p:nvSpPr>
+        <p:spPr bwMode="auto">
+          <a:xfrm>
+            <a:off x="10586318" y="2906173"/>
+            <a:ext cx="1525181" cy="510260"/>
+          </a:xfrm>
+          <a:prstGeom prst="flowChartTerminator">
+            <a:avLst/>
+          </a:prstGeom>
+          <a:solidFill>
+            <a:schemeClr val="dk2">
+              <a:alpha val="80000"/>
+            </a:schemeClr>
+          </a:solidFill>
+          <a:ln w="19050">
+            <a:solidFill>
+              <a:schemeClr val="tx1">
+                <a:lumMod val="75000"/>
+                <a:alpha val="80000"/>
+              </a:schemeClr>
+            </a:solidFill>
+          </a:ln>
+          <a:effectLst/>
+        </p:spPr>
+        <p:style>
+          <a:lnRef idx="2">
+            <a:schemeClr val="accent1">
+              <a:shade val="50000"/>
+            </a:schemeClr>
+          </a:lnRef>
+          <a:fillRef idx="1001">
+            <a:schemeClr val="dk2"/>
+          </a:fillRef>
+          <a:effectRef idx="0">
+            <a:schemeClr val="accent1"/>
+          </a:effectRef>
+          <a:fontRef idx="minor">
+            <a:schemeClr val="lt1"/>
+          </a:fontRef>
+        </p:style>
+        <p:txBody>
+          <a:bodyPr rot="0" spcFirstLastPara="0" vertOverflow="overflow" horzOverflow="overflow" vert="horz" wrap="square" lIns="91416" tIns="45708" rIns="91416" bIns="45708" numCol="1" spcCol="0" rtlCol="0" fromWordArt="0" anchor="ctr" anchorCtr="0" forceAA="0" compatLnSpc="1">
+            <a:prstTxWarp prst="textNoShape">
+              <a:avLst/>
+            </a:prstTxWarp>
+            <a:noAutofit/>
+          </a:bodyPr>
+          <a:lstStyle/>
+          <a:p>
+            <a:pPr algn="ctr"/>
+            <a:r>
+              <a:rPr lang="en-GB" sz="1999" b="1" dirty="0">
+                <a:solidFill>
+                  <a:srgbClr val="FFFFFF"/>
+                </a:solidFill>
+              </a:rPr>
+              <a:t>End loop</a:t>
+            </a:r>
+            <a:endParaRPr lang="en-US" sz="1999" b="1" dirty="0">
+              <a:solidFill>
+                <a:srgbClr val="FFFFFF"/>
+              </a:solidFill>
+            </a:endParaRPr>
+          </a:p>
+        </p:txBody>
+      </p:sp>
+      <p:sp>
+        <p:nvSpPr>
+          <p:cNvPr id="18" name="Rectangle 19">
+            <a:extLst>
+              <a:ext uri="{FF2B5EF4-FFF2-40B4-BE49-F238E27FC236}">
+                <a16:creationId xmlns:a16="http://schemas.microsoft.com/office/drawing/2014/main" id="{D2E604F1-154B-4CF2-80CA-54F0EB2874CE}"/>
+              </a:ext>
+            </a:extLst>
+          </p:cNvPr>
+          <p:cNvSpPr/>
+          <p:nvPr/>
+        </p:nvSpPr>
+        <p:spPr bwMode="auto">
+          <a:xfrm>
+            <a:off x="8410061" y="1629000"/>
+            <a:ext cx="1620919" cy="551809"/>
+          </a:xfrm>
+          <a:prstGeom prst="rect">
+            <a:avLst/>
+          </a:prstGeom>
+          <a:solidFill>
+            <a:schemeClr val="dk2">
+              <a:alpha val="80000"/>
+            </a:schemeClr>
+          </a:solidFill>
+          <a:ln w="19050">
+            <a:solidFill>
+              <a:schemeClr val="tx1">
+                <a:lumMod val="75000"/>
+                <a:alpha val="80000"/>
+              </a:schemeClr>
+            </a:solidFill>
+          </a:ln>
+          <a:effectLst/>
+        </p:spPr>
+        <p:style>
+          <a:lnRef idx="2">
+            <a:schemeClr val="accent1">
+              <a:shade val="50000"/>
+            </a:schemeClr>
+          </a:lnRef>
+          <a:fillRef idx="1001">
+            <a:schemeClr val="dk2"/>
+          </a:fillRef>
+          <a:effectRef idx="0">
+            <a:schemeClr val="accent1"/>
+          </a:effectRef>
+          <a:fontRef idx="minor">
+            <a:schemeClr val="lt1"/>
+          </a:fontRef>
+        </p:style>
+        <p:txBody>
+          <a:bodyPr rot="0" spcFirstLastPara="0" vertOverflow="overflow" horzOverflow="overflow" vert="horz" wrap="square" lIns="91416" tIns="45708" rIns="91416" bIns="45708" numCol="1" spcCol="0" rtlCol="0" fromWordArt="0" anchor="ctr" anchorCtr="0" forceAA="0" compatLnSpc="1">
+            <a:prstTxWarp prst="textNoShape">
+              <a:avLst/>
+            </a:prstTxWarp>
+            <a:noAutofit/>
+          </a:bodyPr>
+          <a:lstStyle/>
+          <a:p>
+            <a:pPr algn="ctr"/>
+            <a:endParaRPr lang="bg-BG" sz="2799" b="1" dirty="0">
+              <a:solidFill>
+                <a:srgbClr val="FFFFFF"/>
+              </a:solidFill>
+              <a:effectLst>
+                <a:outerShdw blurRad="38100" dist="38100" dir="2700000" algn="tl">
+                  <a:srgbClr val="000000">
+                    <a:alpha val="43137"/>
+                  </a:srgbClr>
+                </a:outerShdw>
+              </a:effectLst>
+            </a:endParaRPr>
+          </a:p>
+        </p:txBody>
+      </p:sp>
+      <p:sp>
+        <p:nvSpPr>
+          <p:cNvPr id="19" name="TextBox 20">
+            <a:extLst>
+              <a:ext uri="{FF2B5EF4-FFF2-40B4-BE49-F238E27FC236}">
+                <a16:creationId xmlns:a16="http://schemas.microsoft.com/office/drawing/2014/main" id="{DBBF4751-629A-4C32-8E8B-058F5C6EC611}"/>
+              </a:ext>
+            </a:extLst>
+          </p:cNvPr>
+          <p:cNvSpPr txBox="1"/>
+          <p:nvPr/>
+        </p:nvSpPr>
+        <p:spPr>
+          <a:xfrm>
+            <a:off x="8410061" y="1640444"/>
+            <a:ext cx="1620918" cy="528923"/>
+          </a:xfrm>
+          <a:prstGeom prst="rect">
+            <a:avLst/>
+          </a:prstGeom>
+          <a:noFill/>
+          <a:ln w="12700">
+            <a:noFill/>
+          </a:ln>
+        </p:spPr>
+        <p:txBody>
+          <a:bodyPr vert="horz" wrap="square" lIns="143963" tIns="107972" rIns="143963" bIns="107972" rtlCol="0">
+            <a:spAutoFit/>
+          </a:bodyPr>
+          <a:lstStyle/>
+          <a:p>
+            <a:pPr algn="ctr" eaLnBrk="0" hangingPunct="0">
+              <a:buClr>
+                <a:schemeClr val="accent5">
+                  <a:lumMod val="40000"/>
+                  <a:lumOff val="60000"/>
+                </a:schemeClr>
+              </a:buClr>
+              <a:buSzPct val="70000"/>
+            </a:pPr>
+            <a:r>
+              <a:rPr lang="en-US" sz="1999" b="1" noProof="1">
+                <a:solidFill>
+                  <a:schemeClr val="bg2"/>
+                </a:solidFill>
+                <a:latin typeface="Consolas" pitchFamily="49" charset="0"/>
+              </a:rPr>
+              <a:t>i</a:t>
+            </a:r>
+            <a:r>
+              <a:rPr lang="en-US" sz="1999" b="1" dirty="0">
+                <a:solidFill>
+                  <a:schemeClr val="bg2"/>
+                </a:solidFill>
+                <a:latin typeface="Consolas" pitchFamily="49" charset="0"/>
+              </a:rPr>
+              <a:t> = </a:t>
+            </a:r>
+            <a:r>
+              <a:rPr lang="en-US" sz="1999" b="1" noProof="1">
+                <a:solidFill>
+                  <a:schemeClr val="bg2"/>
+                </a:solidFill>
+                <a:latin typeface="Consolas" pitchFamily="49" charset="0"/>
+              </a:rPr>
+              <a:t>1</a:t>
+            </a:r>
+            <a:endParaRPr lang="bg-BG" sz="1999" b="1" noProof="1">
+              <a:solidFill>
+                <a:schemeClr val="bg2"/>
+              </a:solidFill>
+              <a:latin typeface="Consolas" pitchFamily="49" charset="0"/>
+            </a:endParaRPr>
+          </a:p>
+        </p:txBody>
+      </p:sp>
       <p:grpSp>
         <p:nvGrpSpPr>
-          <p:cNvPr id="3" name="Групиране 8">
+          <p:cNvPr id="5" name="Групиране 19">
             <a:extLst>
               <a:ext uri="{FF2B5EF4-FFF2-40B4-BE49-F238E27FC236}">
-                <a16:creationId xmlns:a16="http://schemas.microsoft.com/office/drawing/2014/main" id="{C05940CC-C6DB-42F4-8ECD-95D6D8C5E859}"/>
+                <a16:creationId xmlns:a16="http://schemas.microsoft.com/office/drawing/2014/main" id="{8AEC38A1-D6C5-4A74-9A8B-898BFC67440A}"/>
               </a:ext>
             </a:extLst>
           </p:cNvPr>
@@ -39188,124 +40426,18 @@
         </p:nvGrpSpPr>
         <p:grpSpPr>
           <a:xfrm>
-            <a:off x="7941000" y="1494000"/>
-            <a:ext cx="3714950" cy="3132058"/>
-            <a:chOff x="1562100" y="2659188"/>
-            <a:chExt cx="4818290" cy="3409372"/>
+            <a:off x="8474951" y="2645549"/>
+            <a:ext cx="1525180" cy="1031511"/>
+            <a:chOff x="2010580" y="3962382"/>
+            <a:chExt cx="1806822" cy="1025587"/>
           </a:xfrm>
         </p:grpSpPr>
         <p:sp>
           <p:nvSpPr>
-            <p:cNvPr id="11" name="TextBox 29">
+            <p:cNvPr id="23" name="Flowchart: Decision 22">
               <a:extLst>
                 <a:ext uri="{FF2B5EF4-FFF2-40B4-BE49-F238E27FC236}">
-                  <a16:creationId xmlns:a16="http://schemas.microsoft.com/office/drawing/2014/main" id="{D856292C-764E-4006-AA7A-9896076EBDBC}"/>
-                </a:ext>
-              </a:extLst>
-            </p:cNvPr>
-            <p:cNvSpPr txBox="1"/>
-            <p:nvPr/>
-          </p:nvSpPr>
-          <p:spPr>
-            <a:xfrm>
-              <a:off x="3557369" y="3765762"/>
-              <a:ext cx="1049503" cy="555678"/>
-            </a:xfrm>
-            <a:prstGeom prst="rect">
-              <a:avLst/>
-            </a:prstGeom>
-            <a:noFill/>
-            <a:ln>
-              <a:noFill/>
-            </a:ln>
-          </p:spPr>
-          <p:style>
-            <a:lnRef idx="0">
-              <a:scrgbClr r="0" g="0" b="0"/>
-            </a:lnRef>
-            <a:fillRef idx="0">
-              <a:scrgbClr r="0" g="0" b="0"/>
-            </a:fillRef>
-            <a:effectRef idx="0">
-              <a:scrgbClr r="0" g="0" b="0"/>
-            </a:effectRef>
-            <a:fontRef idx="minor">
-              <a:schemeClr val="dk1"/>
-            </a:fontRef>
-          </p:style>
-          <p:txBody>
-            <a:bodyPr vert="horz" wrap="square" lIns="143963" tIns="107972" rIns="143963" bIns="107972" rtlCol="0">
-              <a:spAutoFit/>
-            </a:bodyPr>
-            <a:lstStyle/>
-            <a:p>
-              <a:pPr algn="l" eaLnBrk="0" hangingPunct="0">
-                <a:lnSpc>
-                  <a:spcPct val="110000"/>
-                </a:lnSpc>
-                <a:buClr>
-                  <a:schemeClr val="accent5">
-                    <a:lumMod val="40000"/>
-                    <a:lumOff val="60000"/>
-                  </a:schemeClr>
-                </a:buClr>
-                <a:buSzPct val="70000"/>
-              </a:pPr>
-              <a:r>
-                <a:rPr lang="en-GB" sz="1799" dirty="0"/>
-                <a:t>false</a:t>
-              </a:r>
-              <a:endParaRPr lang="en-US" sz="2399" dirty="0"/>
-            </a:p>
-          </p:txBody>
-        </p:sp>
-        <p:cxnSp>
-          <p:nvCxnSpPr>
-            <p:cNvPr id="12" name="Straight Arrow Connector 30">
-              <a:extLst>
-                <a:ext uri="{FF2B5EF4-FFF2-40B4-BE49-F238E27FC236}">
-                  <a16:creationId xmlns:a16="http://schemas.microsoft.com/office/drawing/2014/main" id="{CAAA75DC-A2B8-44FC-A51F-8F637F5B953D}"/>
-                </a:ext>
-              </a:extLst>
-            </p:cNvPr>
-            <p:cNvCxnSpPr>
-              <a:cxnSpLocks/>
-            </p:cNvCxnSpPr>
-            <p:nvPr/>
-          </p:nvCxnSpPr>
-          <p:spPr>
-            <a:xfrm>
-              <a:off x="3696600" y="4319500"/>
-              <a:ext cx="651063" cy="15326"/>
-            </a:xfrm>
-            <a:prstGeom prst="straightConnector1">
-              <a:avLst/>
-            </a:prstGeom>
-            <a:ln w="57150">
-              <a:tailEnd type="triangle"/>
-            </a:ln>
-          </p:spPr>
-          <p:style>
-            <a:lnRef idx="1">
-              <a:schemeClr val="accent1"/>
-            </a:lnRef>
-            <a:fillRef idx="0">
-              <a:schemeClr val="accent1"/>
-            </a:fillRef>
-            <a:effectRef idx="0">
-              <a:schemeClr val="accent1"/>
-            </a:effectRef>
-            <a:fontRef idx="minor">
-              <a:schemeClr val="tx1"/>
-            </a:fontRef>
-          </p:style>
-        </p:cxnSp>
-        <p:sp>
-          <p:nvSpPr>
-            <p:cNvPr id="13" name="Rectangle 32">
-              <a:extLst>
-                <a:ext uri="{FF2B5EF4-FFF2-40B4-BE49-F238E27FC236}">
-                  <a16:creationId xmlns:a16="http://schemas.microsoft.com/office/drawing/2014/main" id="{D32010D8-1060-4692-A438-50B938022991}"/>
+                  <a16:creationId xmlns:a16="http://schemas.microsoft.com/office/drawing/2014/main" id="{346C756F-FFAD-40AC-9353-E6B881B9E394}"/>
                 </a:ext>
               </a:extLst>
             </p:cNvPr>
@@ -39314,10 +40446,10 @@
           </p:nvSpPr>
           <p:spPr bwMode="auto">
             <a:xfrm>
-              <a:off x="1579625" y="5435371"/>
-              <a:ext cx="2102332" cy="600666"/>
+              <a:off x="2010580" y="3962382"/>
+              <a:ext cx="1806822" cy="1025587"/>
             </a:xfrm>
-            <a:prstGeom prst="rect">
+            <a:prstGeom prst="flowChartDecision">
               <a:avLst/>
             </a:prstGeom>
             <a:solidFill>
@@ -39361,9 +40493,9 @@
             <a:lstStyle/>
             <a:p>
               <a:pPr algn="ctr"/>
-              <a:endParaRPr lang="bg-BG" sz="2799" b="1" dirty="0">
-                <a:solidFill>
-                  <a:srgbClr val="FFFFFF"/>
+              <a:endParaRPr lang="en-US" sz="1799" dirty="0">
+                <a:solidFill>
+                  <a:schemeClr val="bg2"/>
                 </a:solidFill>
                 <a:effectLst>
                   <a:outerShdw blurRad="38100" dist="38100" dir="2700000" algn="tl">
@@ -39378,391 +40510,32 @@
         </p:sp>
         <p:sp>
           <p:nvSpPr>
-            <p:cNvPr id="14" name="TextBox 33">
+            <p:cNvPr id="24" name="Rectangle 23">
               <a:extLst>
                 <a:ext uri="{FF2B5EF4-FFF2-40B4-BE49-F238E27FC236}">
-                  <a16:creationId xmlns:a16="http://schemas.microsoft.com/office/drawing/2014/main" id="{BF690F1C-9F81-406D-A4E3-BAFCEF27E02B}"/>
-                </a:ext>
-              </a:extLst>
-            </p:cNvPr>
-            <p:cNvSpPr txBox="1"/>
-            <p:nvPr/>
-          </p:nvSpPr>
-          <p:spPr>
-            <a:xfrm>
-              <a:off x="1579625" y="5435372"/>
-              <a:ext cx="2102332" cy="633188"/>
-            </a:xfrm>
-            <a:prstGeom prst="rect">
-              <a:avLst/>
-            </a:prstGeom>
-            <a:noFill/>
-            <a:ln w="12700">
-              <a:noFill/>
-            </a:ln>
-          </p:spPr>
-          <p:txBody>
-            <a:bodyPr vert="horz" wrap="square" lIns="143963" tIns="107972" rIns="143963" bIns="107972" rtlCol="0">
-              <a:spAutoFit/>
-            </a:bodyPr>
-            <a:lstStyle/>
-            <a:p>
-              <a:pPr algn="ctr" eaLnBrk="0" hangingPunct="0">
-                <a:buClr>
-                  <a:schemeClr val="accent5">
-                    <a:lumMod val="40000"/>
-                    <a:lumOff val="60000"/>
-                  </a:schemeClr>
-                </a:buClr>
-                <a:buSzPct val="70000"/>
-              </a:pPr>
-              <a:r>
-                <a:rPr lang="en-US" sz="2000" b="1" dirty="0">
-                  <a:solidFill>
-                    <a:schemeClr val="bg2"/>
-                  </a:solidFill>
-                  <a:latin typeface="+mj-lt"/>
-                </a:rPr>
-                <a:t>Print</a:t>
-              </a:r>
-              <a:r>
-                <a:rPr lang="en-US" sz="2399" b="1" dirty="0">
-                  <a:solidFill>
-                    <a:schemeClr val="bg2"/>
-                  </a:solidFill>
-                  <a:latin typeface="+mj-lt"/>
-                </a:rPr>
-                <a:t> </a:t>
-              </a:r>
-              <a:r>
-                <a:rPr lang="en-US" sz="2399" b="1" noProof="1">
-                  <a:solidFill>
-                    <a:schemeClr val="bg2"/>
-                  </a:solidFill>
-                  <a:latin typeface="Consolas" pitchFamily="49" charset="0"/>
-                </a:rPr>
-                <a:t>i</a:t>
-              </a:r>
-              <a:r>
-                <a:rPr lang="bg-BG" sz="2399" b="1" dirty="0">
-                  <a:solidFill>
-                    <a:schemeClr val="bg2"/>
-                  </a:solidFill>
-                  <a:latin typeface="Consolas" pitchFamily="49" charset="0"/>
-                </a:rPr>
-                <a:t>+=1</a:t>
-              </a:r>
-              <a:endParaRPr lang="en-US" sz="2399" b="1" dirty="0">
-                <a:solidFill>
-                  <a:schemeClr val="bg2"/>
-                </a:solidFill>
-                <a:latin typeface="Consolas" pitchFamily="49" charset="0"/>
-              </a:endParaRPr>
-            </a:p>
-          </p:txBody>
-        </p:sp>
-        <p:cxnSp>
-          <p:nvCxnSpPr>
-            <p:cNvPr id="15" name="Elbow Connector 37">
-              <a:extLst>
-                <a:ext uri="{FF2B5EF4-FFF2-40B4-BE49-F238E27FC236}">
-                  <a16:creationId xmlns:a16="http://schemas.microsoft.com/office/drawing/2014/main" id="{B8142F72-B791-4148-9AAC-32D08EF34284}"/>
-                </a:ext>
-              </a:extLst>
-            </p:cNvPr>
-            <p:cNvCxnSpPr>
-              <a:cxnSpLocks/>
-            </p:cNvCxnSpPr>
-            <p:nvPr/>
-          </p:nvCxnSpPr>
-          <p:spPr>
-            <a:xfrm rot="10800000" flipH="1">
-              <a:off x="1562100" y="4324888"/>
-              <a:ext cx="42148" cy="1478734"/>
-            </a:xfrm>
-            <a:prstGeom prst="bentConnector4">
-              <a:avLst>
-                <a:gd name="adj1" fmla="val -684202"/>
-                <a:gd name="adj2" fmla="val 101181"/>
-              </a:avLst>
-            </a:prstGeom>
-            <a:ln w="57150">
-              <a:tailEnd type="triangle"/>
-            </a:ln>
-          </p:spPr>
-          <p:style>
-            <a:lnRef idx="1">
-              <a:schemeClr val="accent1"/>
-            </a:lnRef>
-            <a:fillRef idx="0">
-              <a:schemeClr val="accent1"/>
-            </a:fillRef>
-            <a:effectRef idx="0">
-              <a:schemeClr val="accent1"/>
-            </a:effectRef>
-            <a:fontRef idx="minor">
-              <a:schemeClr val="tx1"/>
-            </a:fontRef>
-          </p:style>
-        </p:cxnSp>
-        <p:sp>
-          <p:nvSpPr>
-            <p:cNvPr id="16" name="TextBox 36">
-              <a:extLst>
-                <a:ext uri="{FF2B5EF4-FFF2-40B4-BE49-F238E27FC236}">
-                  <a16:creationId xmlns:a16="http://schemas.microsoft.com/office/drawing/2014/main" id="{951D766D-A451-4072-A48C-3FE65D7D0FE7}"/>
-                </a:ext>
-              </a:extLst>
-            </p:cNvPr>
-            <p:cNvSpPr txBox="1"/>
-            <p:nvPr/>
-          </p:nvSpPr>
-          <p:spPr>
-            <a:xfrm>
-              <a:off x="2695034" y="4836394"/>
-              <a:ext cx="908860" cy="581699"/>
-            </a:xfrm>
-            <a:prstGeom prst="rect">
-              <a:avLst/>
-            </a:prstGeom>
-            <a:noFill/>
-            <a:ln>
-              <a:noFill/>
-            </a:ln>
-          </p:spPr>
-          <p:style>
-            <a:lnRef idx="0">
-              <a:scrgbClr r="0" g="0" b="0"/>
-            </a:lnRef>
-            <a:fillRef idx="0">
-              <a:scrgbClr r="0" g="0" b="0"/>
-            </a:fillRef>
-            <a:effectRef idx="0">
-              <a:scrgbClr r="0" g="0" b="0"/>
-            </a:effectRef>
-            <a:fontRef idx="minor">
-              <a:schemeClr val="dk1"/>
-            </a:fontRef>
-          </p:style>
-          <p:txBody>
-            <a:bodyPr vert="horz" wrap="none" lIns="143963" tIns="107972" rIns="143963" bIns="107972" rtlCol="0">
-              <a:spAutoFit/>
-            </a:bodyPr>
-            <a:lstStyle/>
-            <a:p>
-              <a:pPr algn="l" eaLnBrk="0" hangingPunct="0">
-                <a:lnSpc>
-                  <a:spcPct val="110000"/>
-                </a:lnSpc>
-                <a:buClr>
-                  <a:schemeClr val="accent5">
-                    <a:lumMod val="40000"/>
-                    <a:lumOff val="60000"/>
-                  </a:schemeClr>
-                </a:buClr>
-                <a:buSzPct val="70000"/>
-              </a:pPr>
-              <a:r>
-                <a:rPr lang="en-GB" sz="1999" dirty="0"/>
-                <a:t>true</a:t>
-              </a:r>
-              <a:endParaRPr lang="en-US" sz="2399" dirty="0"/>
-            </a:p>
-          </p:txBody>
-        </p:sp>
-        <p:sp>
-          <p:nvSpPr>
-            <p:cNvPr id="17" name="Flowchart: Terminator 37">
-              <a:extLst>
-                <a:ext uri="{FF2B5EF4-FFF2-40B4-BE49-F238E27FC236}">
-                  <a16:creationId xmlns:a16="http://schemas.microsoft.com/office/drawing/2014/main" id="{A9EF680E-9948-4FE3-854F-9DEF77CFBBA1}"/>
+                  <a16:creationId xmlns:a16="http://schemas.microsoft.com/office/drawing/2014/main" id="{25C1882C-3B72-4189-9327-D11081D6E9A1}"/>
                 </a:ext>
               </a:extLst>
             </p:cNvPr>
             <p:cNvSpPr/>
             <p:nvPr/>
           </p:nvSpPr>
-          <p:spPr bwMode="auto">
+          <p:spPr>
             <a:xfrm>
-              <a:off x="4402230" y="4049443"/>
-              <a:ext cx="1978160" cy="555439"/>
+              <a:off x="2055450" y="4244343"/>
+              <a:ext cx="1717081" cy="393788"/>
             </a:xfrm>
-            <a:prstGeom prst="flowChartTerminator">
+            <a:prstGeom prst="rect">
               <a:avLst/>
             </a:prstGeom>
-            <a:solidFill>
-              <a:schemeClr val="dk2">
-                <a:alpha val="80000"/>
-              </a:schemeClr>
-            </a:solidFill>
-            <a:ln w="19050">
-              <a:solidFill>
-                <a:schemeClr val="tx1">
-                  <a:lumMod val="75000"/>
-                  <a:alpha val="80000"/>
-                </a:schemeClr>
-              </a:solidFill>
-            </a:ln>
-            <a:effectLst/>
           </p:spPr>
-          <p:style>
-            <a:lnRef idx="2">
-              <a:schemeClr val="accent1">
-                <a:shade val="50000"/>
-              </a:schemeClr>
-            </a:lnRef>
-            <a:fillRef idx="1001">
-              <a:schemeClr val="dk2"/>
-            </a:fillRef>
-            <a:effectRef idx="0">
-              <a:schemeClr val="accent1"/>
-            </a:effectRef>
-            <a:fontRef idx="minor">
-              <a:schemeClr val="lt1"/>
-            </a:fontRef>
-          </p:style>
           <p:txBody>
-            <a:bodyPr rot="0" spcFirstLastPara="0" vertOverflow="overflow" horzOverflow="overflow" vert="horz" wrap="square" lIns="91416" tIns="45708" rIns="91416" bIns="45708" numCol="1" spcCol="0" rtlCol="0" fromWordArt="0" anchor="ctr" anchorCtr="0" forceAA="0" compatLnSpc="1">
-              <a:prstTxWarp prst="textNoShape">
-                <a:avLst/>
-              </a:prstTxWarp>
-              <a:noAutofit/>
+            <a:bodyPr wrap="square">
+              <a:spAutoFit/>
             </a:bodyPr>
             <a:lstStyle/>
             <a:p>
               <a:pPr algn="ctr"/>
-              <a:r>
-                <a:rPr lang="en-GB" sz="1999" b="1" dirty="0">
-                  <a:solidFill>
-                    <a:srgbClr val="FFFFFF"/>
-                  </a:solidFill>
-                </a:rPr>
-                <a:t>End loop</a:t>
-              </a:r>
-              <a:endParaRPr lang="en-US" sz="1999" b="1" dirty="0">
-                <a:solidFill>
-                  <a:srgbClr val="FFFFFF"/>
-                </a:solidFill>
-              </a:endParaRPr>
-            </a:p>
-          </p:txBody>
-        </p:sp>
-        <p:sp>
-          <p:nvSpPr>
-            <p:cNvPr id="18" name="Rectangle 19">
-              <a:extLst>
-                <a:ext uri="{FF2B5EF4-FFF2-40B4-BE49-F238E27FC236}">
-                  <a16:creationId xmlns:a16="http://schemas.microsoft.com/office/drawing/2014/main" id="{D2E604F1-154B-4CF2-80CA-54F0EB2874CE}"/>
-                </a:ext>
-              </a:extLst>
-            </p:cNvPr>
-            <p:cNvSpPr/>
-            <p:nvPr/>
-          </p:nvSpPr>
-          <p:spPr bwMode="auto">
-            <a:xfrm>
-              <a:off x="1579625" y="2659188"/>
-              <a:ext cx="2102332" cy="600666"/>
-            </a:xfrm>
-            <a:prstGeom prst="rect">
-              <a:avLst/>
-            </a:prstGeom>
-            <a:solidFill>
-              <a:schemeClr val="dk2">
-                <a:alpha val="80000"/>
-              </a:schemeClr>
-            </a:solidFill>
-            <a:ln w="19050">
-              <a:solidFill>
-                <a:schemeClr val="tx1">
-                  <a:lumMod val="75000"/>
-                  <a:alpha val="80000"/>
-                </a:schemeClr>
-              </a:solidFill>
-            </a:ln>
-            <a:effectLst/>
-          </p:spPr>
-          <p:style>
-            <a:lnRef idx="2">
-              <a:schemeClr val="accent1">
-                <a:shade val="50000"/>
-              </a:schemeClr>
-            </a:lnRef>
-            <a:fillRef idx="1001">
-              <a:schemeClr val="dk2"/>
-            </a:fillRef>
-            <a:effectRef idx="0">
-              <a:schemeClr val="accent1"/>
-            </a:effectRef>
-            <a:fontRef idx="minor">
-              <a:schemeClr val="lt1"/>
-            </a:fontRef>
-          </p:style>
-          <p:txBody>
-            <a:bodyPr rot="0" spcFirstLastPara="0" vertOverflow="overflow" horzOverflow="overflow" vert="horz" wrap="square" lIns="91416" tIns="45708" rIns="91416" bIns="45708" numCol="1" spcCol="0" rtlCol="0" fromWordArt="0" anchor="ctr" anchorCtr="0" forceAA="0" compatLnSpc="1">
-              <a:prstTxWarp prst="textNoShape">
-                <a:avLst/>
-              </a:prstTxWarp>
-              <a:noAutofit/>
-            </a:bodyPr>
-            <a:lstStyle/>
-            <a:p>
-              <a:pPr algn="ctr"/>
-              <a:endParaRPr lang="bg-BG" sz="2799" b="1" dirty="0">
-                <a:solidFill>
-                  <a:srgbClr val="FFFFFF"/>
-                </a:solidFill>
-                <a:effectLst>
-                  <a:outerShdw blurRad="38100" dist="38100" dir="2700000" algn="tl">
-                    <a:srgbClr val="000000">
-                      <a:alpha val="43137"/>
-                    </a:srgbClr>
-                  </a:outerShdw>
-                </a:effectLst>
-              </a:endParaRPr>
-            </a:p>
-          </p:txBody>
-        </p:sp>
-        <p:sp>
-          <p:nvSpPr>
-            <p:cNvPr id="19" name="TextBox 20">
-              <a:extLst>
-                <a:ext uri="{FF2B5EF4-FFF2-40B4-BE49-F238E27FC236}">
-                  <a16:creationId xmlns:a16="http://schemas.microsoft.com/office/drawing/2014/main" id="{DBBF4751-629A-4C32-8E8B-058F5C6EC611}"/>
-                </a:ext>
-              </a:extLst>
-            </p:cNvPr>
-            <p:cNvSpPr txBox="1"/>
-            <p:nvPr/>
-          </p:nvSpPr>
-          <p:spPr>
-            <a:xfrm>
-              <a:off x="1579625" y="2671644"/>
-              <a:ext cx="2102331" cy="575754"/>
-            </a:xfrm>
-            <a:prstGeom prst="rect">
-              <a:avLst/>
-            </a:prstGeom>
-            <a:noFill/>
-            <a:ln w="12700">
-              <a:noFill/>
-            </a:ln>
-          </p:spPr>
-          <p:txBody>
-            <a:bodyPr vert="horz" wrap="square" lIns="143963" tIns="107972" rIns="143963" bIns="107972" rtlCol="0">
-              <a:spAutoFit/>
-            </a:bodyPr>
-            <a:lstStyle/>
-            <a:p>
-              <a:pPr algn="ctr" eaLnBrk="0" hangingPunct="0">
-                <a:buClr>
-                  <a:schemeClr val="accent5">
-                    <a:lumMod val="40000"/>
-                    <a:lumOff val="60000"/>
-                  </a:schemeClr>
-                </a:buClr>
-                <a:buSzPct val="70000"/>
-              </a:pPr>
               <a:r>
                 <a:rPr lang="en-US" sz="1999" b="1" noProof="1">
                   <a:solidFill>
@@ -39770,632 +40543,114 @@
                   </a:solidFill>
                   <a:latin typeface="Consolas" pitchFamily="49" charset="0"/>
                 </a:rPr>
-                <a:t>i</a:t>
+                <a:t>i &lt;=</a:t>
               </a:r>
               <a:r>
-                <a:rPr lang="en-US" sz="1999" b="1" dirty="0">
+                <a:rPr lang="bg-BG" sz="1999" b="1" noProof="1">
                   <a:solidFill>
                     <a:schemeClr val="bg2"/>
                   </a:solidFill>
                   <a:latin typeface="Consolas" pitchFamily="49" charset="0"/>
                 </a:rPr>
-                <a:t> = </a:t>
+                <a:t> 12</a:t>
               </a:r>
-              <a:r>
-                <a:rPr lang="en-US" sz="1999" b="1" noProof="1">
-                  <a:solidFill>
-                    <a:schemeClr val="bg2"/>
-                  </a:solidFill>
-                  <a:latin typeface="Consolas" pitchFamily="49" charset="0"/>
-                </a:rPr>
-                <a:t>1</a:t>
-              </a:r>
-              <a:endParaRPr lang="bg-BG" sz="1999" b="1" noProof="1">
+              <a:endParaRPr lang="en-US" sz="2399" b="1" dirty="0">
                 <a:solidFill>
                   <a:schemeClr val="bg2"/>
                 </a:solidFill>
-                <a:latin typeface="Consolas" pitchFamily="49" charset="0"/>
               </a:endParaRPr>
             </a:p>
           </p:txBody>
         </p:sp>
-        <p:grpSp>
-          <p:nvGrpSpPr>
-            <p:cNvPr id="5" name="Групиране 19">
-              <a:extLst>
-                <a:ext uri="{FF2B5EF4-FFF2-40B4-BE49-F238E27FC236}">
-                  <a16:creationId xmlns:a16="http://schemas.microsoft.com/office/drawing/2014/main" id="{8AEC38A1-D6C5-4A74-9A8B-898BFC67440A}"/>
-                </a:ext>
-              </a:extLst>
-            </p:cNvPr>
-            <p:cNvGrpSpPr/>
-            <p:nvPr/>
-          </p:nvGrpSpPr>
-          <p:grpSpPr>
-            <a:xfrm>
-              <a:off x="1663788" y="3765742"/>
-              <a:ext cx="1978159" cy="1122841"/>
-              <a:chOff x="2010580" y="3962382"/>
-              <a:chExt cx="1806822" cy="1025587"/>
-            </a:xfrm>
-          </p:grpSpPr>
-          <p:sp>
-            <p:nvSpPr>
-              <p:cNvPr id="23" name="Flowchart: Decision 22">
-                <a:extLst>
-                  <a:ext uri="{FF2B5EF4-FFF2-40B4-BE49-F238E27FC236}">
-                    <a16:creationId xmlns:a16="http://schemas.microsoft.com/office/drawing/2014/main" id="{346C756F-FFAD-40AC-9353-E6B881B9E394}"/>
-                  </a:ext>
-                </a:extLst>
-              </p:cNvPr>
-              <p:cNvSpPr/>
-              <p:nvPr/>
-            </p:nvSpPr>
-            <p:spPr bwMode="auto">
-              <a:xfrm>
-                <a:off x="2010580" y="3962382"/>
-                <a:ext cx="1806822" cy="1025587"/>
-              </a:xfrm>
-              <a:prstGeom prst="flowChartDecision">
-                <a:avLst/>
-              </a:prstGeom>
-              <a:solidFill>
-                <a:schemeClr val="dk2">
-                  <a:alpha val="80000"/>
-                </a:schemeClr>
-              </a:solidFill>
-              <a:ln w="19050">
-                <a:solidFill>
-                  <a:schemeClr val="tx1">
-                    <a:lumMod val="75000"/>
-                    <a:alpha val="80000"/>
-                  </a:schemeClr>
-                </a:solidFill>
-              </a:ln>
-              <a:effectLst/>
-            </p:spPr>
-            <p:style>
-              <a:lnRef idx="2">
-                <a:schemeClr val="accent1">
-                  <a:shade val="50000"/>
-                </a:schemeClr>
-              </a:lnRef>
-              <a:fillRef idx="1001">
-                <a:schemeClr val="dk2"/>
-              </a:fillRef>
-              <a:effectRef idx="0">
-                <a:schemeClr val="accent1"/>
-              </a:effectRef>
-              <a:fontRef idx="minor">
-                <a:schemeClr val="lt1"/>
-              </a:fontRef>
-            </p:style>
-            <p:txBody>
-              <a:bodyPr rot="0" spcFirstLastPara="0" vertOverflow="overflow" horzOverflow="overflow" vert="horz" wrap="square" lIns="91416" tIns="45708" rIns="91416" bIns="45708" numCol="1" spcCol="0" rtlCol="0" fromWordArt="0" anchor="ctr" anchorCtr="0" forceAA="0" compatLnSpc="1">
-                <a:prstTxWarp prst="textNoShape">
-                  <a:avLst/>
-                </a:prstTxWarp>
-                <a:noAutofit/>
-              </a:bodyPr>
-              <a:lstStyle/>
-              <a:p>
-                <a:pPr algn="ctr"/>
-                <a:endParaRPr lang="en-US" sz="1799" dirty="0">
-                  <a:solidFill>
-                    <a:schemeClr val="bg2"/>
-                  </a:solidFill>
-                  <a:effectLst>
-                    <a:outerShdw blurRad="38100" dist="38100" dir="2700000" algn="tl">
-                      <a:srgbClr val="000000">
-                        <a:alpha val="43137"/>
-                      </a:srgbClr>
-                    </a:outerShdw>
-                  </a:effectLst>
-                </a:endParaRPr>
-              </a:p>
-            </p:txBody>
-          </p:sp>
-          <p:sp>
-            <p:nvSpPr>
-              <p:cNvPr id="24" name="Rectangle 23">
-                <a:extLst>
-                  <a:ext uri="{FF2B5EF4-FFF2-40B4-BE49-F238E27FC236}">
-                    <a16:creationId xmlns:a16="http://schemas.microsoft.com/office/drawing/2014/main" id="{25C1882C-3B72-4189-9327-D11081D6E9A1}"/>
-                  </a:ext>
-                </a:extLst>
-              </p:cNvPr>
-              <p:cNvSpPr/>
-              <p:nvPr/>
-            </p:nvSpPr>
-            <p:spPr>
-              <a:xfrm>
-                <a:off x="2055450" y="4244343"/>
-                <a:ext cx="1717081" cy="393788"/>
-              </a:xfrm>
-              <a:prstGeom prst="rect">
-                <a:avLst/>
-              </a:prstGeom>
-            </p:spPr>
-            <p:txBody>
-              <a:bodyPr wrap="square">
-                <a:spAutoFit/>
-              </a:bodyPr>
-              <a:lstStyle/>
-              <a:p>
-                <a:pPr algn="ctr"/>
-                <a:r>
-                  <a:rPr lang="en-US" sz="1999" b="1" noProof="1">
-                    <a:solidFill>
-                      <a:schemeClr val="bg2"/>
-                    </a:solidFill>
-                    <a:latin typeface="Consolas" pitchFamily="49" charset="0"/>
-                  </a:rPr>
-                  <a:t>i &lt;=</a:t>
-                </a:r>
-                <a:r>
-                  <a:rPr lang="bg-BG" sz="1999" b="1" noProof="1">
-                    <a:solidFill>
-                      <a:schemeClr val="bg2"/>
-                    </a:solidFill>
-                    <a:latin typeface="Consolas" pitchFamily="49" charset="0"/>
-                  </a:rPr>
-                  <a:t> 12</a:t>
-                </a:r>
-                <a:endParaRPr lang="en-US" sz="2399" b="1" dirty="0">
-                  <a:solidFill>
-                    <a:schemeClr val="bg2"/>
-                  </a:solidFill>
-                </a:endParaRPr>
-              </a:p>
-            </p:txBody>
-          </p:sp>
-        </p:grpSp>
-        <p:cxnSp>
-          <p:nvCxnSpPr>
-            <p:cNvPr id="21" name="Straight Arrow Connector 27">
-              <a:extLst>
-                <a:ext uri="{FF2B5EF4-FFF2-40B4-BE49-F238E27FC236}">
-                  <a16:creationId xmlns:a16="http://schemas.microsoft.com/office/drawing/2014/main" id="{9D55D745-31FB-48E9-84FE-56787BEC19A8}"/>
-                </a:ext>
-              </a:extLst>
-            </p:cNvPr>
-            <p:cNvCxnSpPr>
-              <a:cxnSpLocks/>
-            </p:cNvCxnSpPr>
-            <p:nvPr/>
-          </p:nvCxnSpPr>
-          <p:spPr>
-            <a:xfrm rot="5400000">
-              <a:off x="2444250" y="3518536"/>
-              <a:ext cx="417235" cy="3041"/>
-            </a:xfrm>
-            <a:prstGeom prst="straightConnector1">
-              <a:avLst/>
-            </a:prstGeom>
-            <a:ln w="57150">
-              <a:tailEnd type="triangle"/>
-            </a:ln>
-          </p:spPr>
-          <p:style>
-            <a:lnRef idx="1">
-              <a:schemeClr val="accent1"/>
-            </a:lnRef>
-            <a:fillRef idx="0">
-              <a:schemeClr val="accent1"/>
-            </a:fillRef>
-            <a:effectRef idx="0">
-              <a:schemeClr val="accent1"/>
-            </a:effectRef>
-            <a:fontRef idx="minor">
-              <a:schemeClr val="tx1"/>
-            </a:fontRef>
-          </p:style>
-        </p:cxnSp>
-        <p:cxnSp>
-          <p:nvCxnSpPr>
-            <p:cNvPr id="22" name="Straight Arrow Connector 27">
-              <a:extLst>
-                <a:ext uri="{FF2B5EF4-FFF2-40B4-BE49-F238E27FC236}">
-                  <a16:creationId xmlns:a16="http://schemas.microsoft.com/office/drawing/2014/main" id="{81F86AD4-125A-4CA5-9BCA-0891B7F60E9B}"/>
-                </a:ext>
-              </a:extLst>
-            </p:cNvPr>
-            <p:cNvCxnSpPr>
-              <a:cxnSpLocks/>
-            </p:cNvCxnSpPr>
-            <p:nvPr/>
-          </p:nvCxnSpPr>
-          <p:spPr>
-            <a:xfrm rot="5400000">
-              <a:off x="2444250" y="5126074"/>
-              <a:ext cx="417235" cy="3041"/>
-            </a:xfrm>
-            <a:prstGeom prst="straightConnector1">
-              <a:avLst/>
-            </a:prstGeom>
-            <a:ln w="57150">
-              <a:tailEnd type="triangle"/>
-            </a:ln>
-          </p:spPr>
-          <p:style>
-            <a:lnRef idx="1">
-              <a:schemeClr val="accent1"/>
-            </a:lnRef>
-            <a:fillRef idx="0">
-              <a:schemeClr val="accent1"/>
-            </a:fillRef>
-            <a:effectRef idx="0">
-              <a:schemeClr val="accent1"/>
-            </a:effectRef>
-            <a:fontRef idx="minor">
-              <a:schemeClr val="tx1"/>
-            </a:fontRef>
-          </p:style>
-        </p:cxnSp>
       </p:grpSp>
-      <p:sp>
-        <p:nvSpPr>
-          <p:cNvPr id="26" name="Slide Number">
+      <p:cxnSp>
+        <p:nvCxnSpPr>
+          <p:cNvPr id="21" name="Straight Arrow Connector 27">
             <a:extLst>
               <a:ext uri="{FF2B5EF4-FFF2-40B4-BE49-F238E27FC236}">
-                <a16:creationId xmlns:a16="http://schemas.microsoft.com/office/drawing/2014/main" id="{49D132EE-557C-4353-935F-67420A5D8DEE}"/>
+                <a16:creationId xmlns:a16="http://schemas.microsoft.com/office/drawing/2014/main" id="{9D55D745-31FB-48E9-84FE-56787BEC19A8}"/>
               </a:ext>
             </a:extLst>
           </p:cNvPr>
-          <p:cNvSpPr txBox="1">
-            <a:spLocks/>
-          </p:cNvSpPr>
+          <p:cNvCxnSpPr>
+            <a:cxnSpLocks/>
+          </p:cNvCxnSpPr>
           <p:nvPr/>
-        </p:nvSpPr>
+        </p:nvCxnSpPr>
         <p:spPr>
-          <a:xfrm>
-            <a:off x="11753030" y="6507000"/>
-            <a:ext cx="367414" cy="297000"/>
+          <a:xfrm rot="5400000">
+            <a:off x="9045893" y="2418675"/>
+            <a:ext cx="383298" cy="2345"/>
           </a:xfrm>
-          <a:prstGeom prst="rect">
+          <a:prstGeom prst="straightConnector1">
             <a:avLst/>
           </a:prstGeom>
+          <a:ln w="57150">
+            <a:tailEnd type="triangle"/>
+          </a:ln>
         </p:spPr>
-        <p:txBody>
-          <a:bodyPr vert="horz" lIns="91440" tIns="45720" rIns="91440" bIns="45720" rtlCol="0" anchor="b"/>
-          <a:lstStyle>
-            <a:defPPr>
-              <a:defRPr lang="en-US"/>
-            </a:defPPr>
-            <a:lvl1pPr marL="0" algn="r" defTabSz="914400" rtl="0" eaLnBrk="1" latinLnBrk="0" hangingPunct="1">
-              <a:defRPr sz="1000" kern="1200">
-                <a:solidFill>
-                  <a:schemeClr val="tx1"/>
-                </a:solidFill>
-                <a:latin typeface="+mn-lt"/>
-                <a:ea typeface="+mn-ea"/>
-                <a:cs typeface="+mn-cs"/>
-              </a:defRPr>
-            </a:lvl1pPr>
-            <a:lvl2pPr marL="457200" algn="l" defTabSz="914400" rtl="0" eaLnBrk="1" latinLnBrk="0" hangingPunct="1">
-              <a:defRPr sz="1800" kern="1200">
-                <a:solidFill>
-                  <a:schemeClr val="tx1"/>
-                </a:solidFill>
-                <a:latin typeface="+mn-lt"/>
-                <a:ea typeface="+mn-ea"/>
-                <a:cs typeface="+mn-cs"/>
-              </a:defRPr>
-            </a:lvl2pPr>
-            <a:lvl3pPr marL="914400" algn="l" defTabSz="914400" rtl="0" eaLnBrk="1" latinLnBrk="0" hangingPunct="1">
-              <a:defRPr sz="1800" kern="1200">
-                <a:solidFill>
-                  <a:schemeClr val="tx1"/>
-                </a:solidFill>
-                <a:latin typeface="+mn-lt"/>
-                <a:ea typeface="+mn-ea"/>
-                <a:cs typeface="+mn-cs"/>
-              </a:defRPr>
-            </a:lvl3pPr>
-            <a:lvl4pPr marL="1371600" algn="l" defTabSz="914400" rtl="0" eaLnBrk="1" latinLnBrk="0" hangingPunct="1">
-              <a:defRPr sz="1800" kern="1200">
-                <a:solidFill>
-                  <a:schemeClr val="tx1"/>
-                </a:solidFill>
-                <a:latin typeface="+mn-lt"/>
-                <a:ea typeface="+mn-ea"/>
-                <a:cs typeface="+mn-cs"/>
-              </a:defRPr>
-            </a:lvl4pPr>
-            <a:lvl5pPr marL="1828800" algn="l" defTabSz="914400" rtl="0" eaLnBrk="1" latinLnBrk="0" hangingPunct="1">
-              <a:defRPr sz="1800" kern="1200">
-                <a:solidFill>
-                  <a:schemeClr val="tx1"/>
-                </a:solidFill>
-                <a:latin typeface="+mn-lt"/>
-                <a:ea typeface="+mn-ea"/>
-                <a:cs typeface="+mn-cs"/>
-              </a:defRPr>
-            </a:lvl5pPr>
-            <a:lvl6pPr marL="2286000" algn="l" defTabSz="914400" rtl="0" eaLnBrk="1" latinLnBrk="0" hangingPunct="1">
-              <a:defRPr sz="1800" kern="1200">
-                <a:solidFill>
-                  <a:schemeClr val="tx1"/>
-                </a:solidFill>
-                <a:latin typeface="+mn-lt"/>
-                <a:ea typeface="+mn-ea"/>
-                <a:cs typeface="+mn-cs"/>
-              </a:defRPr>
-            </a:lvl6pPr>
-            <a:lvl7pPr marL="2743200" algn="l" defTabSz="914400" rtl="0" eaLnBrk="1" latinLnBrk="0" hangingPunct="1">
-              <a:defRPr sz="1800" kern="1200">
-                <a:solidFill>
-                  <a:schemeClr val="tx1"/>
-                </a:solidFill>
-                <a:latin typeface="+mn-lt"/>
-                <a:ea typeface="+mn-ea"/>
-                <a:cs typeface="+mn-cs"/>
-              </a:defRPr>
-            </a:lvl7pPr>
-            <a:lvl8pPr marL="3200400" algn="l" defTabSz="914400" rtl="0" eaLnBrk="1" latinLnBrk="0" hangingPunct="1">
-              <a:defRPr sz="1800" kern="1200">
-                <a:solidFill>
-                  <a:schemeClr val="tx1"/>
-                </a:solidFill>
-                <a:latin typeface="+mn-lt"/>
-                <a:ea typeface="+mn-ea"/>
-                <a:cs typeface="+mn-cs"/>
-              </a:defRPr>
-            </a:lvl8pPr>
-            <a:lvl9pPr marL="3657600" algn="l" defTabSz="914400" rtl="0" eaLnBrk="1" latinLnBrk="0" hangingPunct="1">
-              <a:defRPr sz="1800" kern="1200">
-                <a:solidFill>
-                  <a:schemeClr val="tx1"/>
-                </a:solidFill>
-                <a:latin typeface="+mn-lt"/>
-                <a:ea typeface="+mn-ea"/>
-                <a:cs typeface="+mn-cs"/>
-              </a:defRPr>
-            </a:lvl9pPr>
-          </a:lstStyle>
-          <a:p>
-            <a:fld id="{2BF067CD-8E6B-4360-9AA8-C5DF2A48A6D1}" type="slidenum">
-              <a:rPr lang="en-US" smtClean="0"/>
-              <a:pPr/>
-              <a:t>5</a:t>
-            </a:fld>
-            <a:endParaRPr lang="en-US" dirty="0"/>
-          </a:p>
-        </p:txBody>
-      </p:sp>
-      <p:sp>
-        <p:nvSpPr>
-          <p:cNvPr id="25" name="Text Placeholder 1">
+        <p:style>
+          <a:lnRef idx="1">
+            <a:schemeClr val="accent1"/>
+          </a:lnRef>
+          <a:fillRef idx="0">
+            <a:schemeClr val="accent1"/>
+          </a:fillRef>
+          <a:effectRef idx="0">
+            <a:schemeClr val="accent1"/>
+          </a:effectRef>
+          <a:fontRef idx="minor">
+            <a:schemeClr val="tx1"/>
+          </a:fontRef>
+        </p:style>
+      </p:cxnSp>
+      <p:cxnSp>
+        <p:nvCxnSpPr>
+          <p:cNvPr id="22" name="Straight Arrow Connector 27">
             <a:extLst>
               <a:ext uri="{FF2B5EF4-FFF2-40B4-BE49-F238E27FC236}">
-                <a16:creationId xmlns:a16="http://schemas.microsoft.com/office/drawing/2014/main" id="{9110992C-5185-43F2-89F9-090B4CD629EA}"/>
+                <a16:creationId xmlns:a16="http://schemas.microsoft.com/office/drawing/2014/main" id="{81F86AD4-125A-4CA5-9BCA-0891B7F60E9B}"/>
               </a:ext>
             </a:extLst>
           </p:cNvPr>
-          <p:cNvSpPr txBox="1">
-            <a:spLocks/>
-          </p:cNvSpPr>
+          <p:cNvCxnSpPr>
+            <a:cxnSpLocks/>
+          </p:cNvCxnSpPr>
           <p:nvPr/>
-        </p:nvSpPr>
+        </p:nvCxnSpPr>
         <p:spPr>
-          <a:xfrm>
-            <a:off x="190451" y="1196708"/>
-            <a:ext cx="6232836" cy="3132058"/>
+          <a:xfrm rot="5400000">
+            <a:off x="9045893" y="3895458"/>
+            <a:ext cx="383298" cy="2345"/>
           </a:xfrm>
-          <a:prstGeom prst="rect">
+          <a:prstGeom prst="straightConnector1">
             <a:avLst/>
           </a:prstGeom>
+          <a:ln w="57150">
+            <a:tailEnd type="triangle"/>
+          </a:ln>
         </p:spPr>
-        <p:txBody>
-          <a:bodyPr vert="horz" lIns="107972" tIns="35991" rIns="107972" bIns="35991" rtlCol="0">
-            <a:noAutofit/>
-          </a:bodyPr>
-          <a:lstStyle>
-            <a:lvl1pPr marL="360363" indent="-360363" algn="l" defTabSz="1218438" rtl="0" eaLnBrk="1" latinLnBrk="0" hangingPunct="1">
-              <a:lnSpc>
-                <a:spcPct val="105000"/>
-              </a:lnSpc>
-              <a:spcBef>
-                <a:spcPts val="600"/>
-              </a:spcBef>
-              <a:spcAft>
-                <a:spcPts val="600"/>
-              </a:spcAft>
-              <a:buFont typeface="Wingdings" panose="05000000000000000000" pitchFamily="2" charset="2"/>
-              <a:buChar char="§"/>
-              <a:defRPr sz="3398" kern="1200">
-                <a:solidFill>
-                  <a:schemeClr val="tx1"/>
-                </a:solidFill>
-                <a:latin typeface="+mn-lt"/>
-                <a:ea typeface="+mn-ea"/>
-                <a:cs typeface="+mn-cs"/>
-              </a:defRPr>
-            </a:lvl1pPr>
-            <a:lvl2pPr marL="803275" indent="-360363" algn="l" defTabSz="1218438" rtl="0" eaLnBrk="1" latinLnBrk="0" hangingPunct="1">
-              <a:lnSpc>
-                <a:spcPct val="105000"/>
-              </a:lnSpc>
-              <a:spcBef>
-                <a:spcPts val="600"/>
-              </a:spcBef>
-              <a:spcAft>
-                <a:spcPts val="600"/>
-              </a:spcAft>
-              <a:buFont typeface="Wingdings" panose="05000000000000000000" pitchFamily="2" charset="2"/>
-              <a:buChar char="§"/>
-              <a:defRPr sz="3198" kern="1200">
-                <a:solidFill>
-                  <a:schemeClr val="tx1"/>
-                </a:solidFill>
-                <a:latin typeface="+mn-lt"/>
-                <a:ea typeface="+mn-ea"/>
-                <a:cs typeface="+mn-cs"/>
-              </a:defRPr>
-            </a:lvl2pPr>
-            <a:lvl3pPr marL="1255713" indent="-360363" algn="l" defTabSz="1218438" rtl="0" eaLnBrk="1" latinLnBrk="0" hangingPunct="1">
-              <a:lnSpc>
-                <a:spcPct val="105000"/>
-              </a:lnSpc>
-              <a:spcBef>
-                <a:spcPts val="600"/>
-              </a:spcBef>
-              <a:spcAft>
-                <a:spcPts val="600"/>
-              </a:spcAft>
-              <a:buFont typeface="Wingdings" panose="05000000000000000000" pitchFamily="2" charset="2"/>
-              <a:buChar char="§"/>
-              <a:defRPr sz="2998" kern="1200">
-                <a:solidFill>
-                  <a:schemeClr val="tx1"/>
-                </a:solidFill>
-                <a:latin typeface="+mn-lt"/>
-                <a:ea typeface="+mn-ea"/>
-                <a:cs typeface="+mn-cs"/>
-              </a:defRPr>
-            </a:lvl3pPr>
-            <a:lvl4pPr marL="1700213" indent="-352425" algn="l" defTabSz="1218438" rtl="0" eaLnBrk="1" latinLnBrk="0" hangingPunct="1">
-              <a:lnSpc>
-                <a:spcPct val="105000"/>
-              </a:lnSpc>
-              <a:spcBef>
-                <a:spcPts val="600"/>
-              </a:spcBef>
-              <a:spcAft>
-                <a:spcPts val="600"/>
-              </a:spcAft>
-              <a:buFont typeface="Wingdings" panose="05000000000000000000" pitchFamily="2" charset="2"/>
-              <a:buChar char="§"/>
-              <a:defRPr sz="2798" kern="1200">
-                <a:solidFill>
-                  <a:schemeClr val="tx1"/>
-                </a:solidFill>
-                <a:latin typeface="+mn-lt"/>
-                <a:ea typeface="+mn-ea"/>
-                <a:cs typeface="+mn-cs"/>
-              </a:defRPr>
-            </a:lvl4pPr>
-            <a:lvl5pPr marL="2058988" indent="-266700" algn="l" defTabSz="1218438" rtl="0" eaLnBrk="1" latinLnBrk="0" hangingPunct="1">
-              <a:lnSpc>
-                <a:spcPct val="105000"/>
-              </a:lnSpc>
-              <a:spcBef>
-                <a:spcPts val="600"/>
-              </a:spcBef>
-              <a:spcAft>
-                <a:spcPts val="600"/>
-              </a:spcAft>
-              <a:buFont typeface="Wingdings" panose="05000000000000000000" pitchFamily="2" charset="2"/>
-              <a:buChar char="§"/>
-              <a:defRPr sz="2598" kern="1200">
-                <a:solidFill>
-                  <a:schemeClr val="tx1"/>
-                </a:solidFill>
-                <a:latin typeface="+mn-lt"/>
-                <a:ea typeface="+mn-ea"/>
-                <a:cs typeface="+mn-cs"/>
-              </a:defRPr>
-            </a:lvl5pPr>
-            <a:lvl6pPr marL="3350704" indent="-304610" algn="l" defTabSz="1218438" rtl="0" eaLnBrk="1" latinLnBrk="1" hangingPunct="1">
-              <a:spcBef>
-                <a:spcPct val="20000"/>
-              </a:spcBef>
-              <a:buFont typeface="Arial" pitchFamily="34" charset="0"/>
-              <a:buChar char="•"/>
-              <a:defRPr sz="2665" kern="1200">
-                <a:solidFill>
-                  <a:schemeClr val="tx1"/>
-                </a:solidFill>
-                <a:latin typeface="+mn-lt"/>
-                <a:ea typeface="+mn-ea"/>
-                <a:cs typeface="+mn-cs"/>
-              </a:defRPr>
-            </a:lvl6pPr>
-            <a:lvl7pPr marL="3959924" indent="-304610" algn="l" defTabSz="1218438" rtl="0" eaLnBrk="1" latinLnBrk="1" hangingPunct="1">
-              <a:spcBef>
-                <a:spcPct val="20000"/>
-              </a:spcBef>
-              <a:buFont typeface="Arial" pitchFamily="34" charset="0"/>
-              <a:buChar char="•"/>
-              <a:defRPr sz="2665" kern="1200">
-                <a:solidFill>
-                  <a:schemeClr val="tx1"/>
-                </a:solidFill>
-                <a:latin typeface="+mn-lt"/>
-                <a:ea typeface="+mn-ea"/>
-                <a:cs typeface="+mn-cs"/>
-              </a:defRPr>
-            </a:lvl7pPr>
-            <a:lvl8pPr marL="4569143" indent="-304610" algn="l" defTabSz="1218438" rtl="0" eaLnBrk="1" latinLnBrk="1" hangingPunct="1">
-              <a:spcBef>
-                <a:spcPct val="20000"/>
-              </a:spcBef>
-              <a:buFont typeface="Arial" pitchFamily="34" charset="0"/>
-              <a:buChar char="•"/>
-              <a:defRPr sz="2665" kern="1200">
-                <a:solidFill>
-                  <a:schemeClr val="tx1"/>
-                </a:solidFill>
-                <a:latin typeface="+mn-lt"/>
-                <a:ea typeface="+mn-ea"/>
-                <a:cs typeface="+mn-cs"/>
-              </a:defRPr>
-            </a:lvl8pPr>
-            <a:lvl9pPr marL="5178362" indent="-304610" algn="l" defTabSz="1218438" rtl="0" eaLnBrk="1" latinLnBrk="1" hangingPunct="1">
-              <a:spcBef>
-                <a:spcPct val="20000"/>
-              </a:spcBef>
-              <a:buFont typeface="Arial" pitchFamily="34" charset="0"/>
-              <a:buChar char="•"/>
-              <a:defRPr sz="2665" kern="1200">
-                <a:solidFill>
-                  <a:schemeClr val="tx1"/>
-                </a:solidFill>
-                <a:latin typeface="+mn-lt"/>
-                <a:ea typeface="+mn-ea"/>
-                <a:cs typeface="+mn-cs"/>
-              </a:defRPr>
-            </a:lvl9pPr>
-          </a:lstStyle>
-          <a:p>
-            <a:pPr marL="456778" indent="-456778" eaLnBrk="0" hangingPunct="0"/>
-            <a:r>
-              <a:rPr lang="bg-BG" sz="3599" dirty="0"/>
-              <a:t>Циклите в програмирането ни позволяват да </a:t>
-            </a:r>
-            <a:r>
-              <a:rPr lang="bg-BG" sz="3599" b="1" dirty="0">
-                <a:solidFill>
-                  <a:schemeClr val="bg1"/>
-                </a:solidFill>
-              </a:rPr>
-              <a:t>повтаряме</a:t>
-            </a:r>
-            <a:r>
-              <a:rPr lang="bg-BG" sz="3599" dirty="0"/>
-              <a:t> </a:t>
-            </a:r>
-            <a:r>
-              <a:rPr lang="bg-BG" sz="3599" b="1" dirty="0">
-                <a:solidFill>
-                  <a:schemeClr val="bg1"/>
-                </a:solidFill>
-              </a:rPr>
-              <a:t>едни и същи действия </a:t>
-            </a:r>
-            <a:r>
-              <a:rPr lang="bg-BG" sz="3599" dirty="0"/>
-              <a:t>определен брой пъти:</a:t>
-            </a:r>
-          </a:p>
-        </p:txBody>
-      </p:sp>
+        <p:style>
+          <a:lnRef idx="1">
+            <a:schemeClr val="accent1"/>
+          </a:lnRef>
+          <a:fillRef idx="0">
+            <a:schemeClr val="accent1"/>
+          </a:fillRef>
+          <a:effectRef idx="0">
+            <a:schemeClr val="accent1"/>
+          </a:effectRef>
+          <a:fontRef idx="minor">
+            <a:schemeClr val="tx1"/>
+          </a:fontRef>
+        </p:style>
+      </p:cxnSp>
       <p:sp>
         <p:nvSpPr>
-          <p:cNvPr id="7" name="Rectangle: Rounded Corners 6">
+          <p:cNvPr id="20" name="Rectangle 32">
             <a:extLst>
               <a:ext uri="{FF2B5EF4-FFF2-40B4-BE49-F238E27FC236}">
-                <a16:creationId xmlns:a16="http://schemas.microsoft.com/office/drawing/2014/main" id="{11BB5436-C152-C2F4-B2AE-17EFE34D4ADA}"/>
+                <a16:creationId xmlns:a16="http://schemas.microsoft.com/office/drawing/2014/main" id="{C92AADD0-5923-B3C6-BB9E-3AF344141D56}"/>
               </a:ext>
             </a:extLst>
           </p:cNvPr>
@@ -40404,16 +40659,16 @@
         </p:nvSpPr>
         <p:spPr bwMode="auto">
           <a:xfrm>
-            <a:off x="7905487" y="4855738"/>
-            <a:ext cx="3864444" cy="1739171"/>
+            <a:off x="8414618" y="5216677"/>
+            <a:ext cx="1616361" cy="551809"/>
           </a:xfrm>
-          <a:prstGeom prst="roundRect">
+          <a:prstGeom prst="rect">
             <a:avLst/>
           </a:prstGeom>
           <a:solidFill>
-            <a:srgbClr val="FFFF00">
+            <a:schemeClr val="dk2">
               <a:alpha val="80000"/>
-            </a:srgbClr>
+            </a:schemeClr>
           </a:solidFill>
           <a:ln w="19050">
             <a:solidFill>
@@ -40442,7 +40697,7 @@
           </a:fontRef>
         </p:style>
         <p:txBody>
-          <a:bodyPr rot="0" spcFirstLastPara="0" vertOverflow="overflow" horzOverflow="overflow" vert="horz" wrap="square" lIns="91440" tIns="45720" rIns="91440" bIns="45720" numCol="1" spcCol="0" rtlCol="0" fromWordArt="0" anchor="ctr" anchorCtr="0" forceAA="0" compatLnSpc="1">
+          <a:bodyPr rot="0" spcFirstLastPara="0" vertOverflow="overflow" horzOverflow="overflow" vert="horz" wrap="square" lIns="91416" tIns="45708" rIns="91416" bIns="45708" numCol="1" spcCol="0" rtlCol="0" fromWordArt="0" anchor="ctr" anchorCtr="0" forceAA="0" compatLnSpc="1">
             <a:prstTxWarp prst="textNoShape">
               <a:avLst/>
             </a:prstTxWarp>
@@ -40451,159 +40706,330 @@
           <a:lstStyle/>
           <a:p>
             <a:pPr algn="ctr"/>
-            <a:r>
-              <a:rPr lang="en-US" sz="2800" dirty="0">
-                <a:ln w="0"/>
-                <a:solidFill>
-                  <a:schemeClr val="tx1"/>
-                </a:solidFill>
-                <a:effectLst>
-                  <a:outerShdw blurRad="38100" dist="19050" dir="2700000" algn="tl" rotWithShape="0">
-                    <a:schemeClr val="dk1">
-                      <a:alpha val="40000"/>
-                    </a:schemeClr>
-                  </a:outerShdw>
-                </a:effectLst>
-              </a:rPr>
-              <a:t>TODO:</a:t>
-            </a:r>
-          </a:p>
-          <a:p>
-            <a:pPr algn="ctr"/>
-            <a:r>
-              <a:rPr lang="bg-BG" sz="2800" dirty="0">
-                <a:ln w="0"/>
-                <a:solidFill>
-                  <a:schemeClr val="tx1"/>
-                </a:solidFill>
-                <a:effectLst>
-                  <a:outerShdw blurRad="38100" dist="19050" dir="2700000" algn="tl" rotWithShape="0">
-                    <a:schemeClr val="dk1">
-                      <a:alpha val="40000"/>
-                    </a:schemeClr>
-                  </a:outerShdw>
-                </a:effectLst>
-              </a:rPr>
-              <a:t>2 отделни стъпки:</a:t>
-            </a:r>
-          </a:p>
-          <a:p>
-            <a:pPr algn="ctr"/>
-            <a:r>
-              <a:rPr lang="en-US" sz="2800" dirty="0">
-                <a:ln w="0"/>
-                <a:solidFill>
-                  <a:schemeClr val="tx1"/>
-                </a:solidFill>
-                <a:effectLst>
-                  <a:outerShdw blurRad="38100" dist="19050" dir="2700000" algn="tl" rotWithShape="0">
-                    <a:schemeClr val="dk1">
-                      <a:alpha val="40000"/>
-                    </a:schemeClr>
-                  </a:outerShdw>
-                </a:effectLst>
-              </a:rPr>
-              <a:t>Print </a:t>
-            </a:r>
-            <a:r>
-              <a:rPr lang="en-US" sz="2800" dirty="0" err="1">
-                <a:ln w="0"/>
-                <a:solidFill>
-                  <a:schemeClr val="tx1"/>
-                </a:solidFill>
-                <a:effectLst>
-                  <a:outerShdw blurRad="38100" dist="19050" dir="2700000" algn="tl" rotWithShape="0">
-                    <a:schemeClr val="dk1">
-                      <a:alpha val="40000"/>
-                    </a:schemeClr>
-                  </a:outerShdw>
-                </a:effectLst>
-              </a:rPr>
-              <a:t>i</a:t>
-            </a:r>
-            <a:endParaRPr lang="en-US" sz="2800" dirty="0">
-              <a:ln w="0"/>
+            <a:endParaRPr lang="bg-BG" sz="2799" b="1" dirty="0">
               <a:solidFill>
-                <a:schemeClr val="tx1"/>
+                <a:srgbClr val="FFFFFF"/>
               </a:solidFill>
               <a:effectLst>
-                <a:outerShdw blurRad="38100" dist="19050" dir="2700000" algn="tl" rotWithShape="0">
-                  <a:schemeClr val="dk1">
-                    <a:alpha val="40000"/>
-                  </a:schemeClr>
+                <a:outerShdw blurRad="38100" dist="38100" dir="2700000" algn="tl">
+                  <a:srgbClr val="000000">
+                    <a:alpha val="43137"/>
+                  </a:srgbClr>
                 </a:outerShdw>
               </a:effectLst>
             </a:endParaRPr>
           </a:p>
-          <a:p>
-            <a:pPr algn="ctr"/>
-            <a:r>
-              <a:rPr lang="en-US" sz="2800" dirty="0" err="1">
-                <a:ln w="0"/>
-                <a:solidFill>
-                  <a:schemeClr val="tx1"/>
+        </p:txBody>
+      </p:sp>
+      <p:sp>
+        <p:nvSpPr>
+          <p:cNvPr id="27" name="TextBox 33">
+            <a:extLst>
+              <a:ext uri="{FF2B5EF4-FFF2-40B4-BE49-F238E27FC236}">
+                <a16:creationId xmlns:a16="http://schemas.microsoft.com/office/drawing/2014/main" id="{E36DE485-7341-BF08-490E-A38AE0B6BD36}"/>
+              </a:ext>
+            </a:extLst>
+          </p:cNvPr>
+          <p:cNvSpPr txBox="1"/>
+          <p:nvPr/>
+        </p:nvSpPr>
+        <p:spPr>
+          <a:xfrm>
+            <a:off x="8414618" y="5216676"/>
+            <a:ext cx="1616361" cy="581685"/>
+          </a:xfrm>
+          <a:prstGeom prst="rect">
+            <a:avLst/>
+          </a:prstGeom>
+          <a:noFill/>
+          <a:ln w="12700">
+            <a:noFill/>
+          </a:ln>
+        </p:spPr>
+        <p:txBody>
+          <a:bodyPr vert="horz" wrap="square" lIns="143963" tIns="107972" rIns="143963" bIns="107972" rtlCol="0">
+            <a:spAutoFit/>
+          </a:bodyPr>
+          <a:lstStyle/>
+          <a:p>
+            <a:pPr algn="ctr" eaLnBrk="0" hangingPunct="0">
+              <a:buClr>
+                <a:schemeClr val="accent5">
+                  <a:lumMod val="40000"/>
+                  <a:lumOff val="60000"/>
+                </a:schemeClr>
+              </a:buClr>
+              <a:buSzPct val="70000"/>
+            </a:pPr>
+            <a:r>
+              <a:rPr lang="en-US" sz="2399" b="1" noProof="1">
+                <a:solidFill>
+                  <a:schemeClr val="bg2"/>
+                </a:solidFill>
+                <a:latin typeface="Consolas" pitchFamily="49" charset="0"/>
+              </a:rPr>
+              <a:t>i += </a:t>
+            </a:r>
+            <a:r>
+              <a:rPr lang="bg-BG" sz="2399" b="1" dirty="0">
+                <a:solidFill>
+                  <a:schemeClr val="bg2"/>
+                </a:solidFill>
+                <a:latin typeface="Consolas" pitchFamily="49" charset="0"/>
+              </a:rPr>
+              <a:t>1</a:t>
+            </a:r>
+            <a:endParaRPr lang="en-US" sz="2399" b="1" dirty="0">
+              <a:solidFill>
+                <a:schemeClr val="bg2"/>
+              </a:solidFill>
+              <a:latin typeface="Consolas" pitchFamily="49" charset="0"/>
+            </a:endParaRPr>
+          </a:p>
+        </p:txBody>
+      </p:sp>
+      <p:cxnSp>
+        <p:nvCxnSpPr>
+          <p:cNvPr id="30" name="Straight Arrow Connector 27">
+            <a:extLst>
+              <a:ext uri="{FF2B5EF4-FFF2-40B4-BE49-F238E27FC236}">
+                <a16:creationId xmlns:a16="http://schemas.microsoft.com/office/drawing/2014/main" id="{B223037B-E011-1E67-638A-057C9BEEA337}"/>
+              </a:ext>
+            </a:extLst>
+          </p:cNvPr>
+          <p:cNvCxnSpPr>
+            <a:cxnSpLocks/>
+          </p:cNvCxnSpPr>
+          <p:nvPr/>
+        </p:nvCxnSpPr>
+        <p:spPr>
+          <a:xfrm rot="5400000">
+            <a:off x="9027698" y="4977139"/>
+            <a:ext cx="383298" cy="2345"/>
+          </a:xfrm>
+          <a:prstGeom prst="straightConnector1">
+            <a:avLst/>
+          </a:prstGeom>
+          <a:ln w="57150">
+            <a:tailEnd type="triangle"/>
+          </a:ln>
+        </p:spPr>
+        <p:style>
+          <a:lnRef idx="1">
+            <a:schemeClr val="accent1"/>
+          </a:lnRef>
+          <a:fillRef idx="0">
+            <a:schemeClr val="accent1"/>
+          </a:fillRef>
+          <a:effectRef idx="0">
+            <a:schemeClr val="accent1"/>
+          </a:effectRef>
+          <a:fontRef idx="minor">
+            <a:schemeClr val="tx1"/>
+          </a:fontRef>
+        </p:style>
+      </p:cxnSp>
+      <p:grpSp>
+        <p:nvGrpSpPr>
+          <p:cNvPr id="70" name="Group 69">
+            <a:extLst>
+              <a:ext uri="{FF2B5EF4-FFF2-40B4-BE49-F238E27FC236}">
+                <a16:creationId xmlns:a16="http://schemas.microsoft.com/office/drawing/2014/main" id="{98BCBBFD-8942-4CA2-5D29-A0DBC50DC820}"/>
+              </a:ext>
+            </a:extLst>
+          </p:cNvPr>
+          <p:cNvGrpSpPr/>
+          <p:nvPr/>
+        </p:nvGrpSpPr>
+        <p:grpSpPr>
+          <a:xfrm>
+            <a:off x="7808378" y="3168342"/>
+            <a:ext cx="601683" cy="2539023"/>
+            <a:chOff x="7696464" y="1757842"/>
+            <a:chExt cx="601683" cy="3833196"/>
+          </a:xfrm>
+          <a:solidFill>
+            <a:schemeClr val="accent1"/>
+          </a:solidFill>
+        </p:grpSpPr>
+        <p:sp>
+          <p:nvSpPr>
+            <p:cNvPr id="61" name="Rectangle 60">
+              <a:extLst>
+                <a:ext uri="{FF2B5EF4-FFF2-40B4-BE49-F238E27FC236}">
+                  <a16:creationId xmlns:a16="http://schemas.microsoft.com/office/drawing/2014/main" id="{E5625489-DF1D-795C-E79D-FD9076150075}"/>
+                </a:ext>
+              </a:extLst>
+            </p:cNvPr>
+            <p:cNvSpPr/>
+            <p:nvPr/>
+          </p:nvSpPr>
+          <p:spPr bwMode="auto">
+            <a:xfrm>
+              <a:off x="7696464" y="1757842"/>
+              <a:ext cx="45719" cy="3751674"/>
+            </a:xfrm>
+            <a:prstGeom prst="rect">
+              <a:avLst/>
+            </a:prstGeom>
+            <a:grpFill/>
+            <a:ln w="19050">
+              <a:noFill/>
+            </a:ln>
+            <a:effectLst/>
+          </p:spPr>
+          <p:style>
+            <a:lnRef idx="2">
+              <a:schemeClr val="accent1">
+                <a:shade val="50000"/>
+              </a:schemeClr>
+            </a:lnRef>
+            <a:fillRef idx="1001">
+              <a:schemeClr val="dk2"/>
+            </a:fillRef>
+            <a:effectRef idx="0">
+              <a:schemeClr val="accent1"/>
+            </a:effectRef>
+            <a:fontRef idx="minor">
+              <a:schemeClr val="lt1"/>
+            </a:fontRef>
+          </p:style>
+          <p:txBody>
+            <a:bodyPr rot="0" spcFirstLastPara="0" vertOverflow="overflow" horzOverflow="overflow" vert="horz" wrap="square" lIns="91440" tIns="45720" rIns="91440" bIns="45720" numCol="1" spcCol="0" rtlCol="0" fromWordArt="0" anchor="ctr" anchorCtr="0" forceAA="0" compatLnSpc="1">
+              <a:prstTxWarp prst="textNoShape">
+                <a:avLst/>
+              </a:prstTxWarp>
+              <a:noAutofit/>
+            </a:bodyPr>
+            <a:lstStyle/>
+            <a:p>
+              <a:pPr algn="ctr"/>
+              <a:endParaRPr lang="en-BG" sz="2800" b="1" dirty="0">
+                <a:solidFill>
+                  <a:srgbClr val="FFFFFF"/>
                 </a:solidFill>
                 <a:effectLst>
-                  <a:outerShdw blurRad="38100" dist="19050" dir="2700000" algn="tl" rotWithShape="0">
-                    <a:schemeClr val="dk1">
-                      <a:alpha val="40000"/>
-                    </a:schemeClr>
+                  <a:outerShdw blurRad="38100" dist="38100" dir="2700000" algn="tl">
+                    <a:srgbClr val="000000">
+                      <a:alpha val="43137"/>
+                    </a:srgbClr>
                   </a:outerShdw>
                 </a:effectLst>
-              </a:rPr>
-              <a:t>i</a:t>
-            </a:r>
-            <a:r>
-              <a:rPr lang="en-US" sz="2800" dirty="0">
-                <a:ln w="0"/>
-                <a:solidFill>
-                  <a:schemeClr val="tx1"/>
+              </a:endParaRPr>
+            </a:p>
+          </p:txBody>
+        </p:sp>
+        <p:cxnSp>
+          <p:nvCxnSpPr>
+            <p:cNvPr id="65" name="Straight Arrow Connector 64">
+              <a:extLst>
+                <a:ext uri="{FF2B5EF4-FFF2-40B4-BE49-F238E27FC236}">
+                  <a16:creationId xmlns:a16="http://schemas.microsoft.com/office/drawing/2014/main" id="{853EA118-2CB5-E244-171E-588E1E358EBF}"/>
+                </a:ext>
+              </a:extLst>
+            </p:cNvPr>
+            <p:cNvCxnSpPr>
+              <a:cxnSpLocks/>
+              <a:stCxn id="61" idx="0"/>
+            </p:cNvCxnSpPr>
+            <p:nvPr/>
+          </p:nvCxnSpPr>
+          <p:spPr>
+            <a:xfrm>
+              <a:off x="7719324" y="1757842"/>
+              <a:ext cx="578823" cy="0"/>
+            </a:xfrm>
+            <a:prstGeom prst="straightConnector1">
+              <a:avLst/>
+            </a:prstGeom>
+            <a:grpFill/>
+            <a:ln w="50800">
+              <a:tailEnd type="triangle"/>
+            </a:ln>
+          </p:spPr>
+          <p:style>
+            <a:lnRef idx="1">
+              <a:schemeClr val="accent1"/>
+            </a:lnRef>
+            <a:fillRef idx="0">
+              <a:schemeClr val="accent1"/>
+            </a:fillRef>
+            <a:effectRef idx="0">
+              <a:schemeClr val="accent1"/>
+            </a:effectRef>
+            <a:fontRef idx="minor">
+              <a:schemeClr val="tx1"/>
+            </a:fontRef>
+          </p:style>
+        </p:cxnSp>
+        <p:sp>
+          <p:nvSpPr>
+            <p:cNvPr id="69" name="Rectangle 68">
+              <a:extLst>
+                <a:ext uri="{FF2B5EF4-FFF2-40B4-BE49-F238E27FC236}">
+                  <a16:creationId xmlns:a16="http://schemas.microsoft.com/office/drawing/2014/main" id="{2BED4D7D-21E6-464F-138C-BE179ED8EE5E}"/>
+                </a:ext>
+              </a:extLst>
+            </p:cNvPr>
+            <p:cNvSpPr/>
+            <p:nvPr/>
+          </p:nvSpPr>
+          <p:spPr bwMode="auto">
+            <a:xfrm>
+              <a:off x="7696464" y="5522015"/>
+              <a:ext cx="418860" cy="69023"/>
+            </a:xfrm>
+            <a:prstGeom prst="rect">
+              <a:avLst/>
+            </a:prstGeom>
+            <a:grpFill/>
+            <a:ln w="19050">
+              <a:noFill/>
+            </a:ln>
+            <a:effectLst/>
+          </p:spPr>
+          <p:style>
+            <a:lnRef idx="2">
+              <a:schemeClr val="accent1">
+                <a:shade val="50000"/>
+              </a:schemeClr>
+            </a:lnRef>
+            <a:fillRef idx="1001">
+              <a:schemeClr val="dk2"/>
+            </a:fillRef>
+            <a:effectRef idx="0">
+              <a:schemeClr val="accent1"/>
+            </a:effectRef>
+            <a:fontRef idx="minor">
+              <a:schemeClr val="lt1"/>
+            </a:fontRef>
+          </p:style>
+          <p:txBody>
+            <a:bodyPr rot="0" spcFirstLastPara="0" vertOverflow="overflow" horzOverflow="overflow" vert="horz" wrap="square" lIns="91440" tIns="45720" rIns="91440" bIns="45720" numCol="1" spcCol="0" rtlCol="0" fromWordArt="0" anchor="ctr" anchorCtr="0" forceAA="0" compatLnSpc="1">
+              <a:prstTxWarp prst="textNoShape">
+                <a:avLst/>
+              </a:prstTxWarp>
+              <a:noAutofit/>
+            </a:bodyPr>
+            <a:lstStyle/>
+            <a:p>
+              <a:pPr algn="ctr"/>
+              <a:endParaRPr lang="en-BG" sz="2800" b="1" dirty="0">
+                <a:solidFill>
+                  <a:srgbClr val="FFFFFF"/>
                 </a:solidFill>
                 <a:effectLst>
-                  <a:outerShdw blurRad="38100" dist="19050" dir="2700000" algn="tl" rotWithShape="0">
-                    <a:schemeClr val="dk1">
-                      <a:alpha val="40000"/>
-                    </a:schemeClr>
+                  <a:outerShdw blurRad="38100" dist="38100" dir="2700000" algn="tl">
+                    <a:srgbClr val="000000">
+                      <a:alpha val="43137"/>
+                    </a:srgbClr>
                   </a:outerShdw>
                 </a:effectLst>
-              </a:rPr>
-              <a:t> = </a:t>
-            </a:r>
-            <a:r>
-              <a:rPr lang="en-US" sz="2800" dirty="0" err="1">
-                <a:ln w="0"/>
-                <a:solidFill>
-                  <a:schemeClr val="tx1"/>
-                </a:solidFill>
-                <a:effectLst>
-                  <a:outerShdw blurRad="38100" dist="19050" dir="2700000" algn="tl" rotWithShape="0">
-                    <a:schemeClr val="dk1">
-                      <a:alpha val="40000"/>
-                    </a:schemeClr>
-                  </a:outerShdw>
-                </a:effectLst>
-              </a:rPr>
-              <a:t>i</a:t>
-            </a:r>
-            <a:r>
-              <a:rPr lang="en-US" sz="2800" dirty="0">
-                <a:ln w="0"/>
-                <a:solidFill>
-                  <a:schemeClr val="tx1"/>
-                </a:solidFill>
-                <a:effectLst>
-                  <a:outerShdw blurRad="38100" dist="19050" dir="2700000" algn="tl" rotWithShape="0">
-                    <a:schemeClr val="dk1">
-                      <a:alpha val="40000"/>
-                    </a:schemeClr>
-                  </a:outerShdw>
-                </a:effectLst>
-              </a:rPr>
-              <a:t> + 1</a:t>
-            </a:r>
-          </a:p>
-        </p:txBody>
-      </p:sp>
+              </a:endParaRPr>
+            </a:p>
+          </p:txBody>
+        </p:sp>
+      </p:grpSp>
     </p:spTree>
     <p:extLst>
       <p:ext uri="{BB962C8B-B14F-4D97-AF65-F5344CB8AC3E}">
@@ -40643,7 +41069,7 @@
                             </p:stCondLst>
                             <p:childTnLst>
                               <p:par>
-                                <p:cTn id="5" presetID="1" presetClass="entr" presetSubtype="0" fill="hold" nodeType="clickEffect">
+                                <p:cTn id="5" presetID="1" presetClass="entr" presetSubtype="0" fill="hold" grpId="0" nodeType="clickEffect">
                                   <p:stCondLst>
                                     <p:cond delay="0"/>
                                   </p:stCondLst>
@@ -40651,51 +41077,6 @@
                                     <p:set>
                                       <p:cBhvr>
                                         <p:cTn id="6" dur="1" fill="hold">
-                                          <p:stCondLst>
-                                            <p:cond delay="0"/>
-                                          </p:stCondLst>
-                                        </p:cTn>
-                                        <p:tgtEl>
-                                          <p:spTgt spid="3"/>
-                                        </p:tgtEl>
-                                        <p:attrNameLst>
-                                          <p:attrName>style.visibility</p:attrName>
-                                        </p:attrNameLst>
-                                      </p:cBhvr>
-                                      <p:to>
-                                        <p:strVal val="visible"/>
-                                      </p:to>
-                                    </p:set>
-                                  </p:childTnLst>
-                                </p:cTn>
-                              </p:par>
-                            </p:childTnLst>
-                          </p:cTn>
-                        </p:par>
-                      </p:childTnLst>
-                    </p:cTn>
-                  </p:par>
-                  <p:par>
-                    <p:cTn id="7" fill="hold">
-                      <p:stCondLst>
-                        <p:cond delay="indefinite"/>
-                      </p:stCondLst>
-                      <p:childTnLst>
-                        <p:par>
-                          <p:cTn id="8" fill="hold">
-                            <p:stCondLst>
-                              <p:cond delay="0"/>
-                            </p:stCondLst>
-                            <p:childTnLst>
-                              <p:par>
-                                <p:cTn id="9" presetID="1" presetClass="entr" presetSubtype="0" fill="hold" grpId="0" nodeType="clickEffect">
-                                  <p:stCondLst>
-                                    <p:cond delay="0"/>
-                                  </p:stCondLst>
-                                  <p:childTnLst>
-                                    <p:set>
-                                      <p:cBhvr>
-                                        <p:cTn id="10" dur="1" fill="hold">
                                           <p:stCondLst>
                                             <p:cond delay="0"/>
                                           </p:stCondLst>
@@ -41954,18 +42335,18 @@
           <a:p>
             <a:pPr latinLnBrk="0"/>
             <a:r>
-              <a:rPr lang="bg-BG" sz="4000" dirty="0">
+              <a:rPr lang="bg-BG" sz="3800" dirty="0">
                 <a:latin typeface="Calibri" panose="020F0502020204030204" pitchFamily="34" charset="0"/>
                 <a:cs typeface="Calibri" panose="020F0502020204030204" pitchFamily="34" charset="0"/>
               </a:rPr>
               <a:t>Напишете програма, която отпечатва числата от</a:t>
             </a:r>
             <a:r>
-              <a:rPr lang="bg-BG" sz="4000" dirty="0"/>
+              <a:rPr lang="bg-BG" sz="3800" dirty="0"/>
               <a:t> </a:t>
             </a:r>
             <a:r>
-              <a:rPr lang="bg-BG" sz="4000" b="1" dirty="0">
+              <a:rPr lang="bg-BG" sz="3800" b="1" dirty="0">
                 <a:solidFill>
                   <a:schemeClr val="bg1"/>
                 </a:solidFill>
@@ -41974,22 +42355,22 @@
               <a:t>1</a:t>
             </a:r>
             <a:r>
-              <a:rPr lang="bg-BG" sz="4000" dirty="0"/>
+              <a:rPr lang="bg-BG" sz="3800" dirty="0"/>
               <a:t> </a:t>
             </a:r>
             <a:r>
-              <a:rPr lang="bg-BG" sz="4000" dirty="0">
+              <a:rPr lang="bg-BG" sz="3800" dirty="0">
                 <a:latin typeface="Calibri" panose="020F0502020204030204" pitchFamily="34" charset="0"/>
                 <a:cs typeface="Calibri" panose="020F0502020204030204" pitchFamily="34" charset="0"/>
               </a:rPr>
               <a:t>до</a:t>
             </a:r>
             <a:r>
-              <a:rPr lang="en-US" sz="4000" dirty="0"/>
+              <a:rPr lang="en-US" sz="3800" dirty="0"/>
               <a:t> </a:t>
             </a:r>
             <a:r>
-              <a:rPr lang="en-US" sz="4000" b="1" dirty="0">
+              <a:rPr lang="en-US" sz="3800" b="1" dirty="0">
                 <a:solidFill>
                   <a:schemeClr val="bg1"/>
                 </a:solidFill>
@@ -41998,7 +42379,7 @@
               <a:t>1</a:t>
             </a:r>
             <a:r>
-              <a:rPr lang="bg-BG" sz="4000" b="1" dirty="0">
+              <a:rPr lang="bg-BG" sz="3800" b="1" dirty="0">
                 <a:solidFill>
                   <a:schemeClr val="bg1"/>
                 </a:solidFill>
@@ -42006,7 +42387,7 @@
               </a:rPr>
               <a:t>00</a:t>
             </a:r>
-            <a:endParaRPr lang="bg-BG" sz="4000" dirty="0">
+            <a:endParaRPr lang="bg-BG" sz="3800" dirty="0">
               <a:latin typeface="Calibri" panose="020F0502020204030204" pitchFamily="34" charset="0"/>
               <a:cs typeface="Calibri" panose="020F0502020204030204" pitchFamily="34" charset="0"/>
             </a:endParaRPr>
@@ -42665,21 +43046,7 @@
                 <a:latin typeface="Calibri" panose="020F0502020204030204" pitchFamily="34" charset="0"/>
                 <a:cs typeface="Calibri" panose="020F0502020204030204" pitchFamily="34" charset="0"/>
               </a:rPr>
-              <a:t>(</a:t>
-            </a:r>
-            <a:r>
-              <a:rPr lang="bg-BG" sz="3200" dirty="0" err="1">
-                <a:latin typeface="Calibri" panose="020F0502020204030204" pitchFamily="34" charset="0"/>
-                <a:cs typeface="Calibri" panose="020F0502020204030204" pitchFamily="34" charset="0"/>
-              </a:rPr>
-              <a:t>декрементира</a:t>
-            </a:r>
-            <a:r>
-              <a:rPr lang="bg-BG" sz="3200" dirty="0">
-                <a:latin typeface="Calibri" panose="020F0502020204030204" pitchFamily="34" charset="0"/>
-                <a:cs typeface="Calibri" panose="020F0502020204030204" pitchFamily="34" charset="0"/>
-              </a:rPr>
-              <a:t>)</a:t>
+              <a:t>(декрементиране)</a:t>
             </a:r>
           </a:p>
           <a:p>

--- a/Courses/Software-Sciences/Module-1-OOP-New/04.1-Loops-Basics/04.1-Loops-Basics.pptx
+++ b/Courses/Software-Sciences/Module-1-OOP-New/04.1-Loops-Basics/04.1-Loops-Basics.pptx
@@ -335,7 +335,7 @@
           <a:p>
             <a:fld id="{4E087215-0C8F-4762-A664-737A353EC9A4}" type="datetimeFigureOut">
               <a:rPr lang="bg-BG" smtClean="0"/>
-              <a:t>12.02.23 г.</a:t>
+              <a:t>4.05.23 г.</a:t>
             </a:fld>
             <a:endParaRPr lang="bg-BG"/>
           </a:p>
@@ -526,7 +526,7 @@
           <a:p>
             <a:fld id="{72D84649-876A-46C9-8472-14CB09C070D8}" type="datetimeFigureOut">
               <a:rPr lang="en-US" smtClean="0"/>
-              <a:t>2/12/23</a:t>
+              <a:t>5/4/23</a:t>
             </a:fld>
             <a:endParaRPr lang="en-US"/>
           </a:p>
@@ -26007,7 +26007,7 @@
                 </a:solidFill>
                 <a:hlinkClick r:id="rId2"/>
               </a:rPr>
-              <a:t>https://judge.softuni.org/Contests/Practice/Index/3898#5</a:t>
+              <a:t>https://judge.softuni.org/Contests/Practice/Index/3898#6</a:t>
             </a:r>
             <a:endParaRPr lang="en-US" sz="2000" u="sng" dirty="0">
               <a:solidFill>
@@ -27159,13 +27159,16 @@
               <a:t>Judge: </a:t>
             </a:r>
             <a:r>
-              <a:rPr lang="en-US" sz="2000" u="sng" dirty="0">
-                <a:solidFill>
-                  <a:schemeClr val="bg1"/>
-                </a:solidFill>
+              <a:rPr lang="en-US" sz="2000" dirty="0">
+                <a:hlinkClick r:id="rId3"/>
               </a:rPr>
-              <a:t>https://judge.softuni.org/Contests/Practice/Index/3898#6</a:t>
-            </a:r>
+              <a:t>https://judge.softuni.org/Contests/Practice/Index/3898#9</a:t>
+            </a:r>
+            <a:endParaRPr lang="en-US" sz="2000" u="sng" dirty="0">
+              <a:solidFill>
+                <a:schemeClr val="bg1"/>
+              </a:solidFill>
+            </a:endParaRPr>
           </a:p>
         </p:txBody>
       </p:sp>
@@ -35100,7 +35103,13 @@
               <a:rPr lang="en-US" sz="2199" dirty="0">
                 <a:hlinkClick r:id="rId2"/>
               </a:rPr>
-              <a:t>https://judge.softuni.org/Contests/Practice/Index/3898#8</a:t>
+              <a:t>https://judge.softuni.org</a:t>
+            </a:r>
+            <a:r>
+              <a:rPr lang="en-US" sz="2199">
+                <a:hlinkClick r:id="rId2"/>
+              </a:rPr>
+              <a:t>/Contests/Practice/Index/3898#14</a:t>
             </a:r>
             <a:endParaRPr lang="en-US" sz="2199" dirty="0">
               <a:solidFill>
